--- a/Диплом/2023ВКР938102АУХАДИЕВ.pptx
+++ b/Диплом/2023ВКР938102АУХАДИЕВ.pptx
@@ -1,18 +1,18 @@
 
 <file path=ppt/presentation.xml><?xml version="1.0" encoding="utf-8"?>
-<p:presentation xmlns:a="http://schemas.openxmlformats.org/drawingml/2006/main" xmlns:r="http://schemas.openxmlformats.org/officeDocument/2006/relationships" xmlns:p="http://schemas.openxmlformats.org/presentationml/2006/main" saveSubsetFonts="1">
+<p:presentation xmlns:a="http://schemas.openxmlformats.org/drawingml/2006/main" xmlns:r="http://schemas.openxmlformats.org/officeDocument/2006/relationships" xmlns:p="http://schemas.openxmlformats.org/presentationml/2006/main" showSpecialPlsOnTitleSld="0" saveSubsetFonts="1">
   <p:sldMasterIdLst>
     <p:sldMasterId id="2147483648" r:id="rId1"/>
   </p:sldMasterIdLst>
   <p:notesMasterIdLst>
-    <p:notesMasterId r:id="rId19"/>
+    <p:notesMasterId r:id="rId25"/>
   </p:notesMasterIdLst>
   <p:sldIdLst>
     <p:sldId id="256" r:id="rId2"/>
     <p:sldId id="257" r:id="rId3"/>
     <p:sldId id="258" r:id="rId4"/>
     <p:sldId id="259" r:id="rId5"/>
-    <p:sldId id="260" r:id="rId6"/>
+    <p:sldId id="275" r:id="rId6"/>
     <p:sldId id="262" r:id="rId7"/>
     <p:sldId id="263" r:id="rId8"/>
     <p:sldId id="264" r:id="rId9"/>
@@ -23,8 +23,14 @@
     <p:sldId id="269" r:id="rId14"/>
     <p:sldId id="270" r:id="rId15"/>
     <p:sldId id="271" r:id="rId16"/>
-    <p:sldId id="272" r:id="rId17"/>
-    <p:sldId id="273" r:id="rId18"/>
+    <p:sldId id="273" r:id="rId17"/>
+    <p:sldId id="274" r:id="rId18"/>
+    <p:sldId id="276" r:id="rId19"/>
+    <p:sldId id="278" r:id="rId20"/>
+    <p:sldId id="279" r:id="rId21"/>
+    <p:sldId id="280" r:id="rId22"/>
+    <p:sldId id="281" r:id="rId23"/>
+    <p:sldId id="282" r:id="rId24"/>
   </p:sldIdLst>
   <p:sldSz cx="12192000" cy="6858000"/>
   <p:notesSz cx="6858000" cy="9144000"/>
@@ -213,7 +219,7 @@
           <a:p>
             <a:fld id="{E6359D3A-E4E8-41CC-A137-3C4842072C72}" type="datetimeFigureOut">
               <a:rPr lang="ru-RU" smtClean="0"/>
-              <a:t>18.05.2023</a:t>
+              <a:t>24.05.2023</a:t>
             </a:fld>
             <a:endParaRPr lang="ru-RU"/>
           </a:p>
@@ -877,9 +883,9 @@
           <a:bodyPr/>
           <a:lstStyle/>
           <a:p>
-            <a:fld id="{134DDBCF-2D3F-4E0E-9D00-546D4914E5DC}" type="datetimeFigureOut">
+            <a:fld id="{7B5082B0-3287-43E5-816C-D9FD3EAF4602}" type="datetime1">
               <a:rPr lang="ru-RU" smtClean="0"/>
-              <a:t>18.05.2023</a:t>
+              <a:t>24.05.2023</a:t>
             </a:fld>
             <a:endParaRPr lang="ru-RU"/>
           </a:p>
@@ -1075,9 +1081,9 @@
           <a:bodyPr/>
           <a:lstStyle/>
           <a:p>
-            <a:fld id="{134DDBCF-2D3F-4E0E-9D00-546D4914E5DC}" type="datetimeFigureOut">
+            <a:fld id="{F89C2CB4-A608-4123-862B-7F6A6CF70692}" type="datetime1">
               <a:rPr lang="ru-RU" smtClean="0"/>
-              <a:t>18.05.2023</a:t>
+              <a:t>24.05.2023</a:t>
             </a:fld>
             <a:endParaRPr lang="ru-RU"/>
           </a:p>
@@ -1283,9 +1289,9 @@
           <a:bodyPr/>
           <a:lstStyle/>
           <a:p>
-            <a:fld id="{134DDBCF-2D3F-4E0E-9D00-546D4914E5DC}" type="datetimeFigureOut">
+            <a:fld id="{6AB79602-320F-4403-977D-14C6001698D5}" type="datetime1">
               <a:rPr lang="ru-RU" smtClean="0"/>
-              <a:t>18.05.2023</a:t>
+              <a:t>24.05.2023</a:t>
             </a:fld>
             <a:endParaRPr lang="ru-RU"/>
           </a:p>
@@ -1481,9 +1487,9 @@
           <a:bodyPr/>
           <a:lstStyle/>
           <a:p>
-            <a:fld id="{134DDBCF-2D3F-4E0E-9D00-546D4914E5DC}" type="datetimeFigureOut">
+            <a:fld id="{A08165AC-A9DA-4199-8CA4-947B615D96DE}" type="datetime1">
               <a:rPr lang="ru-RU" smtClean="0"/>
-              <a:t>18.05.2023</a:t>
+              <a:t>24.05.2023</a:t>
             </a:fld>
             <a:endParaRPr lang="ru-RU"/>
           </a:p>
@@ -1533,13 +1539,18 @@
         <p:spPr/>
         <p:txBody>
           <a:bodyPr/>
-          <a:lstStyle/>
+          <a:lstStyle>
+            <a:lvl1pPr>
+              <a:defRPr sz="1400" baseline="0"/>
+            </a:lvl1pPr>
+          </a:lstStyle>
           <a:p>
             <a:fld id="{CB2D0BB1-D3E1-48DF-AD13-5A27F6929C9A}" type="slidenum">
               <a:rPr lang="ru-RU" smtClean="0"/>
+              <a:pPr/>
               <a:t>‹#›</a:t>
             </a:fld>
-            <a:endParaRPr lang="ru-RU"/>
+            <a:endParaRPr lang="ru-RU" dirty="0"/>
           </a:p>
         </p:txBody>
       </p:sp>
@@ -1756,9 +1767,9 @@
           <a:bodyPr/>
           <a:lstStyle/>
           <a:p>
-            <a:fld id="{134DDBCF-2D3F-4E0E-9D00-546D4914E5DC}" type="datetimeFigureOut">
+            <a:fld id="{9D514EFA-D2AF-4C31-AFFB-229E01F1A076}" type="datetime1">
               <a:rPr lang="ru-RU" smtClean="0"/>
-              <a:t>18.05.2023</a:t>
+              <a:t>24.05.2023</a:t>
             </a:fld>
             <a:endParaRPr lang="ru-RU"/>
           </a:p>
@@ -2021,9 +2032,9 @@
           <a:bodyPr/>
           <a:lstStyle/>
           <a:p>
-            <a:fld id="{134DDBCF-2D3F-4E0E-9D00-546D4914E5DC}" type="datetimeFigureOut">
+            <a:fld id="{D2E10D43-1522-44F8-8F22-5ADB79C98512}" type="datetime1">
               <a:rPr lang="ru-RU" smtClean="0"/>
-              <a:t>18.05.2023</a:t>
+              <a:t>24.05.2023</a:t>
             </a:fld>
             <a:endParaRPr lang="ru-RU"/>
           </a:p>
@@ -2433,9 +2444,9 @@
           <a:bodyPr/>
           <a:lstStyle/>
           <a:p>
-            <a:fld id="{134DDBCF-2D3F-4E0E-9D00-546D4914E5DC}" type="datetimeFigureOut">
+            <a:fld id="{1DE7E041-C92C-48BF-8714-D0952C3BE090}" type="datetime1">
               <a:rPr lang="ru-RU" smtClean="0"/>
-              <a:t>18.05.2023</a:t>
+              <a:t>24.05.2023</a:t>
             </a:fld>
             <a:endParaRPr lang="ru-RU"/>
           </a:p>
@@ -2574,9 +2585,9 @@
           <a:bodyPr/>
           <a:lstStyle/>
           <a:p>
-            <a:fld id="{134DDBCF-2D3F-4E0E-9D00-546D4914E5DC}" type="datetimeFigureOut">
+            <a:fld id="{97E48E92-A104-446B-B619-1661CAB643C6}" type="datetime1">
               <a:rPr lang="ru-RU" smtClean="0"/>
-              <a:t>18.05.2023</a:t>
+              <a:t>24.05.2023</a:t>
             </a:fld>
             <a:endParaRPr lang="ru-RU"/>
           </a:p>
@@ -2687,9 +2698,9 @@
           <a:bodyPr/>
           <a:lstStyle/>
           <a:p>
-            <a:fld id="{134DDBCF-2D3F-4E0E-9D00-546D4914E5DC}" type="datetimeFigureOut">
+            <a:fld id="{C80E3710-815D-4AB1-AB46-74DCC7DBD86C}" type="datetime1">
               <a:rPr lang="ru-RU" smtClean="0"/>
-              <a:t>18.05.2023</a:t>
+              <a:t>24.05.2023</a:t>
             </a:fld>
             <a:endParaRPr lang="ru-RU"/>
           </a:p>
@@ -2998,9 +3009,9 @@
           <a:bodyPr/>
           <a:lstStyle/>
           <a:p>
-            <a:fld id="{134DDBCF-2D3F-4E0E-9D00-546D4914E5DC}" type="datetimeFigureOut">
+            <a:fld id="{47AD3CA4-9661-4C8A-850A-7A7B5F7796EF}" type="datetime1">
               <a:rPr lang="ru-RU" smtClean="0"/>
-              <a:t>18.05.2023</a:t>
+              <a:t>24.05.2023</a:t>
             </a:fld>
             <a:endParaRPr lang="ru-RU"/>
           </a:p>
@@ -3286,9 +3297,9 @@
           <a:bodyPr/>
           <a:lstStyle/>
           <a:p>
-            <a:fld id="{134DDBCF-2D3F-4E0E-9D00-546D4914E5DC}" type="datetimeFigureOut">
+            <a:fld id="{C50BA481-189E-4E45-93FC-36685B56051A}" type="datetime1">
               <a:rPr lang="ru-RU" smtClean="0"/>
-              <a:t>18.05.2023</a:t>
+              <a:t>24.05.2023</a:t>
             </a:fld>
             <a:endParaRPr lang="ru-RU"/>
           </a:p>
@@ -3527,9 +3538,9 @@
             </a:lvl1pPr>
           </a:lstStyle>
           <a:p>
-            <a:fld id="{134DDBCF-2D3F-4E0E-9D00-546D4914E5DC}" type="datetimeFigureOut">
+            <a:fld id="{A346A408-71EC-414E-A884-2A7A4689BAE3}" type="datetime1">
               <a:rPr lang="ru-RU" smtClean="0"/>
-              <a:t>18.05.2023</a:t>
+              <a:t>24.05.2023</a:t>
             </a:fld>
             <a:endParaRPr lang="ru-RU"/>
           </a:p>
@@ -3646,6 +3657,7 @@
     <p:sldLayoutId id="2147483658" r:id="rId10"/>
     <p:sldLayoutId id="2147483659" r:id="rId11"/>
   </p:sldLayoutIdLst>
+  <p:hf hdr="0" ftr="0" dt="0"/>
   <p:txStyles>
     <p:titleStyle>
       <a:lvl1pPr algn="l" defTabSz="914400" rtl="0" eaLnBrk="1" latinLnBrk="0" hangingPunct="1">
@@ -5535,6 +5547,35 @@
           </a:p>
         </p:txBody>
       </p:sp>
+      <p:sp>
+        <p:nvSpPr>
+          <p:cNvPr id="2" name="Номер слайда 1">
+            <a:extLst>
+              <a:ext uri="{FF2B5EF4-FFF2-40B4-BE49-F238E27FC236}">
+                <a16:creationId xmlns:a16="http://schemas.microsoft.com/office/drawing/2014/main" id="{8D6ADE83-06AE-4CC9-F939-68AF33F9C17B}"/>
+              </a:ext>
+            </a:extLst>
+          </p:cNvPr>
+          <p:cNvSpPr>
+            <a:spLocks noGrp="1"/>
+          </p:cNvSpPr>
+          <p:nvPr>
+            <p:ph type="sldNum" sz="quarter" idx="12"/>
+          </p:nvPr>
+        </p:nvSpPr>
+        <p:spPr/>
+        <p:txBody>
+          <a:bodyPr/>
+          <a:lstStyle/>
+          <a:p>
+            <a:fld id="{CB2D0BB1-D3E1-48DF-AD13-5A27F6929C9A}" type="slidenum">
+              <a:rPr lang="ru-RU" smtClean="0"/>
+              <a:t>10</a:t>
+            </a:fld>
+            <a:endParaRPr lang="ru-RU"/>
+          </a:p>
+        </p:txBody>
+      </p:sp>
     </p:spTree>
     <p:extLst>
       <p:ext uri="{BB962C8B-B14F-4D97-AF65-F5344CB8AC3E}">
@@ -5626,7 +5667,7 @@
         </p:spPr>
         <p:txBody>
           <a:bodyPr>
-            <a:normAutofit/>
+            <a:normAutofit fontScale="92500" lnSpcReduction="10000"/>
           </a:bodyPr>
           <a:lstStyle/>
           <a:p>
@@ -5647,25 +5688,35 @@
                 <a:latin typeface="Times New Roman" panose="02020603050405020304" pitchFamily="18" charset="0"/>
                 <a:cs typeface="Times New Roman" panose="02020603050405020304" pitchFamily="18" charset="0"/>
               </a:rPr>
-              <a:t>Поставленная задача была детально формализована</a:t>
-            </a:r>
-          </a:p>
-          <a:p>
+              <a:t>Разработаны математическая модель, </a:t>
+            </a:r>
+            <a:r>
+              <a:rPr lang="en-US" sz="2400" dirty="0">
+                <a:latin typeface="Times New Roman" panose="02020603050405020304" pitchFamily="18" charset="0"/>
+                <a:cs typeface="Times New Roman" panose="02020603050405020304" pitchFamily="18" charset="0"/>
+              </a:rPr>
+              <a:t>DTD-</a:t>
+            </a:r>
             <a:r>
               <a:rPr lang="ru-RU" sz="2400" dirty="0">
                 <a:latin typeface="Times New Roman" panose="02020603050405020304" pitchFamily="18" charset="0"/>
                 <a:cs typeface="Times New Roman" panose="02020603050405020304" pitchFamily="18" charset="0"/>
               </a:rPr>
-              <a:t>Проведён подробный обзор аналогов</a:t>
-            </a:r>
-          </a:p>
-          <a:p>
+              <a:t>схема дерева поведения, архитектура, </a:t>
+            </a:r>
+            <a:r>
+              <a:rPr lang="en-US" sz="2400" dirty="0">
+                <a:latin typeface="Times New Roman" panose="02020603050405020304" pitchFamily="18" charset="0"/>
+                <a:cs typeface="Times New Roman" panose="02020603050405020304" pitchFamily="18" charset="0"/>
+              </a:rPr>
+              <a:t>UML</a:t>
+            </a:r>
             <a:r>
               <a:rPr lang="ru-RU" sz="2400" dirty="0">
                 <a:latin typeface="Times New Roman" panose="02020603050405020304" pitchFamily="18" charset="0"/>
                 <a:cs typeface="Times New Roman" panose="02020603050405020304" pitchFamily="18" charset="0"/>
               </a:rPr>
-              <a:t>Разработаны математическая модель и архитектура</a:t>
+              <a:t>-диаграммы компонентов и потоков данных</a:t>
             </a:r>
           </a:p>
           <a:p>
@@ -5674,16 +5725,65 @@
                 <a:latin typeface="Times New Roman" panose="02020603050405020304" pitchFamily="18" charset="0"/>
                 <a:cs typeface="Times New Roman" panose="02020603050405020304" pitchFamily="18" charset="0"/>
               </a:rPr>
-              <a:t>Разработана диаграмма из более чем 25 классов с использованием 3 шаблонов проектирования</a:t>
-            </a:r>
-          </a:p>
-          <a:p>
+              <a:t>Разработаны </a:t>
+            </a:r>
+            <a:r>
+              <a:rPr lang="en-US" sz="2400" dirty="0">
+                <a:latin typeface="Times New Roman" panose="02020603050405020304" pitchFamily="18" charset="0"/>
+                <a:cs typeface="Times New Roman" panose="02020603050405020304" pitchFamily="18" charset="0"/>
+              </a:rPr>
+              <a:t>UML</a:t>
+            </a:r>
             <a:r>
               <a:rPr lang="ru-RU" sz="2400" dirty="0">
                 <a:latin typeface="Times New Roman" panose="02020603050405020304" pitchFamily="18" charset="0"/>
                 <a:cs typeface="Times New Roman" panose="02020603050405020304" pitchFamily="18" charset="0"/>
               </a:rPr>
+              <a:t>-диаграмма классов из более чем 25 классов с использованием 3 шаблонов проектирования, </a:t>
+            </a:r>
+            <a:r>
+              <a:rPr lang="en-US" sz="2400" dirty="0">
+                <a:latin typeface="Times New Roman" panose="02020603050405020304" pitchFamily="18" charset="0"/>
+                <a:cs typeface="Times New Roman" panose="02020603050405020304" pitchFamily="18" charset="0"/>
+              </a:rPr>
+              <a:t>UML-</a:t>
+            </a:r>
+            <a:r>
+              <a:rPr lang="ru-RU" sz="2400" dirty="0">
+                <a:latin typeface="Times New Roman" panose="02020603050405020304" pitchFamily="18" charset="0"/>
+                <a:cs typeface="Times New Roman" panose="02020603050405020304" pitchFamily="18" charset="0"/>
+              </a:rPr>
+              <a:t>диаграммы последовательности и действий основного алгоритма</a:t>
+            </a:r>
+          </a:p>
+          <a:p>
+            <a:r>
+              <a:rPr lang="ru-RU" sz="2400" dirty="0">
+                <a:latin typeface="Times New Roman" panose="02020603050405020304" pitchFamily="18" charset="0"/>
+                <a:cs typeface="Times New Roman" panose="02020603050405020304" pitchFamily="18" charset="0"/>
+              </a:rPr>
+              <a:t>Реализована программа с использованием шести деревьев поведения, способная провести полную игровую сессию, принимающая решения как на тактическом, так и стратегическом уровне, и не зависящая от наличия экспертных знаний</a:t>
+            </a:r>
+          </a:p>
+          <a:p>
+            <a:r>
+              <a:rPr lang="ru-RU" sz="2400" dirty="0">
+                <a:latin typeface="Times New Roman" panose="02020603050405020304" pitchFamily="18" charset="0"/>
+                <a:cs typeface="Times New Roman" panose="02020603050405020304" pitchFamily="18" charset="0"/>
+              </a:rPr>
               <a:t>Проведённый эксперимент доказал работоспособность программы, но выявил некоторые отличия наблюдаемого поведения от ожидаемого, что решается путём усложнения реализованной логики</a:t>
+            </a:r>
+          </a:p>
+          <a:p>
+            <a:pPr marL="0" indent="0">
+              <a:buNone/>
+            </a:pPr>
+            <a:r>
+              <a:rPr lang="ru-RU" sz="2400" dirty="0">
+                <a:latin typeface="Times New Roman" panose="02020603050405020304" pitchFamily="18" charset="0"/>
+                <a:cs typeface="Times New Roman" panose="02020603050405020304" pitchFamily="18" charset="0"/>
+              </a:rPr>
+              <a:t>В качестве дальнейших разработок возможна реализация программы для создания деревьев поведения через графический интерфейс</a:t>
             </a:r>
           </a:p>
           <a:p>
@@ -5772,6 +5872,35 @@
               </a:rPr>
               <a:t> </a:t>
             </a:r>
+          </a:p>
+        </p:txBody>
+      </p:sp>
+      <p:sp>
+        <p:nvSpPr>
+          <p:cNvPr id="2" name="Номер слайда 1">
+            <a:extLst>
+              <a:ext uri="{FF2B5EF4-FFF2-40B4-BE49-F238E27FC236}">
+                <a16:creationId xmlns:a16="http://schemas.microsoft.com/office/drawing/2014/main" id="{AB0FB171-2D7B-23B6-DB7E-E321510F6BA0}"/>
+              </a:ext>
+            </a:extLst>
+          </p:cNvPr>
+          <p:cNvSpPr>
+            <a:spLocks noGrp="1"/>
+          </p:cNvSpPr>
+          <p:nvPr>
+            <p:ph type="sldNum" sz="quarter" idx="12"/>
+          </p:nvPr>
+        </p:nvSpPr>
+        <p:spPr/>
+        <p:txBody>
+          <a:bodyPr/>
+          <a:lstStyle/>
+          <a:p>
+            <a:fld id="{CB2D0BB1-D3E1-48DF-AD13-5A27F6929C9A}" type="slidenum">
+              <a:rPr lang="ru-RU" smtClean="0"/>
+              <a:t>11</a:t>
+            </a:fld>
+            <a:endParaRPr lang="ru-RU"/>
           </a:p>
         </p:txBody>
       </p:sp>
@@ -5842,6 +5971,35 @@
           </a:p>
         </p:txBody>
       </p:sp>
+      <p:sp>
+        <p:nvSpPr>
+          <p:cNvPr id="2" name="Номер слайда 1">
+            <a:extLst>
+              <a:ext uri="{FF2B5EF4-FFF2-40B4-BE49-F238E27FC236}">
+                <a16:creationId xmlns:a16="http://schemas.microsoft.com/office/drawing/2014/main" id="{842156CF-7E0E-A36D-8343-DD090A012E49}"/>
+              </a:ext>
+            </a:extLst>
+          </p:cNvPr>
+          <p:cNvSpPr>
+            <a:spLocks noGrp="1"/>
+          </p:cNvSpPr>
+          <p:nvPr>
+            <p:ph type="sldNum" sz="quarter" idx="12"/>
+          </p:nvPr>
+        </p:nvSpPr>
+        <p:spPr/>
+        <p:txBody>
+          <a:bodyPr/>
+          <a:lstStyle/>
+          <a:p>
+            <a:fld id="{CB2D0BB1-D3E1-48DF-AD13-5A27F6929C9A}" type="slidenum">
+              <a:rPr lang="ru-RU" smtClean="0"/>
+              <a:t>12</a:t>
+            </a:fld>
+            <a:endParaRPr lang="ru-RU"/>
+          </a:p>
+        </p:txBody>
+      </p:sp>
     </p:spTree>
     <p:extLst>
       <p:ext uri="{BB962C8B-B14F-4D97-AF65-F5344CB8AC3E}">
@@ -5906,6 +6064,35 @@
               </a:rPr>
               <a:t>Запасные слайды</a:t>
             </a:r>
+          </a:p>
+        </p:txBody>
+      </p:sp>
+      <p:sp>
+        <p:nvSpPr>
+          <p:cNvPr id="2" name="Номер слайда 1">
+            <a:extLst>
+              <a:ext uri="{FF2B5EF4-FFF2-40B4-BE49-F238E27FC236}">
+                <a16:creationId xmlns:a16="http://schemas.microsoft.com/office/drawing/2014/main" id="{03384F8B-415E-9EFB-9A32-59BD2D73BE23}"/>
+              </a:ext>
+            </a:extLst>
+          </p:cNvPr>
+          <p:cNvSpPr>
+            <a:spLocks noGrp="1"/>
+          </p:cNvSpPr>
+          <p:nvPr>
+            <p:ph type="sldNum" sz="quarter" idx="12"/>
+          </p:nvPr>
+        </p:nvSpPr>
+        <p:spPr/>
+        <p:txBody>
+          <a:bodyPr/>
+          <a:lstStyle/>
+          <a:p>
+            <a:fld id="{CB2D0BB1-D3E1-48DF-AD13-5A27F6929C9A}" type="slidenum">
+              <a:rPr lang="ru-RU" smtClean="0"/>
+              <a:t>13</a:t>
+            </a:fld>
+            <a:endParaRPr lang="ru-RU"/>
           </a:p>
         </p:txBody>
       </p:sp>
@@ -5982,6 +6169,35 @@
           </a:extLst>
         </p:spPr>
       </p:pic>
+      <p:sp>
+        <p:nvSpPr>
+          <p:cNvPr id="2" name="Номер слайда 1">
+            <a:extLst>
+              <a:ext uri="{FF2B5EF4-FFF2-40B4-BE49-F238E27FC236}">
+                <a16:creationId xmlns:a16="http://schemas.microsoft.com/office/drawing/2014/main" id="{A9EC8485-4A0D-79BC-A184-2754A74ABF01}"/>
+              </a:ext>
+            </a:extLst>
+          </p:cNvPr>
+          <p:cNvSpPr>
+            <a:spLocks noGrp="1"/>
+          </p:cNvSpPr>
+          <p:nvPr>
+            <p:ph type="sldNum" sz="quarter" idx="12"/>
+          </p:nvPr>
+        </p:nvSpPr>
+        <p:spPr/>
+        <p:txBody>
+          <a:bodyPr/>
+          <a:lstStyle/>
+          <a:p>
+            <a:fld id="{CB2D0BB1-D3E1-48DF-AD13-5A27F6929C9A}" type="slidenum">
+              <a:rPr lang="ru-RU" smtClean="0"/>
+              <a:t>14</a:t>
+            </a:fld>
+            <a:endParaRPr lang="ru-RU"/>
+          </a:p>
+        </p:txBody>
+      </p:sp>
     </p:spTree>
     <p:extLst>
       <p:ext uri="{BB962C8B-B14F-4D97-AF65-F5344CB8AC3E}">
@@ -6055,6 +6271,35 @@
           </a:extLst>
         </p:spPr>
       </p:pic>
+      <p:sp>
+        <p:nvSpPr>
+          <p:cNvPr id="2" name="Номер слайда 1">
+            <a:extLst>
+              <a:ext uri="{FF2B5EF4-FFF2-40B4-BE49-F238E27FC236}">
+                <a16:creationId xmlns:a16="http://schemas.microsoft.com/office/drawing/2014/main" id="{9782BC6B-53E1-B66E-573B-AD9F8D42CDDC}"/>
+              </a:ext>
+            </a:extLst>
+          </p:cNvPr>
+          <p:cNvSpPr>
+            <a:spLocks noGrp="1"/>
+          </p:cNvSpPr>
+          <p:nvPr>
+            <p:ph type="sldNum" sz="quarter" idx="12"/>
+          </p:nvPr>
+        </p:nvSpPr>
+        <p:spPr/>
+        <p:txBody>
+          <a:bodyPr/>
+          <a:lstStyle/>
+          <a:p>
+            <a:fld id="{CB2D0BB1-D3E1-48DF-AD13-5A27F6929C9A}" type="slidenum">
+              <a:rPr lang="ru-RU" smtClean="0"/>
+              <a:t>15</a:t>
+            </a:fld>
+            <a:endParaRPr lang="ru-RU"/>
+          </a:p>
+        </p:txBody>
+      </p:sp>
     </p:spTree>
     <p:extLst>
       <p:ext uri="{BB962C8B-B14F-4D97-AF65-F5344CB8AC3E}">
@@ -6087,10 +6332,10 @@
       </p:grpSpPr>
       <p:pic>
         <p:nvPicPr>
-          <p:cNvPr id="4" name="Рисунок 3" descr="Изображение выглядит как многоугольник&#10;&#10;Автоматически созданное описание">
+          <p:cNvPr id="4" name="Рисунок 3" descr="Изображение выглядит как диаграмма&#10;&#10;Автоматически созданное описание">
             <a:extLst>
               <a:ext uri="{FF2B5EF4-FFF2-40B4-BE49-F238E27FC236}">
-                <a16:creationId xmlns:a16="http://schemas.microsoft.com/office/drawing/2014/main" id="{AC3AA21D-4076-FC0C-432F-668A0DF1141C}"/>
+                <a16:creationId xmlns:a16="http://schemas.microsoft.com/office/drawing/2014/main" id="{8DE452AF-CCB6-66F7-F095-8BB57BEB9735}"/>
               </a:ext>
             </a:extLst>
           </p:cNvPr>
@@ -6099,7 +6344,7 @@
           </p:cNvPicPr>
           <p:nvPr/>
         </p:nvPicPr>
-        <p:blipFill rotWithShape="1">
+        <p:blipFill>
           <a:blip r:embed="rId2">
             <a:extLst>
               <a:ext uri="{28A0092B-C50C-407E-A947-70E740481C1C}">
@@ -6107,74 +6352,53 @@
               </a:ext>
             </a:extLst>
           </a:blip>
-          <a:srcRect l="179" t="-269" r="-179" b="50458"/>
-          <a:stretch/>
+          <a:stretch>
+            <a:fillRect/>
+          </a:stretch>
         </p:blipFill>
-        <p:spPr bwMode="auto">
+        <p:spPr>
           <a:xfrm>
-            <a:off x="2457449" y="377190"/>
-            <a:ext cx="7135421" cy="2956560"/>
+            <a:off x="2227579" y="0"/>
+            <a:ext cx="7736841" cy="6756059"/>
           </a:xfrm>
           <a:prstGeom prst="rect">
             <a:avLst/>
           </a:prstGeom>
-          <a:ln>
-            <a:noFill/>
-          </a:ln>
-          <a:extLst>
-            <a:ext uri="{53640926-AAD7-44D8-BBD7-CCE9431645EC}">
-              <a14:shadowObscured xmlns:a14="http://schemas.microsoft.com/office/drawing/2010/main"/>
-            </a:ext>
-          </a:extLst>
         </p:spPr>
       </p:pic>
-      <p:pic>
-        <p:nvPicPr>
-          <p:cNvPr id="5" name="Рисунок 4" descr="Изображение выглядит как многоугольник&#10;&#10;Автоматически созданное описание">
+      <p:sp>
+        <p:nvSpPr>
+          <p:cNvPr id="2" name="Номер слайда 1">
             <a:extLst>
               <a:ext uri="{FF2B5EF4-FFF2-40B4-BE49-F238E27FC236}">
-                <a16:creationId xmlns:a16="http://schemas.microsoft.com/office/drawing/2014/main" id="{976EB5AC-D121-9E41-577F-66CB287F8145}"/>
+                <a16:creationId xmlns:a16="http://schemas.microsoft.com/office/drawing/2014/main" id="{6A1FE23E-A7CF-0C54-D7D5-BD27B9C4F7AE}"/>
               </a:ext>
             </a:extLst>
           </p:cNvPr>
-          <p:cNvPicPr>
-            <a:picLocks noChangeAspect="1"/>
-          </p:cNvPicPr>
-          <p:nvPr/>
-        </p:nvPicPr>
-        <p:blipFill rotWithShape="1">
-          <a:blip r:embed="rId3">
-            <a:extLst>
-              <a:ext uri="{28A0092B-C50C-407E-A947-70E740481C1C}">
-                <a14:useLocalDpi xmlns:a14="http://schemas.microsoft.com/office/drawing/2010/main" val="0"/>
-              </a:ext>
-            </a:extLst>
-          </a:blip>
-          <a:srcRect t="74825"/>
-          <a:stretch/>
-        </p:blipFill>
-        <p:spPr bwMode="auto">
-          <a:xfrm>
-            <a:off x="1554481" y="3850957"/>
-            <a:ext cx="9083038" cy="1902143"/>
-          </a:xfrm>
-          <a:prstGeom prst="rect">
-            <a:avLst/>
-          </a:prstGeom>
-          <a:ln>
-            <a:noFill/>
-          </a:ln>
-          <a:extLst>
-            <a:ext uri="{53640926-AAD7-44D8-BBD7-CCE9431645EC}">
-              <a14:shadowObscured xmlns:a14="http://schemas.microsoft.com/office/drawing/2010/main"/>
-            </a:ext>
-          </a:extLst>
-        </p:spPr>
-      </p:pic>
+          <p:cNvSpPr>
+            <a:spLocks noGrp="1"/>
+          </p:cNvSpPr>
+          <p:nvPr>
+            <p:ph type="sldNum" sz="quarter" idx="12"/>
+          </p:nvPr>
+        </p:nvSpPr>
+        <p:spPr/>
+        <p:txBody>
+          <a:bodyPr/>
+          <a:lstStyle/>
+          <a:p>
+            <a:fld id="{CB2D0BB1-D3E1-48DF-AD13-5A27F6929C9A}" type="slidenum">
+              <a:rPr lang="ru-RU" smtClean="0"/>
+              <a:t>16</a:t>
+            </a:fld>
+            <a:endParaRPr lang="ru-RU" dirty="0"/>
+          </a:p>
+        </p:txBody>
+      </p:sp>
     </p:spTree>
     <p:extLst>
       <p:ext uri="{BB962C8B-B14F-4D97-AF65-F5344CB8AC3E}">
-        <p14:creationId xmlns:p14="http://schemas.microsoft.com/office/powerpoint/2010/main" val="1111357079"/>
+        <p14:creationId xmlns:p14="http://schemas.microsoft.com/office/powerpoint/2010/main" val="1947849409"/>
       </p:ext>
     </p:extLst>
   </p:cSld>
@@ -6201,12 +6425,96 @@
           <a:chExt cx="0" cy="0"/>
         </a:xfrm>
       </p:grpSpPr>
+      <p:sp>
+        <p:nvSpPr>
+          <p:cNvPr id="4" name="Заголовок 1">
+            <a:extLst>
+              <a:ext uri="{FF2B5EF4-FFF2-40B4-BE49-F238E27FC236}">
+                <a16:creationId xmlns:a16="http://schemas.microsoft.com/office/drawing/2014/main" id="{7B42C361-4BE5-D607-CC88-0780C3C79A00}"/>
+              </a:ext>
+            </a:extLst>
+          </p:cNvPr>
+          <p:cNvSpPr>
+            <a:spLocks noGrp="1"/>
+          </p:cNvSpPr>
+          <p:nvPr>
+            <p:ph type="title"/>
+          </p:nvPr>
+        </p:nvSpPr>
+        <p:spPr>
+          <a:xfrm>
+            <a:off x="838200" y="-295275"/>
+            <a:ext cx="10515600" cy="1325563"/>
+          </a:xfrm>
+        </p:spPr>
+        <p:txBody>
+          <a:bodyPr/>
+          <a:lstStyle/>
+          <a:p>
+            <a:pPr algn="ctr"/>
+            <a:r>
+              <a:rPr lang="ru-RU" dirty="0">
+                <a:latin typeface="Times New Roman" panose="02020603050405020304" pitchFamily="18" charset="0"/>
+                <a:cs typeface="Times New Roman" panose="02020603050405020304" pitchFamily="18" charset="0"/>
+              </a:rPr>
+              <a:t>Деревья поведения</a:t>
+            </a:r>
+          </a:p>
+        </p:txBody>
+      </p:sp>
       <p:pic>
         <p:nvPicPr>
-          <p:cNvPr id="4" name="Рисунок 3" descr="Изображение выглядит как диаграмма&#10;&#10;Автоматически созданное описание">
+          <p:cNvPr id="1026" name="Picture 2">
             <a:extLst>
               <a:ext uri="{FF2B5EF4-FFF2-40B4-BE49-F238E27FC236}">
-                <a16:creationId xmlns:a16="http://schemas.microsoft.com/office/drawing/2014/main" id="{8DE452AF-CCB6-66F7-F095-8BB57BEB9735}"/>
+                <a16:creationId xmlns:a16="http://schemas.microsoft.com/office/drawing/2014/main" id="{C473A355-FB0A-E097-50D7-E87D40569118}"/>
+              </a:ext>
+            </a:extLst>
+          </p:cNvPr>
+          <p:cNvPicPr>
+            <a:picLocks noChangeAspect="1" noChangeArrowheads="1"/>
+          </p:cNvPicPr>
+          <p:nvPr/>
+        </p:nvPicPr>
+        <p:blipFill>
+          <a:blip r:embed="rId2">
+            <a:extLst>
+              <a:ext uri="{28A0092B-C50C-407E-A947-70E740481C1C}">
+                <a14:useLocalDpi xmlns:a14="http://schemas.microsoft.com/office/drawing/2010/main" val="0"/>
+              </a:ext>
+            </a:extLst>
+          </a:blip>
+          <a:srcRect/>
+          <a:stretch>
+            <a:fillRect/>
+          </a:stretch>
+        </p:blipFill>
+        <p:spPr bwMode="auto">
+          <a:xfrm>
+            <a:off x="0" y="1304924"/>
+            <a:ext cx="6261101" cy="4695826"/>
+          </a:xfrm>
+          <a:prstGeom prst="rect">
+            <a:avLst/>
+          </a:prstGeom>
+          <a:noFill/>
+          <a:extLst>
+            <a:ext uri="{909E8E84-426E-40DD-AFC4-6F175D3DCCD1}">
+              <a14:hiddenFill xmlns:a14="http://schemas.microsoft.com/office/drawing/2010/main">
+                <a:solidFill>
+                  <a:srgbClr val="FFFFFF"/>
+                </a:solidFill>
+              </a14:hiddenFill>
+            </a:ext>
+          </a:extLst>
+        </p:spPr>
+      </p:pic>
+      <p:pic>
+        <p:nvPicPr>
+          <p:cNvPr id="2" name="Рисунок 1" descr="Изображение выглядит как многоугольник&#10;&#10;Автоматически созданное описание">
+            <a:extLst>
+              <a:ext uri="{FF2B5EF4-FFF2-40B4-BE49-F238E27FC236}">
+                <a16:creationId xmlns:a16="http://schemas.microsoft.com/office/drawing/2014/main" id="{55939AC8-99FD-CE17-1410-68CA7CE13248}"/>
               </a:ext>
             </a:extLst>
           </p:cNvPr>
@@ -6215,32 +6523,1391 @@
           </p:cNvPicPr>
           <p:nvPr/>
         </p:nvPicPr>
-        <p:blipFill>
-          <a:blip r:embed="rId2">
+        <p:blipFill rotWithShape="1">
+          <a:blip r:embed="rId3">
             <a:extLst>
               <a:ext uri="{28A0092B-C50C-407E-A947-70E740481C1C}">
                 <a14:useLocalDpi xmlns:a14="http://schemas.microsoft.com/office/drawing/2010/main" val="0"/>
               </a:ext>
             </a:extLst>
           </a:blip>
-          <a:stretch>
-            <a:fillRect/>
-          </a:stretch>
+          <a:srcRect l="179" t="-269" r="-179" b="50458"/>
+          <a:stretch/>
         </p:blipFill>
+        <p:spPr bwMode="auto">
+          <a:xfrm>
+            <a:off x="6096000" y="1044573"/>
+            <a:ext cx="5567464" cy="2306877"/>
+          </a:xfrm>
+          <a:prstGeom prst="rect">
+            <a:avLst/>
+          </a:prstGeom>
+          <a:ln>
+            <a:noFill/>
+          </a:ln>
+          <a:extLst>
+            <a:ext uri="{53640926-AAD7-44D8-BBD7-CCE9431645EC}">
+              <a14:shadowObscured xmlns:a14="http://schemas.microsoft.com/office/drawing/2010/main"/>
+            </a:ext>
+          </a:extLst>
+        </p:spPr>
+      </p:pic>
+      <p:sp>
+        <p:nvSpPr>
+          <p:cNvPr id="5" name="Заголовок 1">
+            <a:extLst>
+              <a:ext uri="{FF2B5EF4-FFF2-40B4-BE49-F238E27FC236}">
+                <a16:creationId xmlns:a16="http://schemas.microsoft.com/office/drawing/2014/main" id="{56BB2D14-CE34-AFEC-BCE9-015CCF8413A3}"/>
+              </a:ext>
+            </a:extLst>
+          </p:cNvPr>
+          <p:cNvSpPr txBox="1">
+            <a:spLocks/>
+          </p:cNvSpPr>
+          <p:nvPr/>
+        </p:nvSpPr>
         <p:spPr>
           <a:xfrm>
-            <a:off x="2227579" y="0"/>
-            <a:ext cx="7736841" cy="6756059"/>
+            <a:off x="6438902" y="3506551"/>
+            <a:ext cx="5224562" cy="457200"/>
           </a:xfrm>
           <a:prstGeom prst="rect">
             <a:avLst/>
           </a:prstGeom>
         </p:spPr>
+        <p:txBody>
+          <a:bodyPr vert="horz" lIns="91440" tIns="45720" rIns="91440" bIns="45720" rtlCol="0" anchor="ctr">
+            <a:normAutofit fontScale="55000" lnSpcReduction="20000"/>
+          </a:bodyPr>
+          <a:lstStyle>
+            <a:lvl1pPr algn="l" defTabSz="914400" rtl="0" eaLnBrk="1" latinLnBrk="0" hangingPunct="1">
+              <a:lnSpc>
+                <a:spcPct val="90000"/>
+              </a:lnSpc>
+              <a:spcBef>
+                <a:spcPct val="0"/>
+              </a:spcBef>
+              <a:buNone/>
+              <a:defRPr sz="4400" kern="1200">
+                <a:solidFill>
+                  <a:schemeClr val="tx1"/>
+                </a:solidFill>
+                <a:latin typeface="+mj-lt"/>
+                <a:ea typeface="+mj-ea"/>
+                <a:cs typeface="+mj-cs"/>
+              </a:defRPr>
+            </a:lvl1pPr>
+          </a:lstStyle>
+          <a:p>
+            <a:pPr algn="ctr"/>
+            <a:r>
+              <a:rPr lang="ru-RU" dirty="0">
+                <a:latin typeface="Times New Roman" panose="02020603050405020304" pitchFamily="18" charset="0"/>
+                <a:cs typeface="Times New Roman" panose="02020603050405020304" pitchFamily="18" charset="0"/>
+              </a:rPr>
+              <a:t>Внутренние узлы деревьев поведения</a:t>
+            </a:r>
+          </a:p>
+        </p:txBody>
+      </p:sp>
+      <p:pic>
+        <p:nvPicPr>
+          <p:cNvPr id="6" name="Рисунок 5" descr="Изображение выглядит как многоугольник&#10;&#10;Автоматически созданное описание">
+            <a:extLst>
+              <a:ext uri="{FF2B5EF4-FFF2-40B4-BE49-F238E27FC236}">
+                <a16:creationId xmlns:a16="http://schemas.microsoft.com/office/drawing/2014/main" id="{76324676-FA3A-E598-F189-FFD3B31711AA}"/>
+              </a:ext>
+            </a:extLst>
+          </p:cNvPr>
+          <p:cNvPicPr>
+            <a:picLocks noChangeAspect="1"/>
+          </p:cNvPicPr>
+          <p:nvPr/>
+        </p:nvPicPr>
+        <p:blipFill rotWithShape="1">
+          <a:blip r:embed="rId4">
+            <a:extLst>
+              <a:ext uri="{28A0092B-C50C-407E-A947-70E740481C1C}">
+                <a14:useLocalDpi xmlns:a14="http://schemas.microsoft.com/office/drawing/2010/main" val="0"/>
+              </a:ext>
+            </a:extLst>
+          </a:blip>
+          <a:srcRect t="74825"/>
+          <a:stretch/>
+        </p:blipFill>
+        <p:spPr bwMode="auto">
+          <a:xfrm>
+            <a:off x="6095999" y="4231282"/>
+            <a:ext cx="5714683" cy="1196752"/>
+          </a:xfrm>
+          <a:prstGeom prst="rect">
+            <a:avLst/>
+          </a:prstGeom>
+          <a:ln>
+            <a:noFill/>
+          </a:ln>
+          <a:extLst>
+            <a:ext uri="{53640926-AAD7-44D8-BBD7-CCE9431645EC}">
+              <a14:shadowObscured xmlns:a14="http://schemas.microsoft.com/office/drawing/2010/main"/>
+            </a:ext>
+          </a:extLst>
+        </p:spPr>
       </p:pic>
+      <p:sp>
+        <p:nvSpPr>
+          <p:cNvPr id="7" name="Заголовок 1">
+            <a:extLst>
+              <a:ext uri="{FF2B5EF4-FFF2-40B4-BE49-F238E27FC236}">
+                <a16:creationId xmlns:a16="http://schemas.microsoft.com/office/drawing/2014/main" id="{CEF94656-AF7F-75B0-116C-58C99D79A9B7}"/>
+              </a:ext>
+            </a:extLst>
+          </p:cNvPr>
+          <p:cNvSpPr txBox="1">
+            <a:spLocks/>
+          </p:cNvSpPr>
+          <p:nvPr/>
+        </p:nvSpPr>
+        <p:spPr>
+          <a:xfrm>
+            <a:off x="6438903" y="5584827"/>
+            <a:ext cx="5224562" cy="457200"/>
+          </a:xfrm>
+          <a:prstGeom prst="rect">
+            <a:avLst/>
+          </a:prstGeom>
+        </p:spPr>
+        <p:txBody>
+          <a:bodyPr vert="horz" lIns="91440" tIns="45720" rIns="91440" bIns="45720" rtlCol="0" anchor="ctr">
+            <a:normAutofit fontScale="55000" lnSpcReduction="20000"/>
+          </a:bodyPr>
+          <a:lstStyle>
+            <a:lvl1pPr algn="l" defTabSz="914400" rtl="0" eaLnBrk="1" latinLnBrk="0" hangingPunct="1">
+              <a:lnSpc>
+                <a:spcPct val="90000"/>
+              </a:lnSpc>
+              <a:spcBef>
+                <a:spcPct val="0"/>
+              </a:spcBef>
+              <a:buNone/>
+              <a:defRPr sz="4400" kern="1200">
+                <a:solidFill>
+                  <a:schemeClr val="tx1"/>
+                </a:solidFill>
+                <a:latin typeface="+mj-lt"/>
+                <a:ea typeface="+mj-ea"/>
+                <a:cs typeface="+mj-cs"/>
+              </a:defRPr>
+            </a:lvl1pPr>
+          </a:lstStyle>
+          <a:p>
+            <a:pPr algn="ctr"/>
+            <a:r>
+              <a:rPr lang="ru-RU" dirty="0">
+                <a:latin typeface="Times New Roman" panose="02020603050405020304" pitchFamily="18" charset="0"/>
+                <a:cs typeface="Times New Roman" panose="02020603050405020304" pitchFamily="18" charset="0"/>
+              </a:rPr>
+              <a:t>Листовые узлы деревьев поведения</a:t>
+            </a:r>
+          </a:p>
+        </p:txBody>
+      </p:sp>
+      <p:sp>
+        <p:nvSpPr>
+          <p:cNvPr id="3" name="Номер слайда 2">
+            <a:extLst>
+              <a:ext uri="{FF2B5EF4-FFF2-40B4-BE49-F238E27FC236}">
+                <a16:creationId xmlns:a16="http://schemas.microsoft.com/office/drawing/2014/main" id="{7B1D98B9-EBCC-FE9A-E956-D4EDCB0BF257}"/>
+              </a:ext>
+            </a:extLst>
+          </p:cNvPr>
+          <p:cNvSpPr>
+            <a:spLocks noGrp="1"/>
+          </p:cNvSpPr>
+          <p:nvPr>
+            <p:ph type="sldNum" sz="quarter" idx="12"/>
+          </p:nvPr>
+        </p:nvSpPr>
+        <p:spPr/>
+        <p:txBody>
+          <a:bodyPr/>
+          <a:lstStyle/>
+          <a:p>
+            <a:fld id="{CB2D0BB1-D3E1-48DF-AD13-5A27F6929C9A}" type="slidenum">
+              <a:rPr lang="ru-RU" smtClean="0"/>
+              <a:t>17</a:t>
+            </a:fld>
+            <a:endParaRPr lang="ru-RU"/>
+          </a:p>
+        </p:txBody>
+      </p:sp>
     </p:spTree>
     <p:extLst>
       <p:ext uri="{BB962C8B-B14F-4D97-AF65-F5344CB8AC3E}">
-        <p14:creationId xmlns:p14="http://schemas.microsoft.com/office/powerpoint/2010/main" val="1947849409"/>
+        <p14:creationId xmlns:p14="http://schemas.microsoft.com/office/powerpoint/2010/main" val="1824127117"/>
+      </p:ext>
+    </p:extLst>
+  </p:cSld>
+  <p:clrMapOvr>
+    <a:masterClrMapping/>
+  </p:clrMapOvr>
+</p:sld>
+</file>
+
+<file path=ppt/slides/slide18.xml><?xml version="1.0" encoding="utf-8"?>
+<p:sld xmlns:a="http://schemas.openxmlformats.org/drawingml/2006/main" xmlns:r="http://schemas.openxmlformats.org/officeDocument/2006/relationships" xmlns:p="http://schemas.openxmlformats.org/presentationml/2006/main">
+  <p:cSld>
+    <p:spTree>
+      <p:nvGrpSpPr>
+        <p:cNvPr id="1" name=""/>
+        <p:cNvGrpSpPr/>
+        <p:nvPr/>
+      </p:nvGrpSpPr>
+      <p:grpSpPr>
+        <a:xfrm>
+          <a:off x="0" y="0"/>
+          <a:ext cx="0" cy="0"/>
+          <a:chOff x="0" y="0"/>
+          <a:chExt cx="0" cy="0"/>
+        </a:xfrm>
+      </p:grpSpPr>
+      <p:sp>
+        <p:nvSpPr>
+          <p:cNvPr id="3" name="Объект 2">
+            <a:extLst>
+              <a:ext uri="{FF2B5EF4-FFF2-40B4-BE49-F238E27FC236}">
+                <a16:creationId xmlns:a16="http://schemas.microsoft.com/office/drawing/2014/main" id="{F813F816-8FFC-1054-074B-D7353AF8084D}"/>
+              </a:ext>
+            </a:extLst>
+          </p:cNvPr>
+          <p:cNvSpPr>
+            <a:spLocks noGrp="1"/>
+          </p:cNvSpPr>
+          <p:nvPr>
+            <p:ph idx="1"/>
+          </p:nvPr>
+        </p:nvSpPr>
+        <p:spPr>
+          <a:xfrm>
+            <a:off x="0" y="0"/>
+            <a:ext cx="12192000" cy="6858000"/>
+          </a:xfrm>
+        </p:spPr>
+        <p:txBody>
+          <a:bodyPr>
+            <a:normAutofit fontScale="85000" lnSpcReduction="20000"/>
+          </a:bodyPr>
+          <a:lstStyle/>
+          <a:p>
+            <a:pPr marL="0" indent="0">
+              <a:buNone/>
+            </a:pPr>
+            <a:r>
+              <a:rPr lang="en-US" dirty="0">
+                <a:latin typeface="Times New Roman" panose="02020603050405020304" pitchFamily="18" charset="0"/>
+                <a:cs typeface="Times New Roman" panose="02020603050405020304" pitchFamily="18" charset="0"/>
+              </a:rPr>
+              <a:t>XML-</a:t>
+            </a:r>
+            <a:r>
+              <a:rPr lang="ru-RU" dirty="0">
+                <a:latin typeface="Times New Roman" panose="02020603050405020304" pitchFamily="18" charset="0"/>
+                <a:cs typeface="Times New Roman" panose="02020603050405020304" pitchFamily="18" charset="0"/>
+              </a:rPr>
+              <a:t>описание простого дерева поведения в начальном состоянии:</a:t>
+            </a:r>
+            <a:endParaRPr lang="en-US" dirty="0">
+              <a:latin typeface="Times New Roman" panose="02020603050405020304" pitchFamily="18" charset="0"/>
+              <a:cs typeface="Times New Roman" panose="02020603050405020304" pitchFamily="18" charset="0"/>
+            </a:endParaRPr>
+          </a:p>
+          <a:p>
+            <a:pPr marL="0" indent="0">
+              <a:buNone/>
+            </a:pPr>
+            <a:endParaRPr lang="ru-RU" dirty="0">
+              <a:latin typeface="Times New Roman" panose="02020603050405020304" pitchFamily="18" charset="0"/>
+              <a:cs typeface="Times New Roman" panose="02020603050405020304" pitchFamily="18" charset="0"/>
+            </a:endParaRPr>
+          </a:p>
+          <a:p>
+            <a:pPr marL="0" indent="0">
+              <a:buNone/>
+            </a:pPr>
+            <a:r>
+              <a:rPr lang="ru-RU" dirty="0">
+                <a:latin typeface="Times New Roman" panose="02020603050405020304" pitchFamily="18" charset="0"/>
+                <a:cs typeface="Times New Roman" panose="02020603050405020304" pitchFamily="18" charset="0"/>
+              </a:rPr>
+              <a:t>&lt;</a:t>
+            </a:r>
+            <a:r>
+              <a:rPr lang="en-US" dirty="0" err="1">
+                <a:latin typeface="Times New Roman" panose="02020603050405020304" pitchFamily="18" charset="0"/>
+                <a:cs typeface="Times New Roman" panose="02020603050405020304" pitchFamily="18" charset="0"/>
+              </a:rPr>
+              <a:t>behaviorTree</a:t>
+            </a:r>
+            <a:r>
+              <a:rPr lang="en-US" dirty="0">
+                <a:latin typeface="Times New Roman" panose="02020603050405020304" pitchFamily="18" charset="0"/>
+                <a:cs typeface="Times New Roman" panose="02020603050405020304" pitchFamily="18" charset="0"/>
+              </a:rPr>
+              <a:t> manager="macro"&gt;</a:t>
+            </a:r>
+          </a:p>
+          <a:p>
+            <a:pPr marL="0" indent="0">
+              <a:buNone/>
+            </a:pPr>
+            <a:r>
+              <a:rPr lang="en-US" dirty="0">
+                <a:latin typeface="Times New Roman" panose="02020603050405020304" pitchFamily="18" charset="0"/>
+                <a:cs typeface="Times New Roman" panose="02020603050405020304" pitchFamily="18" charset="0"/>
+              </a:rPr>
+              <a:t>&lt;state </a:t>
+            </a:r>
+            <a:r>
+              <a:rPr lang="en-US" dirty="0" err="1">
+                <a:latin typeface="Times New Roman" panose="02020603050405020304" pitchFamily="18" charset="0"/>
+                <a:cs typeface="Times New Roman" panose="02020603050405020304" pitchFamily="18" charset="0"/>
+              </a:rPr>
+              <a:t>firstValue</a:t>
+            </a:r>
+            <a:r>
+              <a:rPr lang="en-US" dirty="0">
+                <a:latin typeface="Times New Roman" panose="02020603050405020304" pitchFamily="18" charset="0"/>
+                <a:cs typeface="Times New Roman" panose="02020603050405020304" pitchFamily="18" charset="0"/>
+              </a:rPr>
+              <a:t>="value1" </a:t>
+            </a:r>
+            <a:r>
+              <a:rPr lang="en-US" dirty="0" err="1">
+                <a:latin typeface="Times New Roman" panose="02020603050405020304" pitchFamily="18" charset="0"/>
+                <a:cs typeface="Times New Roman" panose="02020603050405020304" pitchFamily="18" charset="0"/>
+              </a:rPr>
+              <a:t>secondValue</a:t>
+            </a:r>
+            <a:r>
+              <a:rPr lang="en-US" dirty="0">
+                <a:latin typeface="Times New Roman" panose="02020603050405020304" pitchFamily="18" charset="0"/>
+                <a:cs typeface="Times New Roman" panose="02020603050405020304" pitchFamily="18" charset="0"/>
+              </a:rPr>
+              <a:t>="value2"/&gt;</a:t>
+            </a:r>
+          </a:p>
+          <a:p>
+            <a:pPr marL="0" indent="0">
+              <a:buNone/>
+            </a:pPr>
+            <a:r>
+              <a:rPr lang="en-US" dirty="0">
+                <a:latin typeface="Times New Roman" panose="02020603050405020304" pitchFamily="18" charset="0"/>
+                <a:cs typeface="Times New Roman" panose="02020603050405020304" pitchFamily="18" charset="0"/>
+              </a:rPr>
+              <a:t>        	&lt;root id="#root"&gt;</a:t>
+            </a:r>
+          </a:p>
+          <a:p>
+            <a:pPr marL="0" indent="0">
+              <a:buNone/>
+            </a:pPr>
+            <a:r>
+              <a:rPr lang="en-US" dirty="0">
+                <a:latin typeface="Times New Roman" panose="02020603050405020304" pitchFamily="18" charset="0"/>
+                <a:cs typeface="Times New Roman" panose="02020603050405020304" pitchFamily="18" charset="0"/>
+              </a:rPr>
+              <a:t>        		&lt;</a:t>
+            </a:r>
+            <a:r>
+              <a:rPr lang="en-US" dirty="0" err="1">
+                <a:latin typeface="Times New Roman" panose="02020603050405020304" pitchFamily="18" charset="0"/>
+                <a:cs typeface="Times New Roman" panose="02020603050405020304" pitchFamily="18" charset="0"/>
+              </a:rPr>
+              <a:t>nonLeafNode</a:t>
+            </a:r>
+            <a:r>
+              <a:rPr lang="en-US" dirty="0">
+                <a:latin typeface="Times New Roman" panose="02020603050405020304" pitchFamily="18" charset="0"/>
+                <a:cs typeface="Times New Roman" panose="02020603050405020304" pitchFamily="18" charset="0"/>
+              </a:rPr>
+              <a:t> id="#sequence" </a:t>
+            </a:r>
+            <a:r>
+              <a:rPr lang="en-US" dirty="0" err="1">
+                <a:latin typeface="Times New Roman" panose="02020603050405020304" pitchFamily="18" charset="0"/>
+                <a:cs typeface="Times New Roman" panose="02020603050405020304" pitchFamily="18" charset="0"/>
+              </a:rPr>
+              <a:t>parentID</a:t>
+            </a:r>
+            <a:r>
+              <a:rPr lang="en-US" dirty="0">
+                <a:latin typeface="Times New Roman" panose="02020603050405020304" pitchFamily="18" charset="0"/>
+                <a:cs typeface="Times New Roman" panose="02020603050405020304" pitchFamily="18" charset="0"/>
+              </a:rPr>
+              <a:t>="#root"</a:t>
+            </a:r>
+          </a:p>
+          <a:p>
+            <a:pPr marL="0" indent="0">
+              <a:buNone/>
+            </a:pPr>
+            <a:r>
+              <a:rPr lang="en-US" dirty="0">
+                <a:latin typeface="Times New Roman" panose="02020603050405020304" pitchFamily="18" charset="0"/>
+                <a:cs typeface="Times New Roman" panose="02020603050405020304" pitchFamily="18" charset="0"/>
+              </a:rPr>
+              <a:t>                  	</a:t>
+            </a:r>
+            <a:r>
+              <a:rPr lang="en-US" dirty="0" err="1">
+                <a:latin typeface="Times New Roman" panose="02020603050405020304" pitchFamily="18" charset="0"/>
+                <a:cs typeface="Times New Roman" panose="02020603050405020304" pitchFamily="18" charset="0"/>
+              </a:rPr>
+              <a:t>childesID</a:t>
+            </a:r>
+            <a:r>
+              <a:rPr lang="en-US" dirty="0">
+                <a:latin typeface="Times New Roman" panose="02020603050405020304" pitchFamily="18" charset="0"/>
+                <a:cs typeface="Times New Roman" panose="02020603050405020304" pitchFamily="18" charset="0"/>
+              </a:rPr>
+              <a:t>="#condition #action" status="</a:t>
+            </a:r>
+            <a:r>
+              <a:rPr lang="en-US" dirty="0" err="1">
+                <a:latin typeface="Times New Roman" panose="02020603050405020304" pitchFamily="18" charset="0"/>
+                <a:cs typeface="Times New Roman" panose="02020603050405020304" pitchFamily="18" charset="0"/>
+              </a:rPr>
+              <a:t>noRun</a:t>
+            </a:r>
+            <a:r>
+              <a:rPr lang="en-US" dirty="0">
+                <a:latin typeface="Times New Roman" panose="02020603050405020304" pitchFamily="18" charset="0"/>
+                <a:cs typeface="Times New Roman" panose="02020603050405020304" pitchFamily="18" charset="0"/>
+              </a:rPr>
+              <a:t>"/&gt;</a:t>
+            </a:r>
+          </a:p>
+          <a:p>
+            <a:pPr marL="0" indent="0">
+              <a:buNone/>
+            </a:pPr>
+            <a:r>
+              <a:rPr lang="en-US" dirty="0">
+                <a:latin typeface="Times New Roman" panose="02020603050405020304" pitchFamily="18" charset="0"/>
+                <a:cs typeface="Times New Roman" panose="02020603050405020304" pitchFamily="18" charset="0"/>
+              </a:rPr>
+              <a:t>        	&lt;/root&gt;</a:t>
+            </a:r>
+          </a:p>
+          <a:p>
+            <a:pPr marL="0" indent="0">
+              <a:buNone/>
+            </a:pPr>
+            <a:r>
+              <a:rPr lang="en-US" dirty="0">
+                <a:latin typeface="Times New Roman" panose="02020603050405020304" pitchFamily="18" charset="0"/>
+                <a:cs typeface="Times New Roman" panose="02020603050405020304" pitchFamily="18" charset="0"/>
+              </a:rPr>
+              <a:t>&lt;/</a:t>
+            </a:r>
+            <a:r>
+              <a:rPr lang="en-US" dirty="0" err="1">
+                <a:latin typeface="Times New Roman" panose="02020603050405020304" pitchFamily="18" charset="0"/>
+                <a:cs typeface="Times New Roman" panose="02020603050405020304" pitchFamily="18" charset="0"/>
+              </a:rPr>
+              <a:t>behaviorTree</a:t>
+            </a:r>
+            <a:r>
+              <a:rPr lang="en-US" dirty="0">
+                <a:latin typeface="Times New Roman" panose="02020603050405020304" pitchFamily="18" charset="0"/>
+                <a:cs typeface="Times New Roman" panose="02020603050405020304" pitchFamily="18" charset="0"/>
+              </a:rPr>
+              <a:t>&gt;</a:t>
+            </a:r>
+          </a:p>
+          <a:p>
+            <a:pPr marL="0" indent="0">
+              <a:buNone/>
+            </a:pPr>
+            <a:endParaRPr lang="en-US" dirty="0">
+              <a:latin typeface="Times New Roman" panose="02020603050405020304" pitchFamily="18" charset="0"/>
+              <a:cs typeface="Times New Roman" panose="02020603050405020304" pitchFamily="18" charset="0"/>
+            </a:endParaRPr>
+          </a:p>
+          <a:p>
+            <a:pPr marL="0" indent="0">
+              <a:buNone/>
+            </a:pPr>
+            <a:r>
+              <a:rPr lang="en-US" dirty="0">
+                <a:latin typeface="Times New Roman" panose="02020603050405020304" pitchFamily="18" charset="0"/>
+                <a:cs typeface="Times New Roman" panose="02020603050405020304" pitchFamily="18" charset="0"/>
+              </a:rPr>
+              <a:t>&lt;</a:t>
+            </a:r>
+            <a:r>
+              <a:rPr lang="en-US" dirty="0" err="1">
+                <a:latin typeface="Times New Roman" panose="02020603050405020304" pitchFamily="18" charset="0"/>
+                <a:cs typeface="Times New Roman" panose="02020603050405020304" pitchFamily="18" charset="0"/>
+              </a:rPr>
+              <a:t>leafNode</a:t>
+            </a:r>
+            <a:r>
+              <a:rPr lang="en-US" dirty="0">
+                <a:latin typeface="Times New Roman" panose="02020603050405020304" pitchFamily="18" charset="0"/>
+                <a:cs typeface="Times New Roman" panose="02020603050405020304" pitchFamily="18" charset="0"/>
+              </a:rPr>
+              <a:t> id="#condition" </a:t>
+            </a:r>
+            <a:r>
+              <a:rPr lang="en-US" dirty="0" err="1">
+                <a:latin typeface="Times New Roman" panose="02020603050405020304" pitchFamily="18" charset="0"/>
+                <a:cs typeface="Times New Roman" panose="02020603050405020304" pitchFamily="18" charset="0"/>
+              </a:rPr>
+              <a:t>parentID</a:t>
+            </a:r>
+            <a:r>
+              <a:rPr lang="en-US" dirty="0">
+                <a:latin typeface="Times New Roman" panose="02020603050405020304" pitchFamily="18" charset="0"/>
+                <a:cs typeface="Times New Roman" panose="02020603050405020304" pitchFamily="18" charset="0"/>
+              </a:rPr>
+              <a:t>="#sequence" status="</a:t>
+            </a:r>
+            <a:r>
+              <a:rPr lang="en-US" dirty="0" err="1">
+                <a:latin typeface="Times New Roman" panose="02020603050405020304" pitchFamily="18" charset="0"/>
+                <a:cs typeface="Times New Roman" panose="02020603050405020304" pitchFamily="18" charset="0"/>
+              </a:rPr>
+              <a:t>noRun</a:t>
+            </a:r>
+            <a:r>
+              <a:rPr lang="en-US" dirty="0">
+                <a:latin typeface="Times New Roman" panose="02020603050405020304" pitchFamily="18" charset="0"/>
+                <a:cs typeface="Times New Roman" panose="02020603050405020304" pitchFamily="18" charset="0"/>
+              </a:rPr>
+              <a:t>"&gt;</a:t>
+            </a:r>
+          </a:p>
+          <a:p>
+            <a:pPr marL="0" indent="0">
+              <a:buNone/>
+            </a:pPr>
+            <a:r>
+              <a:rPr lang="en-US" dirty="0">
+                <a:latin typeface="Times New Roman" panose="02020603050405020304" pitchFamily="18" charset="0"/>
+                <a:cs typeface="Times New Roman" panose="02020603050405020304" pitchFamily="18" charset="0"/>
+              </a:rPr>
+              <a:t>        	&lt;condition values="</a:t>
+            </a:r>
+            <a:r>
+              <a:rPr lang="en-US" dirty="0" err="1">
+                <a:latin typeface="Times New Roman" panose="02020603050405020304" pitchFamily="18" charset="0"/>
+                <a:cs typeface="Times New Roman" panose="02020603050405020304" pitchFamily="18" charset="0"/>
+              </a:rPr>
+              <a:t>firstValue</a:t>
+            </a:r>
+            <a:r>
+              <a:rPr lang="en-US" dirty="0">
+                <a:latin typeface="Times New Roman" panose="02020603050405020304" pitchFamily="18" charset="0"/>
+                <a:cs typeface="Times New Roman" panose="02020603050405020304" pitchFamily="18" charset="0"/>
+              </a:rPr>
+              <a:t>" </a:t>
+            </a:r>
+            <a:r>
+              <a:rPr lang="en-US" dirty="0" err="1">
+                <a:latin typeface="Times New Roman" panose="02020603050405020304" pitchFamily="18" charset="0"/>
+                <a:cs typeface="Times New Roman" panose="02020603050405020304" pitchFamily="18" charset="0"/>
+              </a:rPr>
+              <a:t>expectedValues</a:t>
+            </a:r>
+            <a:r>
+              <a:rPr lang="en-US" dirty="0">
+                <a:latin typeface="Times New Roman" panose="02020603050405020304" pitchFamily="18" charset="0"/>
+                <a:cs typeface="Times New Roman" panose="02020603050405020304" pitchFamily="18" charset="0"/>
+              </a:rPr>
+              <a:t>="value1"/&gt;</a:t>
+            </a:r>
+          </a:p>
+          <a:p>
+            <a:pPr marL="0" indent="0">
+              <a:buNone/>
+            </a:pPr>
+            <a:r>
+              <a:rPr lang="en-US" dirty="0">
+                <a:latin typeface="Times New Roman" panose="02020603050405020304" pitchFamily="18" charset="0"/>
+                <a:cs typeface="Times New Roman" panose="02020603050405020304" pitchFamily="18" charset="0"/>
+              </a:rPr>
+              <a:t>&lt;/</a:t>
+            </a:r>
+            <a:r>
+              <a:rPr lang="en-US" dirty="0" err="1">
+                <a:latin typeface="Times New Roman" panose="02020603050405020304" pitchFamily="18" charset="0"/>
+                <a:cs typeface="Times New Roman" panose="02020603050405020304" pitchFamily="18" charset="0"/>
+              </a:rPr>
+              <a:t>leafNode</a:t>
+            </a:r>
+            <a:r>
+              <a:rPr lang="en-US" dirty="0">
+                <a:latin typeface="Times New Roman" panose="02020603050405020304" pitchFamily="18" charset="0"/>
+                <a:cs typeface="Times New Roman" panose="02020603050405020304" pitchFamily="18" charset="0"/>
+              </a:rPr>
+              <a:t>&gt;</a:t>
+            </a:r>
+          </a:p>
+          <a:p>
+            <a:pPr marL="0" indent="0">
+              <a:buNone/>
+            </a:pPr>
+            <a:endParaRPr lang="en-US" dirty="0">
+              <a:latin typeface="Times New Roman" panose="02020603050405020304" pitchFamily="18" charset="0"/>
+              <a:cs typeface="Times New Roman" panose="02020603050405020304" pitchFamily="18" charset="0"/>
+            </a:endParaRPr>
+          </a:p>
+          <a:p>
+            <a:pPr marL="0" indent="0">
+              <a:buNone/>
+            </a:pPr>
+            <a:r>
+              <a:rPr lang="en-US" dirty="0">
+                <a:latin typeface="Times New Roman" panose="02020603050405020304" pitchFamily="18" charset="0"/>
+                <a:cs typeface="Times New Roman" panose="02020603050405020304" pitchFamily="18" charset="0"/>
+              </a:rPr>
+              <a:t>&lt;</a:t>
+            </a:r>
+            <a:r>
+              <a:rPr lang="en-US" dirty="0" err="1">
+                <a:latin typeface="Times New Roman" panose="02020603050405020304" pitchFamily="18" charset="0"/>
+                <a:cs typeface="Times New Roman" panose="02020603050405020304" pitchFamily="18" charset="0"/>
+              </a:rPr>
+              <a:t>leafNode</a:t>
+            </a:r>
+            <a:r>
+              <a:rPr lang="en-US" dirty="0">
+                <a:latin typeface="Times New Roman" panose="02020603050405020304" pitchFamily="18" charset="0"/>
+                <a:cs typeface="Times New Roman" panose="02020603050405020304" pitchFamily="18" charset="0"/>
+              </a:rPr>
+              <a:t> id="#action" </a:t>
+            </a:r>
+            <a:r>
+              <a:rPr lang="en-US" dirty="0" err="1">
+                <a:latin typeface="Times New Roman" panose="02020603050405020304" pitchFamily="18" charset="0"/>
+                <a:cs typeface="Times New Roman" panose="02020603050405020304" pitchFamily="18" charset="0"/>
+              </a:rPr>
+              <a:t>parentID</a:t>
+            </a:r>
+            <a:r>
+              <a:rPr lang="en-US" dirty="0">
+                <a:latin typeface="Times New Roman" panose="02020603050405020304" pitchFamily="18" charset="0"/>
+                <a:cs typeface="Times New Roman" panose="02020603050405020304" pitchFamily="18" charset="0"/>
+              </a:rPr>
+              <a:t>="#sequence" status="</a:t>
+            </a:r>
+            <a:r>
+              <a:rPr lang="en-US" dirty="0" err="1">
+                <a:latin typeface="Times New Roman" panose="02020603050405020304" pitchFamily="18" charset="0"/>
+                <a:cs typeface="Times New Roman" panose="02020603050405020304" pitchFamily="18" charset="0"/>
+              </a:rPr>
+              <a:t>noRun</a:t>
+            </a:r>
+            <a:r>
+              <a:rPr lang="en-US" dirty="0">
+                <a:latin typeface="Times New Roman" panose="02020603050405020304" pitchFamily="18" charset="0"/>
+                <a:cs typeface="Times New Roman" panose="02020603050405020304" pitchFamily="18" charset="0"/>
+              </a:rPr>
+              <a:t>"&gt;</a:t>
+            </a:r>
+          </a:p>
+          <a:p>
+            <a:pPr marL="0" indent="0">
+              <a:buNone/>
+            </a:pPr>
+            <a:r>
+              <a:rPr lang="en-US" dirty="0">
+                <a:latin typeface="Times New Roman" panose="02020603050405020304" pitchFamily="18" charset="0"/>
+                <a:cs typeface="Times New Roman" panose="02020603050405020304" pitchFamily="18" charset="0"/>
+              </a:rPr>
+              <a:t>        	&lt;action values="</a:t>
+            </a:r>
+            <a:r>
+              <a:rPr lang="en-US" dirty="0" err="1">
+                <a:latin typeface="Times New Roman" panose="02020603050405020304" pitchFamily="18" charset="0"/>
+                <a:cs typeface="Times New Roman" panose="02020603050405020304" pitchFamily="18" charset="0"/>
+              </a:rPr>
+              <a:t>firstValue</a:t>
+            </a:r>
+            <a:r>
+              <a:rPr lang="en-US" dirty="0">
+                <a:latin typeface="Times New Roman" panose="02020603050405020304" pitchFamily="18" charset="0"/>
+                <a:cs typeface="Times New Roman" panose="02020603050405020304" pitchFamily="18" charset="0"/>
+              </a:rPr>
+              <a:t> </a:t>
+            </a:r>
+            <a:r>
+              <a:rPr lang="en-US" dirty="0" err="1">
+                <a:latin typeface="Times New Roman" panose="02020603050405020304" pitchFamily="18" charset="0"/>
+                <a:cs typeface="Times New Roman" panose="02020603050405020304" pitchFamily="18" charset="0"/>
+              </a:rPr>
+              <a:t>secondValue</a:t>
+            </a:r>
+            <a:r>
+              <a:rPr lang="en-US" dirty="0">
+                <a:latin typeface="Times New Roman" panose="02020603050405020304" pitchFamily="18" charset="0"/>
+                <a:cs typeface="Times New Roman" panose="02020603050405020304" pitchFamily="18" charset="0"/>
+              </a:rPr>
+              <a:t>"        	        	        	        	         	        	</a:t>
+            </a:r>
+            <a:r>
+              <a:rPr lang="en-US" dirty="0" err="1">
+                <a:latin typeface="Times New Roman" panose="02020603050405020304" pitchFamily="18" charset="0"/>
+                <a:cs typeface="Times New Roman" panose="02020603050405020304" pitchFamily="18" charset="0"/>
+              </a:rPr>
+              <a:t>newValues</a:t>
+            </a:r>
+            <a:r>
+              <a:rPr lang="en-US" dirty="0">
+                <a:latin typeface="Times New Roman" panose="02020603050405020304" pitchFamily="18" charset="0"/>
+                <a:cs typeface="Times New Roman" panose="02020603050405020304" pitchFamily="18" charset="0"/>
+              </a:rPr>
+              <a:t>="newValue1 newValue2"/&gt;</a:t>
+            </a:r>
+          </a:p>
+          <a:p>
+            <a:pPr marL="0" indent="0">
+              <a:buNone/>
+            </a:pPr>
+            <a:r>
+              <a:rPr lang="en-US" dirty="0">
+                <a:latin typeface="Times New Roman" panose="02020603050405020304" pitchFamily="18" charset="0"/>
+                <a:cs typeface="Times New Roman" panose="02020603050405020304" pitchFamily="18" charset="0"/>
+              </a:rPr>
+              <a:t>&lt;/</a:t>
+            </a:r>
+            <a:r>
+              <a:rPr lang="en-US" dirty="0" err="1">
+                <a:latin typeface="Times New Roman" panose="02020603050405020304" pitchFamily="18" charset="0"/>
+                <a:cs typeface="Times New Roman" panose="02020603050405020304" pitchFamily="18" charset="0"/>
+              </a:rPr>
+              <a:t>leafNode</a:t>
+            </a:r>
+            <a:r>
+              <a:rPr lang="en-US" dirty="0">
+                <a:latin typeface="Times New Roman" panose="02020603050405020304" pitchFamily="18" charset="0"/>
+                <a:cs typeface="Times New Roman" panose="02020603050405020304" pitchFamily="18" charset="0"/>
+              </a:rPr>
+              <a:t>&gt;</a:t>
+            </a:r>
+          </a:p>
+          <a:p>
+            <a:pPr marL="0" indent="0">
+              <a:buNone/>
+            </a:pPr>
+            <a:endParaRPr lang="ru-RU" dirty="0">
+              <a:latin typeface="Times New Roman" panose="02020603050405020304" pitchFamily="18" charset="0"/>
+              <a:cs typeface="Times New Roman" panose="02020603050405020304" pitchFamily="18" charset="0"/>
+            </a:endParaRPr>
+          </a:p>
+        </p:txBody>
+      </p:sp>
+      <p:sp>
+        <p:nvSpPr>
+          <p:cNvPr id="4" name="Номер слайда 3">
+            <a:extLst>
+              <a:ext uri="{FF2B5EF4-FFF2-40B4-BE49-F238E27FC236}">
+                <a16:creationId xmlns:a16="http://schemas.microsoft.com/office/drawing/2014/main" id="{F0BFD03D-E225-2304-387E-5D11C9CE3EE3}"/>
+              </a:ext>
+            </a:extLst>
+          </p:cNvPr>
+          <p:cNvSpPr>
+            <a:spLocks noGrp="1"/>
+          </p:cNvSpPr>
+          <p:nvPr>
+            <p:ph type="sldNum" sz="quarter" idx="12"/>
+          </p:nvPr>
+        </p:nvSpPr>
+        <p:spPr/>
+        <p:txBody>
+          <a:bodyPr/>
+          <a:lstStyle/>
+          <a:p>
+            <a:fld id="{CB2D0BB1-D3E1-48DF-AD13-5A27F6929C9A}" type="slidenum">
+              <a:rPr lang="ru-RU" smtClean="0"/>
+              <a:t>18</a:t>
+            </a:fld>
+            <a:endParaRPr lang="ru-RU"/>
+          </a:p>
+        </p:txBody>
+      </p:sp>
+    </p:spTree>
+    <p:extLst>
+      <p:ext uri="{BB962C8B-B14F-4D97-AF65-F5344CB8AC3E}">
+        <p14:creationId xmlns:p14="http://schemas.microsoft.com/office/powerpoint/2010/main" val="617515070"/>
+      </p:ext>
+    </p:extLst>
+  </p:cSld>
+  <p:clrMapOvr>
+    <a:masterClrMapping/>
+  </p:clrMapOvr>
+</p:sld>
+</file>
+
+<file path=ppt/slides/slide19.xml><?xml version="1.0" encoding="utf-8"?>
+<p:sld xmlns:a="http://schemas.openxmlformats.org/drawingml/2006/main" xmlns:r="http://schemas.openxmlformats.org/officeDocument/2006/relationships" xmlns:p="http://schemas.openxmlformats.org/presentationml/2006/main">
+  <p:cSld>
+    <p:spTree>
+      <p:nvGrpSpPr>
+        <p:cNvPr id="1" name=""/>
+        <p:cNvGrpSpPr/>
+        <p:nvPr/>
+      </p:nvGrpSpPr>
+      <p:grpSpPr>
+        <a:xfrm>
+          <a:off x="0" y="0"/>
+          <a:ext cx="0" cy="0"/>
+          <a:chOff x="0" y="0"/>
+          <a:chExt cx="0" cy="0"/>
+        </a:xfrm>
+      </p:grpSpPr>
+      <p:sp>
+        <p:nvSpPr>
+          <p:cNvPr id="3" name="Объект 2">
+            <a:extLst>
+              <a:ext uri="{FF2B5EF4-FFF2-40B4-BE49-F238E27FC236}">
+                <a16:creationId xmlns:a16="http://schemas.microsoft.com/office/drawing/2014/main" id="{F813F816-8FFC-1054-074B-D7353AF8084D}"/>
+              </a:ext>
+            </a:extLst>
+          </p:cNvPr>
+          <p:cNvSpPr>
+            <a:spLocks noGrp="1"/>
+          </p:cNvSpPr>
+          <p:nvPr>
+            <p:ph idx="1"/>
+          </p:nvPr>
+        </p:nvSpPr>
+        <p:spPr>
+          <a:xfrm>
+            <a:off x="0" y="0"/>
+            <a:ext cx="12192000" cy="6858000"/>
+          </a:xfrm>
+        </p:spPr>
+        <p:txBody>
+          <a:bodyPr>
+            <a:normAutofit fontScale="77500" lnSpcReduction="20000"/>
+          </a:bodyPr>
+          <a:lstStyle/>
+          <a:p>
+            <a:pPr marL="0" indent="0">
+              <a:buNone/>
+            </a:pPr>
+            <a:r>
+              <a:rPr lang="en-US" dirty="0">
+                <a:latin typeface="Times New Roman" panose="02020603050405020304" pitchFamily="18" charset="0"/>
+                <a:cs typeface="Times New Roman" panose="02020603050405020304" pitchFamily="18" charset="0"/>
+              </a:rPr>
+              <a:t>XML-</a:t>
+            </a:r>
+            <a:r>
+              <a:rPr lang="ru-RU" dirty="0">
+                <a:latin typeface="Times New Roman" panose="02020603050405020304" pitchFamily="18" charset="0"/>
+                <a:cs typeface="Times New Roman" panose="02020603050405020304" pitchFamily="18" charset="0"/>
+              </a:rPr>
+              <a:t>описание простого дерева поведения в конечном состоянии:</a:t>
+            </a:r>
+            <a:endParaRPr lang="en-US" dirty="0">
+              <a:latin typeface="Times New Roman" panose="02020603050405020304" pitchFamily="18" charset="0"/>
+              <a:cs typeface="Times New Roman" panose="02020603050405020304" pitchFamily="18" charset="0"/>
+            </a:endParaRPr>
+          </a:p>
+          <a:p>
+            <a:pPr marL="0" indent="0">
+              <a:buNone/>
+            </a:pPr>
+            <a:endParaRPr lang="ru-RU" dirty="0">
+              <a:latin typeface="Times New Roman" panose="02020603050405020304" pitchFamily="18" charset="0"/>
+              <a:cs typeface="Times New Roman" panose="02020603050405020304" pitchFamily="18" charset="0"/>
+            </a:endParaRPr>
+          </a:p>
+          <a:p>
+            <a:pPr marL="0" indent="0">
+              <a:buNone/>
+            </a:pPr>
+            <a:r>
+              <a:rPr lang="ru-RU" dirty="0">
+                <a:latin typeface="Times New Roman" panose="02020603050405020304" pitchFamily="18" charset="0"/>
+                <a:cs typeface="Times New Roman" panose="02020603050405020304" pitchFamily="18" charset="0"/>
+              </a:rPr>
+              <a:t>&lt;</a:t>
+            </a:r>
+            <a:r>
+              <a:rPr lang="en-US" dirty="0" err="1">
+                <a:latin typeface="Times New Roman" panose="02020603050405020304" pitchFamily="18" charset="0"/>
+                <a:cs typeface="Times New Roman" panose="02020603050405020304" pitchFamily="18" charset="0"/>
+              </a:rPr>
+              <a:t>behaviorTree</a:t>
+            </a:r>
+            <a:r>
+              <a:rPr lang="en-US" dirty="0">
+                <a:latin typeface="Times New Roman" panose="02020603050405020304" pitchFamily="18" charset="0"/>
+                <a:cs typeface="Times New Roman" panose="02020603050405020304" pitchFamily="18" charset="0"/>
+              </a:rPr>
+              <a:t> manager="macro"&gt;</a:t>
+            </a:r>
+          </a:p>
+          <a:p>
+            <a:pPr marL="0" indent="0">
+              <a:buNone/>
+            </a:pPr>
+            <a:r>
+              <a:rPr lang="en-US" dirty="0">
+                <a:latin typeface="Times New Roman" panose="02020603050405020304" pitchFamily="18" charset="0"/>
+                <a:cs typeface="Times New Roman" panose="02020603050405020304" pitchFamily="18" charset="0"/>
+              </a:rPr>
+              <a:t>&lt;state </a:t>
+            </a:r>
+            <a:r>
+              <a:rPr lang="en-US" dirty="0" err="1">
+                <a:latin typeface="Times New Roman" panose="02020603050405020304" pitchFamily="18" charset="0"/>
+                <a:cs typeface="Times New Roman" panose="02020603050405020304" pitchFamily="18" charset="0"/>
+              </a:rPr>
+              <a:t>firstValue</a:t>
+            </a:r>
+            <a:r>
+              <a:rPr lang="en-US" dirty="0">
+                <a:latin typeface="Times New Roman" panose="02020603050405020304" pitchFamily="18" charset="0"/>
+                <a:cs typeface="Times New Roman" panose="02020603050405020304" pitchFamily="18" charset="0"/>
+              </a:rPr>
+              <a:t>="newValue1" </a:t>
+            </a:r>
+            <a:r>
+              <a:rPr lang="en-US" dirty="0" err="1">
+                <a:latin typeface="Times New Roman" panose="02020603050405020304" pitchFamily="18" charset="0"/>
+                <a:cs typeface="Times New Roman" panose="02020603050405020304" pitchFamily="18" charset="0"/>
+              </a:rPr>
+              <a:t>secondValue</a:t>
+            </a:r>
+            <a:r>
+              <a:rPr lang="en-US" dirty="0">
+                <a:latin typeface="Times New Roman" panose="02020603050405020304" pitchFamily="18" charset="0"/>
+                <a:cs typeface="Times New Roman" panose="02020603050405020304" pitchFamily="18" charset="0"/>
+              </a:rPr>
+              <a:t>="newValue2"/&gt;</a:t>
+            </a:r>
+          </a:p>
+          <a:p>
+            <a:pPr marL="0" indent="0">
+              <a:buNone/>
+            </a:pPr>
+            <a:r>
+              <a:rPr lang="en-US" dirty="0">
+                <a:latin typeface="Times New Roman" panose="02020603050405020304" pitchFamily="18" charset="0"/>
+                <a:cs typeface="Times New Roman" panose="02020603050405020304" pitchFamily="18" charset="0"/>
+              </a:rPr>
+              <a:t>        	&lt;root id="#root"&gt;</a:t>
+            </a:r>
+          </a:p>
+          <a:p>
+            <a:pPr marL="0" indent="0">
+              <a:buNone/>
+            </a:pPr>
+            <a:r>
+              <a:rPr lang="en-US" dirty="0">
+                <a:latin typeface="Times New Roman" panose="02020603050405020304" pitchFamily="18" charset="0"/>
+                <a:cs typeface="Times New Roman" panose="02020603050405020304" pitchFamily="18" charset="0"/>
+              </a:rPr>
+              <a:t>        		&lt;</a:t>
+            </a:r>
+            <a:r>
+              <a:rPr lang="en-US" dirty="0" err="1">
+                <a:latin typeface="Times New Roman" panose="02020603050405020304" pitchFamily="18" charset="0"/>
+                <a:cs typeface="Times New Roman" panose="02020603050405020304" pitchFamily="18" charset="0"/>
+              </a:rPr>
+              <a:t>nonLeafNode</a:t>
+            </a:r>
+            <a:r>
+              <a:rPr lang="en-US" dirty="0">
+                <a:latin typeface="Times New Roman" panose="02020603050405020304" pitchFamily="18" charset="0"/>
+                <a:cs typeface="Times New Roman" panose="02020603050405020304" pitchFamily="18" charset="0"/>
+              </a:rPr>
+              <a:t> id="#sequence" </a:t>
+            </a:r>
+            <a:r>
+              <a:rPr lang="en-US" dirty="0" err="1">
+                <a:latin typeface="Times New Roman" panose="02020603050405020304" pitchFamily="18" charset="0"/>
+                <a:cs typeface="Times New Roman" panose="02020603050405020304" pitchFamily="18" charset="0"/>
+              </a:rPr>
+              <a:t>parentID</a:t>
+            </a:r>
+            <a:r>
+              <a:rPr lang="en-US" dirty="0">
+                <a:latin typeface="Times New Roman" panose="02020603050405020304" pitchFamily="18" charset="0"/>
+                <a:cs typeface="Times New Roman" panose="02020603050405020304" pitchFamily="18" charset="0"/>
+              </a:rPr>
+              <a:t>="#root"</a:t>
+            </a:r>
+          </a:p>
+          <a:p>
+            <a:pPr marL="0" indent="0">
+              <a:buNone/>
+            </a:pPr>
+            <a:r>
+              <a:rPr lang="en-US" dirty="0">
+                <a:latin typeface="Times New Roman" panose="02020603050405020304" pitchFamily="18" charset="0"/>
+                <a:cs typeface="Times New Roman" panose="02020603050405020304" pitchFamily="18" charset="0"/>
+              </a:rPr>
+              <a:t>             	</a:t>
+            </a:r>
+            <a:r>
+              <a:rPr lang="en-US" dirty="0" err="1">
+                <a:latin typeface="Times New Roman" panose="02020603050405020304" pitchFamily="18" charset="0"/>
+                <a:cs typeface="Times New Roman" panose="02020603050405020304" pitchFamily="18" charset="0"/>
+              </a:rPr>
+              <a:t>childesID</a:t>
+            </a:r>
+            <a:r>
+              <a:rPr lang="en-US" dirty="0">
+                <a:latin typeface="Times New Roman" panose="02020603050405020304" pitchFamily="18" charset="0"/>
+                <a:cs typeface="Times New Roman" panose="02020603050405020304" pitchFamily="18" charset="0"/>
+              </a:rPr>
+              <a:t>="#condition #action" status="success"/&gt;</a:t>
+            </a:r>
+          </a:p>
+          <a:p>
+            <a:pPr marL="0" indent="0">
+              <a:buNone/>
+            </a:pPr>
+            <a:r>
+              <a:rPr lang="en-US" dirty="0">
+                <a:latin typeface="Times New Roman" panose="02020603050405020304" pitchFamily="18" charset="0"/>
+                <a:cs typeface="Times New Roman" panose="02020603050405020304" pitchFamily="18" charset="0"/>
+              </a:rPr>
+              <a:t>        	&lt;/root&gt;</a:t>
+            </a:r>
+          </a:p>
+          <a:p>
+            <a:pPr marL="0" indent="0">
+              <a:buNone/>
+            </a:pPr>
+            <a:r>
+              <a:rPr lang="en-US" dirty="0">
+                <a:latin typeface="Times New Roman" panose="02020603050405020304" pitchFamily="18" charset="0"/>
+                <a:cs typeface="Times New Roman" panose="02020603050405020304" pitchFamily="18" charset="0"/>
+              </a:rPr>
+              <a:t>&lt;/</a:t>
+            </a:r>
+            <a:r>
+              <a:rPr lang="en-US" dirty="0" err="1">
+                <a:latin typeface="Times New Roman" panose="02020603050405020304" pitchFamily="18" charset="0"/>
+                <a:cs typeface="Times New Roman" panose="02020603050405020304" pitchFamily="18" charset="0"/>
+              </a:rPr>
+              <a:t>behaviorTree</a:t>
+            </a:r>
+            <a:r>
+              <a:rPr lang="en-US" dirty="0">
+                <a:latin typeface="Times New Roman" panose="02020603050405020304" pitchFamily="18" charset="0"/>
+                <a:cs typeface="Times New Roman" panose="02020603050405020304" pitchFamily="18" charset="0"/>
+              </a:rPr>
+              <a:t>&gt;</a:t>
+            </a:r>
+          </a:p>
+          <a:p>
+            <a:pPr marL="0" indent="0">
+              <a:buNone/>
+            </a:pPr>
+            <a:endParaRPr lang="en-US" dirty="0">
+              <a:latin typeface="Times New Roman" panose="02020603050405020304" pitchFamily="18" charset="0"/>
+              <a:cs typeface="Times New Roman" panose="02020603050405020304" pitchFamily="18" charset="0"/>
+            </a:endParaRPr>
+          </a:p>
+          <a:p>
+            <a:pPr marL="0" indent="0">
+              <a:buNone/>
+            </a:pPr>
+            <a:r>
+              <a:rPr lang="en-US" dirty="0">
+                <a:latin typeface="Times New Roman" panose="02020603050405020304" pitchFamily="18" charset="0"/>
+                <a:cs typeface="Times New Roman" panose="02020603050405020304" pitchFamily="18" charset="0"/>
+              </a:rPr>
+              <a:t>&lt;</a:t>
+            </a:r>
+            <a:r>
+              <a:rPr lang="en-US" dirty="0" err="1">
+                <a:latin typeface="Times New Roman" panose="02020603050405020304" pitchFamily="18" charset="0"/>
+                <a:cs typeface="Times New Roman" panose="02020603050405020304" pitchFamily="18" charset="0"/>
+              </a:rPr>
+              <a:t>leafNode</a:t>
+            </a:r>
+            <a:r>
+              <a:rPr lang="en-US" dirty="0">
+                <a:latin typeface="Times New Roman" panose="02020603050405020304" pitchFamily="18" charset="0"/>
+                <a:cs typeface="Times New Roman" panose="02020603050405020304" pitchFamily="18" charset="0"/>
+              </a:rPr>
+              <a:t> id="#condition" </a:t>
+            </a:r>
+            <a:r>
+              <a:rPr lang="en-US" dirty="0" err="1">
+                <a:latin typeface="Times New Roman" panose="02020603050405020304" pitchFamily="18" charset="0"/>
+                <a:cs typeface="Times New Roman" panose="02020603050405020304" pitchFamily="18" charset="0"/>
+              </a:rPr>
+              <a:t>parentID</a:t>
+            </a:r>
+            <a:r>
+              <a:rPr lang="en-US" dirty="0">
+                <a:latin typeface="Times New Roman" panose="02020603050405020304" pitchFamily="18" charset="0"/>
+                <a:cs typeface="Times New Roman" panose="02020603050405020304" pitchFamily="18" charset="0"/>
+              </a:rPr>
+              <a:t>="#sequence" status="success"&gt;</a:t>
+            </a:r>
+          </a:p>
+          <a:p>
+            <a:pPr marL="0" indent="0">
+              <a:buNone/>
+            </a:pPr>
+            <a:r>
+              <a:rPr lang="en-US" dirty="0">
+                <a:latin typeface="Times New Roman" panose="02020603050405020304" pitchFamily="18" charset="0"/>
+                <a:cs typeface="Times New Roman" panose="02020603050405020304" pitchFamily="18" charset="0"/>
+              </a:rPr>
+              <a:t>        	&lt;condition values="</a:t>
+            </a:r>
+            <a:r>
+              <a:rPr lang="en-US" dirty="0" err="1">
+                <a:latin typeface="Times New Roman" panose="02020603050405020304" pitchFamily="18" charset="0"/>
+                <a:cs typeface="Times New Roman" panose="02020603050405020304" pitchFamily="18" charset="0"/>
+              </a:rPr>
+              <a:t>firstValue</a:t>
+            </a:r>
+            <a:r>
+              <a:rPr lang="en-US" dirty="0">
+                <a:latin typeface="Times New Roman" panose="02020603050405020304" pitchFamily="18" charset="0"/>
+                <a:cs typeface="Times New Roman" panose="02020603050405020304" pitchFamily="18" charset="0"/>
+              </a:rPr>
+              <a:t>" </a:t>
+            </a:r>
+            <a:r>
+              <a:rPr lang="en-US" dirty="0" err="1">
+                <a:latin typeface="Times New Roman" panose="02020603050405020304" pitchFamily="18" charset="0"/>
+                <a:cs typeface="Times New Roman" panose="02020603050405020304" pitchFamily="18" charset="0"/>
+              </a:rPr>
+              <a:t>expectedValues</a:t>
+            </a:r>
+            <a:r>
+              <a:rPr lang="en-US" dirty="0">
+                <a:latin typeface="Times New Roman" panose="02020603050405020304" pitchFamily="18" charset="0"/>
+                <a:cs typeface="Times New Roman" panose="02020603050405020304" pitchFamily="18" charset="0"/>
+              </a:rPr>
+              <a:t>="value1"/&gt;</a:t>
+            </a:r>
+          </a:p>
+          <a:p>
+            <a:pPr marL="0" indent="0">
+              <a:buNone/>
+            </a:pPr>
+            <a:r>
+              <a:rPr lang="en-US" dirty="0">
+                <a:latin typeface="Times New Roman" panose="02020603050405020304" pitchFamily="18" charset="0"/>
+                <a:cs typeface="Times New Roman" panose="02020603050405020304" pitchFamily="18" charset="0"/>
+              </a:rPr>
+              <a:t>&lt;/</a:t>
+            </a:r>
+            <a:r>
+              <a:rPr lang="en-US" dirty="0" err="1">
+                <a:latin typeface="Times New Roman" panose="02020603050405020304" pitchFamily="18" charset="0"/>
+                <a:cs typeface="Times New Roman" panose="02020603050405020304" pitchFamily="18" charset="0"/>
+              </a:rPr>
+              <a:t>leafNode</a:t>
+            </a:r>
+            <a:r>
+              <a:rPr lang="en-US" dirty="0">
+                <a:latin typeface="Times New Roman" panose="02020603050405020304" pitchFamily="18" charset="0"/>
+                <a:cs typeface="Times New Roman" panose="02020603050405020304" pitchFamily="18" charset="0"/>
+              </a:rPr>
+              <a:t>&gt;</a:t>
+            </a:r>
+          </a:p>
+          <a:p>
+            <a:pPr marL="0" indent="0">
+              <a:buNone/>
+            </a:pPr>
+            <a:endParaRPr lang="en-US" dirty="0">
+              <a:latin typeface="Times New Roman" panose="02020603050405020304" pitchFamily="18" charset="0"/>
+              <a:cs typeface="Times New Roman" panose="02020603050405020304" pitchFamily="18" charset="0"/>
+            </a:endParaRPr>
+          </a:p>
+          <a:p>
+            <a:pPr marL="0" indent="0">
+              <a:buNone/>
+            </a:pPr>
+            <a:r>
+              <a:rPr lang="en-US" dirty="0">
+                <a:latin typeface="Times New Roman" panose="02020603050405020304" pitchFamily="18" charset="0"/>
+                <a:cs typeface="Times New Roman" panose="02020603050405020304" pitchFamily="18" charset="0"/>
+              </a:rPr>
+              <a:t>&lt;</a:t>
+            </a:r>
+            <a:r>
+              <a:rPr lang="en-US" dirty="0" err="1">
+                <a:latin typeface="Times New Roman" panose="02020603050405020304" pitchFamily="18" charset="0"/>
+                <a:cs typeface="Times New Roman" panose="02020603050405020304" pitchFamily="18" charset="0"/>
+              </a:rPr>
+              <a:t>leafNode</a:t>
+            </a:r>
+            <a:r>
+              <a:rPr lang="en-US" dirty="0">
+                <a:latin typeface="Times New Roman" panose="02020603050405020304" pitchFamily="18" charset="0"/>
+                <a:cs typeface="Times New Roman" panose="02020603050405020304" pitchFamily="18" charset="0"/>
+              </a:rPr>
+              <a:t> id="#action" </a:t>
+            </a:r>
+            <a:r>
+              <a:rPr lang="en-US" dirty="0" err="1">
+                <a:latin typeface="Times New Roman" panose="02020603050405020304" pitchFamily="18" charset="0"/>
+                <a:cs typeface="Times New Roman" panose="02020603050405020304" pitchFamily="18" charset="0"/>
+              </a:rPr>
+              <a:t>parentID</a:t>
+            </a:r>
+            <a:r>
+              <a:rPr lang="en-US" dirty="0">
+                <a:latin typeface="Times New Roman" panose="02020603050405020304" pitchFamily="18" charset="0"/>
+                <a:cs typeface="Times New Roman" panose="02020603050405020304" pitchFamily="18" charset="0"/>
+              </a:rPr>
+              <a:t>="#sequence" status="success"&gt;</a:t>
+            </a:r>
+          </a:p>
+          <a:p>
+            <a:pPr marL="0" indent="0">
+              <a:buNone/>
+            </a:pPr>
+            <a:r>
+              <a:rPr lang="en-US" dirty="0">
+                <a:latin typeface="Times New Roman" panose="02020603050405020304" pitchFamily="18" charset="0"/>
+                <a:cs typeface="Times New Roman" panose="02020603050405020304" pitchFamily="18" charset="0"/>
+              </a:rPr>
+              <a:t>        	&lt;action values="</a:t>
+            </a:r>
+            <a:r>
+              <a:rPr lang="en-US" dirty="0" err="1">
+                <a:latin typeface="Times New Roman" panose="02020603050405020304" pitchFamily="18" charset="0"/>
+                <a:cs typeface="Times New Roman" panose="02020603050405020304" pitchFamily="18" charset="0"/>
+              </a:rPr>
+              <a:t>firstValue</a:t>
+            </a:r>
+            <a:r>
+              <a:rPr lang="en-US" dirty="0">
+                <a:latin typeface="Times New Roman" panose="02020603050405020304" pitchFamily="18" charset="0"/>
+                <a:cs typeface="Times New Roman" panose="02020603050405020304" pitchFamily="18" charset="0"/>
+              </a:rPr>
+              <a:t> </a:t>
+            </a:r>
+            <a:r>
+              <a:rPr lang="en-US" dirty="0" err="1">
+                <a:latin typeface="Times New Roman" panose="02020603050405020304" pitchFamily="18" charset="0"/>
+                <a:cs typeface="Times New Roman" panose="02020603050405020304" pitchFamily="18" charset="0"/>
+              </a:rPr>
+              <a:t>secondValue</a:t>
+            </a:r>
+            <a:r>
+              <a:rPr lang="en-US" dirty="0">
+                <a:latin typeface="Times New Roman" panose="02020603050405020304" pitchFamily="18" charset="0"/>
+                <a:cs typeface="Times New Roman" panose="02020603050405020304" pitchFamily="18" charset="0"/>
+              </a:rPr>
+              <a:t>" </a:t>
+            </a:r>
+          </a:p>
+          <a:p>
+            <a:pPr marL="0" indent="0">
+              <a:buNone/>
+            </a:pPr>
+            <a:r>
+              <a:rPr lang="en-US" dirty="0">
+                <a:latin typeface="Times New Roman" panose="02020603050405020304" pitchFamily="18" charset="0"/>
+                <a:cs typeface="Times New Roman" panose="02020603050405020304" pitchFamily="18" charset="0"/>
+              </a:rPr>
+              <a:t>        	</a:t>
+            </a:r>
+            <a:r>
+              <a:rPr lang="en-US" dirty="0" err="1">
+                <a:latin typeface="Times New Roman" panose="02020603050405020304" pitchFamily="18" charset="0"/>
+                <a:cs typeface="Times New Roman" panose="02020603050405020304" pitchFamily="18" charset="0"/>
+              </a:rPr>
+              <a:t>newValues</a:t>
+            </a:r>
+            <a:r>
+              <a:rPr lang="en-US" dirty="0">
+                <a:latin typeface="Times New Roman" panose="02020603050405020304" pitchFamily="18" charset="0"/>
+                <a:cs typeface="Times New Roman" panose="02020603050405020304" pitchFamily="18" charset="0"/>
+              </a:rPr>
+              <a:t>="newValue1 newValue2"/&gt;</a:t>
+            </a:r>
+          </a:p>
+          <a:p>
+            <a:pPr marL="0" indent="0">
+              <a:buNone/>
+            </a:pPr>
+            <a:r>
+              <a:rPr lang="en-US" dirty="0">
+                <a:latin typeface="Times New Roman" panose="02020603050405020304" pitchFamily="18" charset="0"/>
+                <a:cs typeface="Times New Roman" panose="02020603050405020304" pitchFamily="18" charset="0"/>
+              </a:rPr>
+              <a:t> &lt;/</a:t>
+            </a:r>
+            <a:r>
+              <a:rPr lang="en-US" dirty="0" err="1">
+                <a:latin typeface="Times New Roman" panose="02020603050405020304" pitchFamily="18" charset="0"/>
+                <a:cs typeface="Times New Roman" panose="02020603050405020304" pitchFamily="18" charset="0"/>
+              </a:rPr>
+              <a:t>leafNode</a:t>
+            </a:r>
+            <a:r>
+              <a:rPr lang="en-US" dirty="0">
+                <a:latin typeface="Times New Roman" panose="02020603050405020304" pitchFamily="18" charset="0"/>
+                <a:cs typeface="Times New Roman" panose="02020603050405020304" pitchFamily="18" charset="0"/>
+              </a:rPr>
+              <a:t>&gt;</a:t>
+            </a:r>
+          </a:p>
+          <a:p>
+            <a:pPr marL="0" indent="0">
+              <a:buNone/>
+            </a:pPr>
+            <a:endParaRPr lang="ru-RU" dirty="0">
+              <a:latin typeface="Times New Roman" panose="02020603050405020304" pitchFamily="18" charset="0"/>
+              <a:cs typeface="Times New Roman" panose="02020603050405020304" pitchFamily="18" charset="0"/>
+            </a:endParaRPr>
+          </a:p>
+        </p:txBody>
+      </p:sp>
+      <p:sp>
+        <p:nvSpPr>
+          <p:cNvPr id="2" name="Номер слайда 1">
+            <a:extLst>
+              <a:ext uri="{FF2B5EF4-FFF2-40B4-BE49-F238E27FC236}">
+                <a16:creationId xmlns:a16="http://schemas.microsoft.com/office/drawing/2014/main" id="{CC2712EE-CE1E-3E58-286E-40801926C53B}"/>
+              </a:ext>
+            </a:extLst>
+          </p:cNvPr>
+          <p:cNvSpPr>
+            <a:spLocks noGrp="1"/>
+          </p:cNvSpPr>
+          <p:nvPr>
+            <p:ph type="sldNum" sz="quarter" idx="12"/>
+          </p:nvPr>
+        </p:nvSpPr>
+        <p:spPr/>
+        <p:txBody>
+          <a:bodyPr/>
+          <a:lstStyle/>
+          <a:p>
+            <a:fld id="{CB2D0BB1-D3E1-48DF-AD13-5A27F6929C9A}" type="slidenum">
+              <a:rPr lang="ru-RU" smtClean="0"/>
+              <a:t>19</a:t>
+            </a:fld>
+            <a:endParaRPr lang="ru-RU"/>
+          </a:p>
+        </p:txBody>
+      </p:sp>
+    </p:spTree>
+    <p:extLst>
+      <p:ext uri="{BB962C8B-B14F-4D97-AF65-F5344CB8AC3E}">
+        <p14:creationId xmlns:p14="http://schemas.microsoft.com/office/powerpoint/2010/main" val="1430934830"/>
       </p:ext>
     </p:extLst>
   </p:cSld>
@@ -6335,7 +8002,7 @@
         </p:spPr>
         <p:txBody>
           <a:bodyPr>
-            <a:normAutofit fontScale="47500" lnSpcReduction="20000"/>
+            <a:normAutofit fontScale="62500" lnSpcReduction="20000"/>
           </a:bodyPr>
           <a:lstStyle/>
           <a:p>
@@ -6349,70 +8016,28 @@
                 <a:latin typeface="Times New Roman" panose="02020603050405020304" pitchFamily="18" charset="0"/>
                 <a:cs typeface="Times New Roman" panose="02020603050405020304" pitchFamily="18" charset="0"/>
               </a:rPr>
-              <a:t>Актуальность</a:t>
-            </a:r>
-            <a:r>
-              <a:rPr lang="en-US" sz="4200" dirty="0">
-                <a:latin typeface="Times New Roman" panose="02020603050405020304" pitchFamily="18" charset="0"/>
-                <a:cs typeface="Times New Roman" panose="02020603050405020304" pitchFamily="18" charset="0"/>
-              </a:rPr>
-              <a:t>: </a:t>
+              <a:t>Цель</a:t>
             </a:r>
             <a:r>
               <a:rPr lang="ru-RU" sz="4200" dirty="0">
                 <a:latin typeface="Times New Roman" panose="02020603050405020304" pitchFamily="18" charset="0"/>
                 <a:cs typeface="Times New Roman" panose="02020603050405020304" pitchFamily="18" charset="0"/>
               </a:rPr>
-              <a:t>искусственный интеллект в играх жанра </a:t>
-            </a:r>
-            <a:r>
-              <a:rPr lang="en-US" sz="4200" dirty="0">
-                <a:latin typeface="Times New Roman" panose="02020603050405020304" pitchFamily="18" charset="0"/>
-                <a:cs typeface="Times New Roman" panose="02020603050405020304" pitchFamily="18" charset="0"/>
-              </a:rPr>
-              <a:t>RTS </a:t>
+              <a:t>: разработка программы планирования действий в стратегической игре на примере </a:t>
+            </a:r>
+            <a:r>
+              <a:rPr lang="ru-RU" sz="4200" dirty="0" err="1">
+                <a:latin typeface="Times New Roman" panose="02020603050405020304" pitchFamily="18" charset="0"/>
+                <a:cs typeface="Times New Roman" panose="02020603050405020304" pitchFamily="18" charset="0"/>
+              </a:rPr>
+              <a:t>StarCraft</a:t>
             </a:r>
             <a:r>
               <a:rPr lang="ru-RU" sz="4200" dirty="0">
                 <a:latin typeface="Times New Roman" panose="02020603050405020304" pitchFamily="18" charset="0"/>
                 <a:cs typeface="Times New Roman" panose="02020603050405020304" pitchFamily="18" charset="0"/>
               </a:rPr>
-              <a:t>очень предсказуем. Решение задачи планирования действий в стратегической игре позволит сделать игровой ИИ более человекоподобным и испытать новые подходы в контролируемой игровой среде.</a:t>
-            </a:r>
-          </a:p>
-          <a:p>
-            <a:pPr algn="just">
-              <a:lnSpc>
-                <a:spcPct val="170000"/>
-              </a:lnSpc>
-            </a:pPr>
-            <a:r>
-              <a:rPr lang="ru-RU" sz="4200" b="1" dirty="0">
-                <a:latin typeface="Times New Roman" panose="02020603050405020304" pitchFamily="18" charset="0"/>
-                <a:cs typeface="Times New Roman" panose="02020603050405020304" pitchFamily="18" charset="0"/>
-              </a:rPr>
-              <a:t>Цель</a:t>
-            </a:r>
-            <a:r>
-              <a:rPr lang="ru-RU" sz="4200" dirty="0">
-                <a:latin typeface="Times New Roman" panose="02020603050405020304" pitchFamily="18" charset="0"/>
-                <a:cs typeface="Times New Roman" panose="02020603050405020304" pitchFamily="18" charset="0"/>
-              </a:rPr>
-              <a:t>: разработка программы решения задачи планирования действий в стратегической игре </a:t>
-            </a:r>
-            <a:r>
-              <a:rPr lang="ru-RU" sz="4200" dirty="0" err="1">
-                <a:latin typeface="Times New Roman" panose="02020603050405020304" pitchFamily="18" charset="0"/>
-                <a:cs typeface="Times New Roman" panose="02020603050405020304" pitchFamily="18" charset="0"/>
-              </a:rPr>
-              <a:t>StarCraft</a:t>
-            </a:r>
-            <a:r>
-              <a:rPr lang="ru-RU" sz="4200" dirty="0">
-                <a:latin typeface="Times New Roman" panose="02020603050405020304" pitchFamily="18" charset="0"/>
-                <a:cs typeface="Times New Roman" panose="02020603050405020304" pitchFamily="18" charset="0"/>
-              </a:rPr>
-              <a:t> с учётом текущей ситуации в игре</a:t>
+              <a:t>.</a:t>
             </a:r>
           </a:p>
           <a:p>
@@ -6519,10 +8144,422 @@
           </a:p>
         </p:txBody>
       </p:sp>
+      <p:sp>
+        <p:nvSpPr>
+          <p:cNvPr id="4" name="Номер слайда 3">
+            <a:extLst>
+              <a:ext uri="{FF2B5EF4-FFF2-40B4-BE49-F238E27FC236}">
+                <a16:creationId xmlns:a16="http://schemas.microsoft.com/office/drawing/2014/main" id="{4BF630F0-237C-59C6-86FA-77D78C1612B3}"/>
+              </a:ext>
+            </a:extLst>
+          </p:cNvPr>
+          <p:cNvSpPr>
+            <a:spLocks noGrp="1"/>
+          </p:cNvSpPr>
+          <p:nvPr>
+            <p:ph type="sldNum" sz="quarter" idx="12"/>
+          </p:nvPr>
+        </p:nvSpPr>
+        <p:spPr/>
+        <p:txBody>
+          <a:bodyPr/>
+          <a:lstStyle/>
+          <a:p>
+            <a:fld id="{CB2D0BB1-D3E1-48DF-AD13-5A27F6929C9A}" type="slidenum">
+              <a:rPr lang="ru-RU" smtClean="0"/>
+              <a:t>2</a:t>
+            </a:fld>
+            <a:endParaRPr lang="ru-RU"/>
+          </a:p>
+        </p:txBody>
+      </p:sp>
     </p:spTree>
     <p:extLst>
       <p:ext uri="{BB962C8B-B14F-4D97-AF65-F5344CB8AC3E}">
         <p14:creationId xmlns:p14="http://schemas.microsoft.com/office/powerpoint/2010/main" val="3110663226"/>
+      </p:ext>
+    </p:extLst>
+  </p:cSld>
+  <p:clrMapOvr>
+    <a:masterClrMapping/>
+  </p:clrMapOvr>
+</p:sld>
+</file>
+
+<file path=ppt/slides/slide20.xml><?xml version="1.0" encoding="utf-8"?>
+<p:sld xmlns:a="http://schemas.openxmlformats.org/drawingml/2006/main" xmlns:r="http://schemas.openxmlformats.org/officeDocument/2006/relationships" xmlns:p="http://schemas.openxmlformats.org/presentationml/2006/main">
+  <p:cSld>
+    <p:spTree>
+      <p:nvGrpSpPr>
+        <p:cNvPr id="1" name=""/>
+        <p:cNvGrpSpPr/>
+        <p:nvPr/>
+      </p:nvGrpSpPr>
+      <p:grpSpPr>
+        <a:xfrm>
+          <a:off x="0" y="0"/>
+          <a:ext cx="0" cy="0"/>
+          <a:chOff x="0" y="0"/>
+          <a:chExt cx="0" cy="0"/>
+        </a:xfrm>
+      </p:grpSpPr>
+      <p:sp>
+        <p:nvSpPr>
+          <p:cNvPr id="4" name="Номер слайда 3">
+            <a:extLst>
+              <a:ext uri="{FF2B5EF4-FFF2-40B4-BE49-F238E27FC236}">
+                <a16:creationId xmlns:a16="http://schemas.microsoft.com/office/drawing/2014/main" id="{6D5CECD0-CBBB-01AC-34D3-FF4CACBC3421}"/>
+              </a:ext>
+            </a:extLst>
+          </p:cNvPr>
+          <p:cNvSpPr>
+            <a:spLocks noGrp="1"/>
+          </p:cNvSpPr>
+          <p:nvPr>
+            <p:ph type="sldNum" sz="quarter" idx="12"/>
+          </p:nvPr>
+        </p:nvSpPr>
+        <p:spPr/>
+        <p:txBody>
+          <a:bodyPr/>
+          <a:lstStyle/>
+          <a:p>
+            <a:fld id="{CB2D0BB1-D3E1-48DF-AD13-5A27F6929C9A}" type="slidenum">
+              <a:rPr lang="ru-RU" smtClean="0"/>
+              <a:pPr/>
+              <a:t>20</a:t>
+            </a:fld>
+            <a:endParaRPr lang="ru-RU" dirty="0"/>
+          </a:p>
+        </p:txBody>
+      </p:sp>
+      <p:pic>
+        <p:nvPicPr>
+          <p:cNvPr id="6" name="Рисунок 5" descr="Изображение выглядит как текст, диаграмма, зарисовка, линия&#10;&#10;Автоматически созданное описание">
+            <a:extLst>
+              <a:ext uri="{FF2B5EF4-FFF2-40B4-BE49-F238E27FC236}">
+                <a16:creationId xmlns:a16="http://schemas.microsoft.com/office/drawing/2014/main" id="{DAE9510B-1362-E010-5826-2C5AFEAEEF8F}"/>
+              </a:ext>
+            </a:extLst>
+          </p:cNvPr>
+          <p:cNvPicPr>
+            <a:picLocks noChangeAspect="1"/>
+          </p:cNvPicPr>
+          <p:nvPr/>
+        </p:nvPicPr>
+        <p:blipFill>
+          <a:blip r:embed="rId2">
+            <a:extLst>
+              <a:ext uri="{28A0092B-C50C-407E-A947-70E740481C1C}">
+                <a14:useLocalDpi xmlns:a14="http://schemas.microsoft.com/office/drawing/2010/main" val="0"/>
+              </a:ext>
+            </a:extLst>
+          </a:blip>
+          <a:stretch>
+            <a:fillRect/>
+          </a:stretch>
+        </p:blipFill>
+        <p:spPr>
+          <a:xfrm>
+            <a:off x="2664618" y="545179"/>
+            <a:ext cx="6862763" cy="5767641"/>
+          </a:xfrm>
+          <a:prstGeom prst="rect">
+            <a:avLst/>
+          </a:prstGeom>
+        </p:spPr>
+      </p:pic>
+    </p:spTree>
+    <p:extLst>
+      <p:ext uri="{BB962C8B-B14F-4D97-AF65-F5344CB8AC3E}">
+        <p14:creationId xmlns:p14="http://schemas.microsoft.com/office/powerpoint/2010/main" val="3043770551"/>
+      </p:ext>
+    </p:extLst>
+  </p:cSld>
+  <p:clrMapOvr>
+    <a:masterClrMapping/>
+  </p:clrMapOvr>
+</p:sld>
+</file>
+
+<file path=ppt/slides/slide21.xml><?xml version="1.0" encoding="utf-8"?>
+<p:sld xmlns:a="http://schemas.openxmlformats.org/drawingml/2006/main" xmlns:r="http://schemas.openxmlformats.org/officeDocument/2006/relationships" xmlns:p="http://schemas.openxmlformats.org/presentationml/2006/main">
+  <p:cSld>
+    <p:spTree>
+      <p:nvGrpSpPr>
+        <p:cNvPr id="1" name=""/>
+        <p:cNvGrpSpPr/>
+        <p:nvPr/>
+      </p:nvGrpSpPr>
+      <p:grpSpPr>
+        <a:xfrm>
+          <a:off x="0" y="0"/>
+          <a:ext cx="0" cy="0"/>
+          <a:chOff x="0" y="0"/>
+          <a:chExt cx="0" cy="0"/>
+        </a:xfrm>
+      </p:grpSpPr>
+      <p:sp>
+        <p:nvSpPr>
+          <p:cNvPr id="4" name="Номер слайда 3">
+            <a:extLst>
+              <a:ext uri="{FF2B5EF4-FFF2-40B4-BE49-F238E27FC236}">
+                <a16:creationId xmlns:a16="http://schemas.microsoft.com/office/drawing/2014/main" id="{AAC5C56E-D9F1-33CE-CEAD-F6524CCE23BE}"/>
+              </a:ext>
+            </a:extLst>
+          </p:cNvPr>
+          <p:cNvSpPr>
+            <a:spLocks noGrp="1"/>
+          </p:cNvSpPr>
+          <p:nvPr>
+            <p:ph type="sldNum" sz="quarter" idx="12"/>
+          </p:nvPr>
+        </p:nvSpPr>
+        <p:spPr/>
+        <p:txBody>
+          <a:bodyPr/>
+          <a:lstStyle/>
+          <a:p>
+            <a:fld id="{CB2D0BB1-D3E1-48DF-AD13-5A27F6929C9A}" type="slidenum">
+              <a:rPr lang="ru-RU" smtClean="0"/>
+              <a:pPr/>
+              <a:t>21</a:t>
+            </a:fld>
+            <a:endParaRPr lang="ru-RU" dirty="0"/>
+          </a:p>
+        </p:txBody>
+      </p:sp>
+      <p:pic>
+        <p:nvPicPr>
+          <p:cNvPr id="6" name="Рисунок 5" descr="Изображение выглядит как дизайн&#10;&#10;Автоматически созданное описание со средним доверительным уровнем">
+            <a:extLst>
+              <a:ext uri="{FF2B5EF4-FFF2-40B4-BE49-F238E27FC236}">
+                <a16:creationId xmlns:a16="http://schemas.microsoft.com/office/drawing/2014/main" id="{116951B9-7BE9-75F4-6D9A-FE4E1025D5EB}"/>
+              </a:ext>
+            </a:extLst>
+          </p:cNvPr>
+          <p:cNvPicPr>
+            <a:picLocks noChangeAspect="1"/>
+          </p:cNvPicPr>
+          <p:nvPr/>
+        </p:nvPicPr>
+        <p:blipFill>
+          <a:blip r:embed="rId2">
+            <a:extLst>
+              <a:ext uri="{28A0092B-C50C-407E-A947-70E740481C1C}">
+                <a14:useLocalDpi xmlns:a14="http://schemas.microsoft.com/office/drawing/2010/main" val="0"/>
+              </a:ext>
+            </a:extLst>
+          </a:blip>
+          <a:stretch>
+            <a:fillRect/>
+          </a:stretch>
+        </p:blipFill>
+        <p:spPr>
+          <a:xfrm>
+            <a:off x="4398168" y="981074"/>
+            <a:ext cx="3395663" cy="5201867"/>
+          </a:xfrm>
+          <a:prstGeom prst="rect">
+            <a:avLst/>
+          </a:prstGeom>
+        </p:spPr>
+      </p:pic>
+    </p:spTree>
+    <p:extLst>
+      <p:ext uri="{BB962C8B-B14F-4D97-AF65-F5344CB8AC3E}">
+        <p14:creationId xmlns:p14="http://schemas.microsoft.com/office/powerpoint/2010/main" val="3939929525"/>
+      </p:ext>
+    </p:extLst>
+  </p:cSld>
+  <p:clrMapOvr>
+    <a:masterClrMapping/>
+  </p:clrMapOvr>
+</p:sld>
+</file>
+
+<file path=ppt/slides/slide22.xml><?xml version="1.0" encoding="utf-8"?>
+<p:sld xmlns:a="http://schemas.openxmlformats.org/drawingml/2006/main" xmlns:r="http://schemas.openxmlformats.org/officeDocument/2006/relationships" xmlns:p="http://schemas.openxmlformats.org/presentationml/2006/main">
+  <p:cSld>
+    <p:spTree>
+      <p:nvGrpSpPr>
+        <p:cNvPr id="1" name=""/>
+        <p:cNvGrpSpPr/>
+        <p:nvPr/>
+      </p:nvGrpSpPr>
+      <p:grpSpPr>
+        <a:xfrm>
+          <a:off x="0" y="0"/>
+          <a:ext cx="0" cy="0"/>
+          <a:chOff x="0" y="0"/>
+          <a:chExt cx="0" cy="0"/>
+        </a:xfrm>
+      </p:grpSpPr>
+      <p:pic>
+        <p:nvPicPr>
+          <p:cNvPr id="6" name="Объект 5" descr="Изображение выглядит как зарисовка, диаграмма, рисунок, линия&#10;&#10;Автоматически созданное описание">
+            <a:extLst>
+              <a:ext uri="{FF2B5EF4-FFF2-40B4-BE49-F238E27FC236}">
+                <a16:creationId xmlns:a16="http://schemas.microsoft.com/office/drawing/2014/main" id="{EF46D94B-47AF-C888-9910-F656C0FC957E}"/>
+              </a:ext>
+            </a:extLst>
+          </p:cNvPr>
+          <p:cNvPicPr>
+            <a:picLocks noGrp="1" noChangeAspect="1"/>
+          </p:cNvPicPr>
+          <p:nvPr>
+            <p:ph idx="1"/>
+          </p:nvPr>
+        </p:nvPicPr>
+        <p:blipFill>
+          <a:blip r:embed="rId2">
+            <a:extLst>
+              <a:ext uri="{28A0092B-C50C-407E-A947-70E740481C1C}">
+                <a14:useLocalDpi xmlns:a14="http://schemas.microsoft.com/office/drawing/2010/main" val="0"/>
+              </a:ext>
+            </a:extLst>
+          </a:blip>
+          <a:stretch>
+            <a:fillRect/>
+          </a:stretch>
+        </p:blipFill>
+        <p:spPr>
+          <a:xfrm>
+            <a:off x="866775" y="521494"/>
+            <a:ext cx="10686558" cy="5288756"/>
+          </a:xfrm>
+        </p:spPr>
+      </p:pic>
+      <p:sp>
+        <p:nvSpPr>
+          <p:cNvPr id="4" name="Номер слайда 3">
+            <a:extLst>
+              <a:ext uri="{FF2B5EF4-FFF2-40B4-BE49-F238E27FC236}">
+                <a16:creationId xmlns:a16="http://schemas.microsoft.com/office/drawing/2014/main" id="{17D2CBDE-DB65-C4FC-8E3F-E3FEF3619FC3}"/>
+              </a:ext>
+            </a:extLst>
+          </p:cNvPr>
+          <p:cNvSpPr>
+            <a:spLocks noGrp="1"/>
+          </p:cNvSpPr>
+          <p:nvPr>
+            <p:ph type="sldNum" sz="quarter" idx="12"/>
+          </p:nvPr>
+        </p:nvSpPr>
+        <p:spPr/>
+        <p:txBody>
+          <a:bodyPr/>
+          <a:lstStyle/>
+          <a:p>
+            <a:fld id="{CB2D0BB1-D3E1-48DF-AD13-5A27F6929C9A}" type="slidenum">
+              <a:rPr lang="ru-RU" smtClean="0"/>
+              <a:pPr/>
+              <a:t>22</a:t>
+            </a:fld>
+            <a:endParaRPr lang="ru-RU" dirty="0"/>
+          </a:p>
+        </p:txBody>
+      </p:sp>
+    </p:spTree>
+    <p:extLst>
+      <p:ext uri="{BB962C8B-B14F-4D97-AF65-F5344CB8AC3E}">
+        <p14:creationId xmlns:p14="http://schemas.microsoft.com/office/powerpoint/2010/main" val="2166590696"/>
+      </p:ext>
+    </p:extLst>
+  </p:cSld>
+  <p:clrMapOvr>
+    <a:masterClrMapping/>
+  </p:clrMapOvr>
+</p:sld>
+</file>
+
+<file path=ppt/slides/slide23.xml><?xml version="1.0" encoding="utf-8"?>
+<p:sld xmlns:a="http://schemas.openxmlformats.org/drawingml/2006/main" xmlns:r="http://schemas.openxmlformats.org/officeDocument/2006/relationships" xmlns:p="http://schemas.openxmlformats.org/presentationml/2006/main">
+  <p:cSld>
+    <p:spTree>
+      <p:nvGrpSpPr>
+        <p:cNvPr id="1" name=""/>
+        <p:cNvGrpSpPr/>
+        <p:nvPr/>
+      </p:nvGrpSpPr>
+      <p:grpSpPr>
+        <a:xfrm>
+          <a:off x="0" y="0"/>
+          <a:ext cx="0" cy="0"/>
+          <a:chOff x="0" y="0"/>
+          <a:chExt cx="0" cy="0"/>
+        </a:xfrm>
+      </p:grpSpPr>
+      <p:sp>
+        <p:nvSpPr>
+          <p:cNvPr id="4" name="Номер слайда 3">
+            <a:extLst>
+              <a:ext uri="{FF2B5EF4-FFF2-40B4-BE49-F238E27FC236}">
+                <a16:creationId xmlns:a16="http://schemas.microsoft.com/office/drawing/2014/main" id="{64491A63-B488-A8F0-FB55-190ED7C65C4E}"/>
+              </a:ext>
+            </a:extLst>
+          </p:cNvPr>
+          <p:cNvSpPr>
+            <a:spLocks noGrp="1"/>
+          </p:cNvSpPr>
+          <p:nvPr>
+            <p:ph type="sldNum" sz="quarter" idx="12"/>
+          </p:nvPr>
+        </p:nvSpPr>
+        <p:spPr/>
+        <p:txBody>
+          <a:bodyPr/>
+          <a:lstStyle/>
+          <a:p>
+            <a:fld id="{CB2D0BB1-D3E1-48DF-AD13-5A27F6929C9A}" type="slidenum">
+              <a:rPr lang="ru-RU" smtClean="0"/>
+              <a:pPr/>
+              <a:t>23</a:t>
+            </a:fld>
+            <a:endParaRPr lang="ru-RU" dirty="0"/>
+          </a:p>
+        </p:txBody>
+      </p:sp>
+      <p:pic>
+        <p:nvPicPr>
+          <p:cNvPr id="6" name="Рисунок 5" descr="Изображение выглядит как зарисовка, диаграмма, текст, линия&#10;&#10;Автоматически созданное описание">
+            <a:extLst>
+              <a:ext uri="{FF2B5EF4-FFF2-40B4-BE49-F238E27FC236}">
+                <a16:creationId xmlns:a16="http://schemas.microsoft.com/office/drawing/2014/main" id="{1974E318-0347-B31F-045A-01169BF2B856}"/>
+              </a:ext>
+            </a:extLst>
+          </p:cNvPr>
+          <p:cNvPicPr>
+            <a:picLocks noChangeAspect="1"/>
+          </p:cNvPicPr>
+          <p:nvPr/>
+        </p:nvPicPr>
+        <p:blipFill>
+          <a:blip r:embed="rId2">
+            <a:extLst>
+              <a:ext uri="{28A0092B-C50C-407E-A947-70E740481C1C}">
+                <a14:useLocalDpi xmlns:a14="http://schemas.microsoft.com/office/drawing/2010/main" val="0"/>
+              </a:ext>
+            </a:extLst>
+          </a:blip>
+          <a:stretch>
+            <a:fillRect/>
+          </a:stretch>
+        </p:blipFill>
+        <p:spPr>
+          <a:xfrm>
+            <a:off x="1176337" y="704849"/>
+            <a:ext cx="9863138" cy="5028267"/>
+          </a:xfrm>
+          <a:prstGeom prst="rect">
+            <a:avLst/>
+          </a:prstGeom>
+        </p:spPr>
+      </p:pic>
+    </p:spTree>
+    <p:extLst>
+      <p:ext uri="{BB962C8B-B14F-4D97-AF65-F5344CB8AC3E}">
+        <p14:creationId xmlns:p14="http://schemas.microsoft.com/office/powerpoint/2010/main" val="4226330810"/>
       </p:ext>
     </p:extLst>
   </p:cSld>
@@ -6582,50 +8619,6 @@
                 <a:cs typeface="Times New Roman" panose="02020603050405020304" pitchFamily="18" charset="0"/>
               </a:rPr>
               <a:t>Постановка задачи</a:t>
-            </a:r>
-          </a:p>
-        </p:txBody>
-      </p:sp>
-      <p:sp>
-        <p:nvSpPr>
-          <p:cNvPr id="3" name="Объект 2">
-            <a:extLst>
-              <a:ext uri="{FF2B5EF4-FFF2-40B4-BE49-F238E27FC236}">
-                <a16:creationId xmlns:a16="http://schemas.microsoft.com/office/drawing/2014/main" id="{49BF8F73-12FE-43C6-9FFA-8DD8C75A7965}"/>
-              </a:ext>
-            </a:extLst>
-          </p:cNvPr>
-          <p:cNvSpPr>
-            <a:spLocks noGrp="1"/>
-          </p:cNvSpPr>
-          <p:nvPr>
-            <p:ph idx="1"/>
-          </p:nvPr>
-        </p:nvSpPr>
-        <p:spPr>
-          <a:xfrm>
-            <a:off x="0" y="678637"/>
-            <a:ext cx="12192000" cy="990077"/>
-          </a:xfrm>
-        </p:spPr>
-        <p:txBody>
-          <a:bodyPr>
-            <a:noAutofit/>
-          </a:bodyPr>
-          <a:lstStyle/>
-          <a:p>
-            <a:pPr marL="0" indent="0" algn="ctr">
-              <a:lnSpc>
-                <a:spcPct val="110000"/>
-              </a:lnSpc>
-              <a:buNone/>
-            </a:pPr>
-            <a:r>
-              <a:rPr lang="ru-RU" dirty="0">
-                <a:latin typeface="Times New Roman" panose="02020603050405020304" pitchFamily="18" charset="0"/>
-                <a:cs typeface="Times New Roman" panose="02020603050405020304" pitchFamily="18" charset="0"/>
-              </a:rPr>
-              <a:t>Планирование – формирование последовательности действий, позволяющей при выполнении из начального состояния достигнуть целевого</a:t>
             </a:r>
           </a:p>
         </p:txBody>
@@ -6684,7 +8677,7 @@
             </p:nvSpPr>
             <p:spPr>
               <a:xfrm>
-                <a:off x="3614738" y="4894801"/>
+                <a:off x="3609977" y="4627310"/>
                 <a:ext cx="8439150" cy="1123951"/>
               </a:xfrm>
               <a:prstGeom prst="rect">
@@ -7123,7 +9116,7 @@
             </p:nvSpPr>
             <p:spPr>
               <a:xfrm>
-                <a:off x="3614738" y="4894801"/>
+                <a:off x="3609977" y="4627310"/>
                 <a:ext cx="8439150" cy="1123951"/>
               </a:xfrm>
               <a:prstGeom prst="rect">
@@ -7132,7 +9125,7 @@
               <a:blipFill>
                 <a:blip r:embed="rId3"/>
                 <a:stretch>
-                  <a:fillRect t="-4891" b="-46196"/>
+                  <a:fillRect t="-4348" b="-46196"/>
                 </a:stretch>
               </a:blipFill>
             </p:spPr>
@@ -7167,8 +9160,8 @@
         </p:nvSpPr>
         <p:spPr>
           <a:xfrm>
-            <a:off x="147638" y="1668714"/>
-            <a:ext cx="11906250" cy="2416717"/>
+            <a:off x="71437" y="614839"/>
+            <a:ext cx="12049125" cy="3633311"/>
           </a:xfrm>
           <a:prstGeom prst="rect">
             <a:avLst/>
@@ -7383,7 +9376,7 @@
                 <a:latin typeface="Times New Roman" panose="02020603050405020304" pitchFamily="18" charset="0"/>
                 <a:cs typeface="Times New Roman" panose="02020603050405020304" pitchFamily="18" charset="0"/>
               </a:rPr>
-              <a:t>Оценивать текущую ситуацию</a:t>
+              <a:t>Оценивать текущую ситуацию (кол-во юнитов, зданий и ресурсов, разведанные области карты, информированность о противнике)</a:t>
             </a:r>
           </a:p>
           <a:p>
@@ -7398,7 +9391,7 @@
                 <a:latin typeface="Times New Roman" panose="02020603050405020304" pitchFamily="18" charset="0"/>
                 <a:cs typeface="Times New Roman" panose="02020603050405020304" pitchFamily="18" charset="0"/>
               </a:rPr>
-              <a:t>Выбирать наиболее приоритетную цель</a:t>
+              <a:t>Выбирать наиболее приоритетную цель (строительство и наём, разведка, оборона, атака)</a:t>
             </a:r>
           </a:p>
           <a:p>
@@ -7413,8 +9406,37 @@
                 <a:latin typeface="Times New Roman" panose="02020603050405020304" pitchFamily="18" charset="0"/>
                 <a:cs typeface="Times New Roman" panose="02020603050405020304" pitchFamily="18" charset="0"/>
               </a:rPr>
-              <a:t>Формировать план и выполнять его</a:t>
-            </a:r>
+              <a:t>Формировать план и выполнять его (план состоит из таких действий, как строительство, наём и перемещение юнитов, атака противника и прочих)</a:t>
+            </a:r>
+          </a:p>
+        </p:txBody>
+      </p:sp>
+      <p:sp>
+        <p:nvSpPr>
+          <p:cNvPr id="4" name="Номер слайда 3">
+            <a:extLst>
+              <a:ext uri="{FF2B5EF4-FFF2-40B4-BE49-F238E27FC236}">
+                <a16:creationId xmlns:a16="http://schemas.microsoft.com/office/drawing/2014/main" id="{8152865B-2040-A2AC-199C-75428EF49B31}"/>
+              </a:ext>
+            </a:extLst>
+          </p:cNvPr>
+          <p:cNvSpPr>
+            <a:spLocks noGrp="1"/>
+          </p:cNvSpPr>
+          <p:nvPr>
+            <p:ph type="sldNum" sz="quarter" idx="12"/>
+          </p:nvPr>
+        </p:nvSpPr>
+        <p:spPr/>
+        <p:txBody>
+          <a:bodyPr/>
+          <a:lstStyle/>
+          <a:p>
+            <a:fld id="{CB2D0BB1-D3E1-48DF-AD13-5A27F6929C9A}" type="slidenum">
+              <a:rPr lang="ru-RU" smtClean="0"/>
+              <a:t>3</a:t>
+            </a:fld>
+            <a:endParaRPr lang="ru-RU"/>
           </a:p>
         </p:txBody>
       </p:sp>
@@ -7501,14 +9523,14 @@
             <p:ph idx="1"/>
             <p:extLst>
               <p:ext uri="{D42A27DB-BD31-4B8C-83A1-F6EECF244321}">
-                <p14:modId xmlns:p14="http://schemas.microsoft.com/office/powerpoint/2010/main" val="4107263876"/>
+                <p14:modId xmlns:p14="http://schemas.microsoft.com/office/powerpoint/2010/main" val="2123172387"/>
               </p:ext>
             </p:extLst>
           </p:nvPr>
         </p:nvGraphicFramePr>
         <p:xfrm>
-          <a:off x="681036" y="835025"/>
-          <a:ext cx="10829925" cy="5791200"/>
+          <a:off x="209549" y="692150"/>
+          <a:ext cx="11772899" cy="6092349"/>
         </p:xfrm>
         <a:graphic>
           <a:graphicData uri="http://schemas.openxmlformats.org/drawingml/2006/table">
@@ -7517,42 +9539,42 @@
                 <a:tableStyleId>{5940675A-B579-460E-94D1-54222C63F5DA}</a:tableStyleId>
               </a:tblPr>
               <a:tblGrid>
-                <a:gridCol w="1752600">
+                <a:gridCol w="1905201">
                   <a:extLst>
                     <a:ext uri="{9D8B030D-6E8A-4147-A177-3AD203B41FA5}">
                       <a16:colId xmlns:a16="http://schemas.microsoft.com/office/drawing/2014/main" val="3469037242"/>
                     </a:ext>
                   </a:extLst>
                 </a:gridCol>
-                <a:gridCol w="1752600">
+                <a:gridCol w="1820462">
                   <a:extLst>
                     <a:ext uri="{9D8B030D-6E8A-4147-A177-3AD203B41FA5}">
                       <a16:colId xmlns:a16="http://schemas.microsoft.com/office/drawing/2014/main" val="760229664"/>
                     </a:ext>
                   </a:extLst>
                 </a:gridCol>
-                <a:gridCol w="1752600">
+                <a:gridCol w="1952969">
                   <a:extLst>
                     <a:ext uri="{9D8B030D-6E8A-4147-A177-3AD203B41FA5}">
                       <a16:colId xmlns:a16="http://schemas.microsoft.com/office/drawing/2014/main" val="1243716447"/>
                     </a:ext>
                   </a:extLst>
                 </a:gridCol>
-                <a:gridCol w="1752600">
+                <a:gridCol w="1942172">
                   <a:extLst>
                     <a:ext uri="{9D8B030D-6E8A-4147-A177-3AD203B41FA5}">
                       <a16:colId xmlns:a16="http://schemas.microsoft.com/office/drawing/2014/main" val="991491862"/>
                     </a:ext>
                   </a:extLst>
                 </a:gridCol>
-                <a:gridCol w="1752600">
+                <a:gridCol w="1905201">
                   <a:extLst>
                     <a:ext uri="{9D8B030D-6E8A-4147-A177-3AD203B41FA5}">
                       <a16:colId xmlns:a16="http://schemas.microsoft.com/office/drawing/2014/main" val="3544745105"/>
                     </a:ext>
                   </a:extLst>
                 </a:gridCol>
-                <a:gridCol w="2066925">
+                <a:gridCol w="2246894">
                   <a:extLst>
                     <a:ext uri="{9D8B030D-6E8A-4147-A177-3AD203B41FA5}">
                       <a16:colId xmlns:a16="http://schemas.microsoft.com/office/drawing/2014/main" val="839013407"/>
@@ -7560,7 +9582,7 @@
                   </a:extLst>
                 </a:gridCol>
               </a:tblGrid>
-              <a:tr h="370840">
+              <a:tr h="1910239">
                 <a:tc>
                   <a:txBody>
                     <a:bodyPr/>
@@ -7603,7 +9625,7 @@
                           <a:latin typeface="Times New Roman" panose="02020603050405020304" pitchFamily="18" charset="0"/>
                           <a:cs typeface="Times New Roman" panose="02020603050405020304" pitchFamily="18" charset="0"/>
                         </a:rPr>
-                        <a:t>Программа полноценная</a:t>
+                        <a:t>Программа способна провести полную игровую сессию</a:t>
                       </a:r>
                     </a:p>
                   </a:txBody>
@@ -7666,7 +9688,7 @@
                   </a:ext>
                 </a:extLst>
               </a:tr>
-              <a:tr h="370840">
+              <a:tr h="394176">
                 <a:tc>
                   <a:txBody>
                     <a:bodyPr/>
@@ -7799,7 +9821,7 @@
                   </a:ext>
                 </a:extLst>
               </a:tr>
-              <a:tr h="370840">
+              <a:tr h="394176">
                 <a:tc>
                   <a:txBody>
                     <a:bodyPr/>
@@ -7932,7 +9954,7 @@
                   </a:ext>
                 </a:extLst>
               </a:tr>
-              <a:tr h="370840">
+              <a:tr h="697389">
                 <a:tc>
                   <a:txBody>
                     <a:bodyPr/>
@@ -8065,7 +10087,7 @@
                   </a:ext>
                 </a:extLst>
               </a:tr>
-              <a:tr h="370840">
+              <a:tr h="394176">
                 <a:tc>
                   <a:txBody>
                     <a:bodyPr/>
@@ -8198,7 +10220,7 @@
                   </a:ext>
                 </a:extLst>
               </a:tr>
-              <a:tr h="370840">
+              <a:tr h="394176">
                 <a:tc>
                   <a:txBody>
                     <a:bodyPr/>
@@ -8331,7 +10353,7 @@
                   </a:ext>
                 </a:extLst>
               </a:tr>
-              <a:tr h="370840">
+              <a:tr h="394176">
                 <a:tc>
                   <a:txBody>
                     <a:bodyPr/>
@@ -8464,7 +10486,7 @@
                   </a:ext>
                 </a:extLst>
               </a:tr>
-              <a:tr h="370840">
+              <a:tr h="394176">
                 <a:tc>
                   <a:txBody>
                     <a:bodyPr/>
@@ -8597,7 +10619,7 @@
                   </a:ext>
                 </a:extLst>
               </a:tr>
-              <a:tr h="370840">
+              <a:tr h="697389">
                 <a:tc>
                   <a:txBody>
                     <a:bodyPr/>
@@ -8730,7 +10752,7 @@
                   </a:ext>
                 </a:extLst>
               </a:tr>
-              <a:tr h="370840">
+              <a:tr h="394176">
                 <a:tc>
                   <a:txBody>
                     <a:bodyPr/>
@@ -8867,6 +10889,35 @@
           </a:graphicData>
         </a:graphic>
       </p:graphicFrame>
+      <p:sp>
+        <p:nvSpPr>
+          <p:cNvPr id="3" name="Номер слайда 2">
+            <a:extLst>
+              <a:ext uri="{FF2B5EF4-FFF2-40B4-BE49-F238E27FC236}">
+                <a16:creationId xmlns:a16="http://schemas.microsoft.com/office/drawing/2014/main" id="{F43ABD7A-7052-9144-AC29-DCF5F39F0F43}"/>
+              </a:ext>
+            </a:extLst>
+          </p:cNvPr>
+          <p:cNvSpPr>
+            <a:spLocks noGrp="1"/>
+          </p:cNvSpPr>
+          <p:nvPr>
+            <p:ph type="sldNum" sz="quarter" idx="12"/>
+          </p:nvPr>
+        </p:nvSpPr>
+        <p:spPr/>
+        <p:txBody>
+          <a:bodyPr/>
+          <a:lstStyle/>
+          <a:p>
+            <a:fld id="{CB2D0BB1-D3E1-48DF-AD13-5A27F6929C9A}" type="slidenum">
+              <a:rPr lang="ru-RU" smtClean="0"/>
+              <a:t>4</a:t>
+            </a:fld>
+            <a:endParaRPr lang="ru-RU"/>
+          </a:p>
+        </p:txBody>
+      </p:sp>
     </p:spTree>
     <p:extLst>
       <p:ext uri="{BB962C8B-B14F-4D97-AF65-F5344CB8AC3E}">
@@ -8899,10 +10950,51 @@
       </p:grpSpPr>
       <p:sp>
         <p:nvSpPr>
+          <p:cNvPr id="3" name="Объект 2">
+            <a:extLst>
+              <a:ext uri="{FF2B5EF4-FFF2-40B4-BE49-F238E27FC236}">
+                <a16:creationId xmlns:a16="http://schemas.microsoft.com/office/drawing/2014/main" id="{A1E408CA-B57C-CFC7-8208-9554DA5545A3}"/>
+              </a:ext>
+            </a:extLst>
+          </p:cNvPr>
+          <p:cNvSpPr>
+            <a:spLocks noGrp="1"/>
+          </p:cNvSpPr>
+          <p:nvPr>
+            <p:ph idx="1"/>
+          </p:nvPr>
+        </p:nvSpPr>
+        <p:spPr>
+          <a:xfrm>
+            <a:off x="0" y="810841"/>
+            <a:ext cx="12192000" cy="1571625"/>
+          </a:xfrm>
+        </p:spPr>
+        <p:txBody>
+          <a:bodyPr>
+            <a:normAutofit lnSpcReduction="10000"/>
+          </a:bodyPr>
+          <a:lstStyle/>
+          <a:p>
+            <a:pPr algn="just"/>
+            <a:r>
+              <a:rPr lang="ru-RU" dirty="0"/>
+              <a:t>Реализованы шесть деревьев поведения: основное дерево для выбора цели и запуска подходящего поведения, набор стандартных действий на каждой итерации основного дерева, разведка, защита базы при нападении, атака базы противника, развитие базы</a:t>
+            </a:r>
+            <a:r>
+              <a:rPr lang="en-US" dirty="0"/>
+              <a:t> </a:t>
+            </a:r>
+            <a:endParaRPr lang="ru-RU" dirty="0"/>
+          </a:p>
+        </p:txBody>
+      </p:sp>
+      <p:sp>
+        <p:nvSpPr>
           <p:cNvPr id="4" name="Заголовок 1">
             <a:extLst>
               <a:ext uri="{FF2B5EF4-FFF2-40B4-BE49-F238E27FC236}">
-                <a16:creationId xmlns:a16="http://schemas.microsoft.com/office/drawing/2014/main" id="{7B42C361-4BE5-D607-CC88-0780C3C79A00}"/>
+                <a16:creationId xmlns:a16="http://schemas.microsoft.com/office/drawing/2014/main" id="{3F0D47DF-CEC3-636D-FFB8-4BCF5DCBC098}"/>
               </a:ext>
             </a:extLst>
           </p:cNvPr>
@@ -8915,7 +11007,7 @@
         </p:nvSpPr>
         <p:spPr>
           <a:xfrm>
-            <a:off x="838200" y="-295275"/>
+            <a:off x="838200" y="-214313"/>
             <a:ext cx="10515600" cy="1325563"/>
           </a:xfrm>
         </p:spPr>
@@ -8936,57 +11028,10 @@
       </p:sp>
       <p:pic>
         <p:nvPicPr>
-          <p:cNvPr id="1026" name="Picture 2">
+          <p:cNvPr id="6" name="Рисунок 5" descr="Изображение выглядит как текст, диаграмма, линия, Шрифт&#10;&#10;Автоматически созданное описание">
             <a:extLst>
               <a:ext uri="{FF2B5EF4-FFF2-40B4-BE49-F238E27FC236}">
-                <a16:creationId xmlns:a16="http://schemas.microsoft.com/office/drawing/2014/main" id="{C473A355-FB0A-E097-50D7-E87D40569118}"/>
-              </a:ext>
-            </a:extLst>
-          </p:cNvPr>
-          <p:cNvPicPr>
-            <a:picLocks noChangeAspect="1" noChangeArrowheads="1"/>
-          </p:cNvPicPr>
-          <p:nvPr/>
-        </p:nvPicPr>
-        <p:blipFill>
-          <a:blip r:embed="rId2">
-            <a:extLst>
-              <a:ext uri="{28A0092B-C50C-407E-A947-70E740481C1C}">
-                <a14:useLocalDpi xmlns:a14="http://schemas.microsoft.com/office/drawing/2010/main" val="0"/>
-              </a:ext>
-            </a:extLst>
-          </a:blip>
-          <a:srcRect/>
-          <a:stretch>
-            <a:fillRect/>
-          </a:stretch>
-        </p:blipFill>
-        <p:spPr bwMode="auto">
-          <a:xfrm>
-            <a:off x="0" y="1304924"/>
-            <a:ext cx="6261101" cy="4695826"/>
-          </a:xfrm>
-          <a:prstGeom prst="rect">
-            <a:avLst/>
-          </a:prstGeom>
-          <a:noFill/>
-          <a:extLst>
-            <a:ext uri="{909E8E84-426E-40DD-AFC4-6F175D3DCCD1}">
-              <a14:hiddenFill xmlns:a14="http://schemas.microsoft.com/office/drawing/2010/main">
-                <a:solidFill>
-                  <a:srgbClr val="FFFFFF"/>
-                </a:solidFill>
-              </a14:hiddenFill>
-            </a:ext>
-          </a:extLst>
-        </p:spPr>
-      </p:pic>
-      <p:pic>
-        <p:nvPicPr>
-          <p:cNvPr id="2" name="Рисунок 1" descr="Изображение выглядит как многоугольник&#10;&#10;Автоматически созданное описание">
-            <a:extLst>
-              <a:ext uri="{FF2B5EF4-FFF2-40B4-BE49-F238E27FC236}">
-                <a16:creationId xmlns:a16="http://schemas.microsoft.com/office/drawing/2014/main" id="{55939AC8-99FD-CE17-1410-68CA7CE13248}"/>
+                <a16:creationId xmlns:a16="http://schemas.microsoft.com/office/drawing/2014/main" id="{ADA87023-F1B2-0420-A775-32B44BEC7C8A}"/>
               </a:ext>
             </a:extLst>
           </p:cNvPr>
@@ -8995,41 +11040,34 @@
           </p:cNvPicPr>
           <p:nvPr/>
         </p:nvPicPr>
-        <p:blipFill rotWithShape="1">
-          <a:blip r:embed="rId3">
+        <p:blipFill>
+          <a:blip r:embed="rId2">
             <a:extLst>
               <a:ext uri="{28A0092B-C50C-407E-A947-70E740481C1C}">
                 <a14:useLocalDpi xmlns:a14="http://schemas.microsoft.com/office/drawing/2010/main" val="0"/>
               </a:ext>
             </a:extLst>
           </a:blip>
-          <a:srcRect l="179" t="-269" r="-179" b="50458"/>
-          <a:stretch/>
+          <a:stretch>
+            <a:fillRect/>
+          </a:stretch>
         </p:blipFill>
-        <p:spPr bwMode="auto">
+        <p:spPr>
           <a:xfrm>
-            <a:off x="6096000" y="1044573"/>
-            <a:ext cx="5567464" cy="2306877"/>
+            <a:off x="865062" y="2518991"/>
+            <a:ext cx="10204700" cy="3744069"/>
           </a:xfrm>
           <a:prstGeom prst="rect">
             <a:avLst/>
           </a:prstGeom>
-          <a:ln>
-            <a:noFill/>
-          </a:ln>
-          <a:extLst>
-            <a:ext uri="{53640926-AAD7-44D8-BBD7-CCE9431645EC}">
-              <a14:shadowObscured xmlns:a14="http://schemas.microsoft.com/office/drawing/2010/main"/>
-            </a:ext>
-          </a:extLst>
         </p:spPr>
       </p:pic>
       <p:sp>
         <p:nvSpPr>
-          <p:cNvPr id="5" name="Заголовок 1">
+          <p:cNvPr id="7" name="Объект 2">
             <a:extLst>
               <a:ext uri="{FF2B5EF4-FFF2-40B4-BE49-F238E27FC236}">
-                <a16:creationId xmlns:a16="http://schemas.microsoft.com/office/drawing/2014/main" id="{56BB2D14-CE34-AFEC-BCE9-015CCF8413A3}"/>
+                <a16:creationId xmlns:a16="http://schemas.microsoft.com/office/drawing/2014/main" id="{A687CAEC-20CA-A09B-ADCC-20157D4CA17B}"/>
               </a:ext>
             </a:extLst>
           </p:cNvPr>
@@ -9040,153 +11078,225 @@
         </p:nvSpPr>
         <p:spPr>
           <a:xfrm>
-            <a:off x="6438902" y="3506551"/>
-            <a:ext cx="5224562" cy="457200"/>
+            <a:off x="2419349" y="6378575"/>
+            <a:ext cx="7096125" cy="498475"/>
           </a:xfrm>
           <a:prstGeom prst="rect">
             <a:avLst/>
           </a:prstGeom>
         </p:spPr>
         <p:txBody>
-          <a:bodyPr vert="horz" lIns="91440" tIns="45720" rIns="91440" bIns="45720" rtlCol="0" anchor="ctr">
-            <a:normAutofit fontScale="55000" lnSpcReduction="20000"/>
+          <a:bodyPr vert="horz" lIns="91440" tIns="45720" rIns="91440" bIns="45720" rtlCol="0">
+            <a:normAutofit/>
           </a:bodyPr>
           <a:lstStyle>
-            <a:lvl1pPr algn="l" defTabSz="914400" rtl="0" eaLnBrk="1" latinLnBrk="0" hangingPunct="1">
+            <a:lvl1pPr marL="228600" indent="-228600" algn="l" defTabSz="914400" rtl="0" eaLnBrk="1" latinLnBrk="0" hangingPunct="1">
               <a:lnSpc>
                 <a:spcPct val="90000"/>
               </a:lnSpc>
               <a:spcBef>
-                <a:spcPct val="0"/>
+                <a:spcPts val="1000"/>
               </a:spcBef>
-              <a:buNone/>
-              <a:defRPr sz="4400" kern="1200">
+              <a:buFont typeface="Arial" panose="020B0604020202020204" pitchFamily="34" charset="0"/>
+              <a:buChar char="•"/>
+              <a:defRPr sz="2800" kern="1200">
                 <a:solidFill>
                   <a:schemeClr val="tx1"/>
                 </a:solidFill>
-                <a:latin typeface="+mj-lt"/>
-                <a:ea typeface="+mj-ea"/>
-                <a:cs typeface="+mj-cs"/>
+                <a:latin typeface="+mn-lt"/>
+                <a:ea typeface="+mn-ea"/>
+                <a:cs typeface="+mn-cs"/>
               </a:defRPr>
             </a:lvl1pPr>
-          </a:lstStyle>
-          <a:p>
-            <a:pPr algn="ctr"/>
-            <a:r>
-              <a:rPr lang="ru-RU" dirty="0">
-                <a:latin typeface="Times New Roman" panose="02020603050405020304" pitchFamily="18" charset="0"/>
-                <a:cs typeface="Times New Roman" panose="02020603050405020304" pitchFamily="18" charset="0"/>
-              </a:rPr>
-              <a:t>Внутренние узлы деревьев поведения</a:t>
-            </a:r>
-          </a:p>
-        </p:txBody>
-      </p:sp>
-      <p:pic>
-        <p:nvPicPr>
-          <p:cNvPr id="6" name="Рисунок 5" descr="Изображение выглядит как многоугольник&#10;&#10;Автоматически созданное описание">
-            <a:extLst>
-              <a:ext uri="{FF2B5EF4-FFF2-40B4-BE49-F238E27FC236}">
-                <a16:creationId xmlns:a16="http://schemas.microsoft.com/office/drawing/2014/main" id="{76324676-FA3A-E598-F189-FFD3B31711AA}"/>
-              </a:ext>
-            </a:extLst>
-          </p:cNvPr>
-          <p:cNvPicPr>
-            <a:picLocks noChangeAspect="1"/>
-          </p:cNvPicPr>
-          <p:nvPr/>
-        </p:nvPicPr>
-        <p:blipFill rotWithShape="1">
-          <a:blip r:embed="rId4">
-            <a:extLst>
-              <a:ext uri="{28A0092B-C50C-407E-A947-70E740481C1C}">
-                <a14:useLocalDpi xmlns:a14="http://schemas.microsoft.com/office/drawing/2010/main" val="0"/>
-              </a:ext>
-            </a:extLst>
-          </a:blip>
-          <a:srcRect t="74825"/>
-          <a:stretch/>
-        </p:blipFill>
-        <p:spPr bwMode="auto">
-          <a:xfrm>
-            <a:off x="6095999" y="4231282"/>
-            <a:ext cx="5714683" cy="1196752"/>
-          </a:xfrm>
-          <a:prstGeom prst="rect">
-            <a:avLst/>
-          </a:prstGeom>
-          <a:ln>
-            <a:noFill/>
-          </a:ln>
-          <a:extLst>
-            <a:ext uri="{53640926-AAD7-44D8-BBD7-CCE9431645EC}">
-              <a14:shadowObscured xmlns:a14="http://schemas.microsoft.com/office/drawing/2010/main"/>
-            </a:ext>
-          </a:extLst>
-        </p:spPr>
-      </p:pic>
-      <p:sp>
-        <p:nvSpPr>
-          <p:cNvPr id="7" name="Заголовок 1">
-            <a:extLst>
-              <a:ext uri="{FF2B5EF4-FFF2-40B4-BE49-F238E27FC236}">
-                <a16:creationId xmlns:a16="http://schemas.microsoft.com/office/drawing/2014/main" id="{CEF94656-AF7F-75B0-116C-58C99D79A9B7}"/>
-              </a:ext>
-            </a:extLst>
-          </p:cNvPr>
-          <p:cNvSpPr txBox="1">
-            <a:spLocks/>
-          </p:cNvSpPr>
-          <p:nvPr/>
-        </p:nvSpPr>
-        <p:spPr>
-          <a:xfrm>
-            <a:off x="6438903" y="5584827"/>
-            <a:ext cx="5224562" cy="457200"/>
-          </a:xfrm>
-          <a:prstGeom prst="rect">
-            <a:avLst/>
-          </a:prstGeom>
-        </p:spPr>
-        <p:txBody>
-          <a:bodyPr vert="horz" lIns="91440" tIns="45720" rIns="91440" bIns="45720" rtlCol="0" anchor="ctr">
-            <a:normAutofit fontScale="55000" lnSpcReduction="20000"/>
-          </a:bodyPr>
-          <a:lstStyle>
-            <a:lvl1pPr algn="l" defTabSz="914400" rtl="0" eaLnBrk="1" latinLnBrk="0" hangingPunct="1">
+            <a:lvl2pPr marL="685800" indent="-228600" algn="l" defTabSz="914400" rtl="0" eaLnBrk="1" latinLnBrk="0" hangingPunct="1">
               <a:lnSpc>
                 <a:spcPct val="90000"/>
               </a:lnSpc>
               <a:spcBef>
-                <a:spcPct val="0"/>
+                <a:spcPts val="500"/>
               </a:spcBef>
-              <a:buNone/>
-              <a:defRPr sz="4400" kern="1200">
+              <a:buFont typeface="Arial" panose="020B0604020202020204" pitchFamily="34" charset="0"/>
+              <a:buChar char="•"/>
+              <a:defRPr sz="2400" kern="1200">
                 <a:solidFill>
                   <a:schemeClr val="tx1"/>
                 </a:solidFill>
-                <a:latin typeface="+mj-lt"/>
-                <a:ea typeface="+mj-ea"/>
-                <a:cs typeface="+mj-cs"/>
+                <a:latin typeface="+mn-lt"/>
+                <a:ea typeface="+mn-ea"/>
+                <a:cs typeface="+mn-cs"/>
               </a:defRPr>
-            </a:lvl1pPr>
+            </a:lvl2pPr>
+            <a:lvl3pPr marL="1143000" indent="-228600" algn="l" defTabSz="914400" rtl="0" eaLnBrk="1" latinLnBrk="0" hangingPunct="1">
+              <a:lnSpc>
+                <a:spcPct val="90000"/>
+              </a:lnSpc>
+              <a:spcBef>
+                <a:spcPts val="500"/>
+              </a:spcBef>
+              <a:buFont typeface="Arial" panose="020B0604020202020204" pitchFamily="34" charset="0"/>
+              <a:buChar char="•"/>
+              <a:defRPr sz="2000" kern="1200">
+                <a:solidFill>
+                  <a:schemeClr val="tx1"/>
+                </a:solidFill>
+                <a:latin typeface="+mn-lt"/>
+                <a:ea typeface="+mn-ea"/>
+                <a:cs typeface="+mn-cs"/>
+              </a:defRPr>
+            </a:lvl3pPr>
+            <a:lvl4pPr marL="1600200" indent="-228600" algn="l" defTabSz="914400" rtl="0" eaLnBrk="1" latinLnBrk="0" hangingPunct="1">
+              <a:lnSpc>
+                <a:spcPct val="90000"/>
+              </a:lnSpc>
+              <a:spcBef>
+                <a:spcPts val="500"/>
+              </a:spcBef>
+              <a:buFont typeface="Arial" panose="020B0604020202020204" pitchFamily="34" charset="0"/>
+              <a:buChar char="•"/>
+              <a:defRPr sz="1800" kern="1200">
+                <a:solidFill>
+                  <a:schemeClr val="tx1"/>
+                </a:solidFill>
+                <a:latin typeface="+mn-lt"/>
+                <a:ea typeface="+mn-ea"/>
+                <a:cs typeface="+mn-cs"/>
+              </a:defRPr>
+            </a:lvl4pPr>
+            <a:lvl5pPr marL="2057400" indent="-228600" algn="l" defTabSz="914400" rtl="0" eaLnBrk="1" latinLnBrk="0" hangingPunct="1">
+              <a:lnSpc>
+                <a:spcPct val="90000"/>
+              </a:lnSpc>
+              <a:spcBef>
+                <a:spcPts val="500"/>
+              </a:spcBef>
+              <a:buFont typeface="Arial" panose="020B0604020202020204" pitchFamily="34" charset="0"/>
+              <a:buChar char="•"/>
+              <a:defRPr sz="1800" kern="1200">
+                <a:solidFill>
+                  <a:schemeClr val="tx1"/>
+                </a:solidFill>
+                <a:latin typeface="+mn-lt"/>
+                <a:ea typeface="+mn-ea"/>
+                <a:cs typeface="+mn-cs"/>
+              </a:defRPr>
+            </a:lvl5pPr>
+            <a:lvl6pPr marL="2514600" indent="-228600" algn="l" defTabSz="914400" rtl="0" eaLnBrk="1" latinLnBrk="0" hangingPunct="1">
+              <a:lnSpc>
+                <a:spcPct val="90000"/>
+              </a:lnSpc>
+              <a:spcBef>
+                <a:spcPts val="500"/>
+              </a:spcBef>
+              <a:buFont typeface="Arial" panose="020B0604020202020204" pitchFamily="34" charset="0"/>
+              <a:buChar char="•"/>
+              <a:defRPr sz="1800" kern="1200">
+                <a:solidFill>
+                  <a:schemeClr val="tx1"/>
+                </a:solidFill>
+                <a:latin typeface="+mn-lt"/>
+                <a:ea typeface="+mn-ea"/>
+                <a:cs typeface="+mn-cs"/>
+              </a:defRPr>
+            </a:lvl6pPr>
+            <a:lvl7pPr marL="2971800" indent="-228600" algn="l" defTabSz="914400" rtl="0" eaLnBrk="1" latinLnBrk="0" hangingPunct="1">
+              <a:lnSpc>
+                <a:spcPct val="90000"/>
+              </a:lnSpc>
+              <a:spcBef>
+                <a:spcPts val="500"/>
+              </a:spcBef>
+              <a:buFont typeface="Arial" panose="020B0604020202020204" pitchFamily="34" charset="0"/>
+              <a:buChar char="•"/>
+              <a:defRPr sz="1800" kern="1200">
+                <a:solidFill>
+                  <a:schemeClr val="tx1"/>
+                </a:solidFill>
+                <a:latin typeface="+mn-lt"/>
+                <a:ea typeface="+mn-ea"/>
+                <a:cs typeface="+mn-cs"/>
+              </a:defRPr>
+            </a:lvl7pPr>
+            <a:lvl8pPr marL="3429000" indent="-228600" algn="l" defTabSz="914400" rtl="0" eaLnBrk="1" latinLnBrk="0" hangingPunct="1">
+              <a:lnSpc>
+                <a:spcPct val="90000"/>
+              </a:lnSpc>
+              <a:spcBef>
+                <a:spcPts val="500"/>
+              </a:spcBef>
+              <a:buFont typeface="Arial" panose="020B0604020202020204" pitchFamily="34" charset="0"/>
+              <a:buChar char="•"/>
+              <a:defRPr sz="1800" kern="1200">
+                <a:solidFill>
+                  <a:schemeClr val="tx1"/>
+                </a:solidFill>
+                <a:latin typeface="+mn-lt"/>
+                <a:ea typeface="+mn-ea"/>
+                <a:cs typeface="+mn-cs"/>
+              </a:defRPr>
+            </a:lvl8pPr>
+            <a:lvl9pPr marL="3886200" indent="-228600" algn="l" defTabSz="914400" rtl="0" eaLnBrk="1" latinLnBrk="0" hangingPunct="1">
+              <a:lnSpc>
+                <a:spcPct val="90000"/>
+              </a:lnSpc>
+              <a:spcBef>
+                <a:spcPts val="500"/>
+              </a:spcBef>
+              <a:buFont typeface="Arial" panose="020B0604020202020204" pitchFamily="34" charset="0"/>
+              <a:buChar char="•"/>
+              <a:defRPr sz="1800" kern="1200">
+                <a:solidFill>
+                  <a:schemeClr val="tx1"/>
+                </a:solidFill>
+                <a:latin typeface="+mn-lt"/>
+                <a:ea typeface="+mn-ea"/>
+                <a:cs typeface="+mn-cs"/>
+              </a:defRPr>
+            </a:lvl9pPr>
           </a:lstStyle>
           <a:p>
-            <a:pPr algn="ctr"/>
-            <a:r>
-              <a:rPr lang="ru-RU" dirty="0">
-                <a:latin typeface="Times New Roman" panose="02020603050405020304" pitchFamily="18" charset="0"/>
-                <a:cs typeface="Times New Roman" panose="02020603050405020304" pitchFamily="18" charset="0"/>
-              </a:rPr>
-              <a:t>Листовые узлы деревьев поведения</a:t>
-            </a:r>
+            <a:pPr marL="0" indent="0" algn="ctr">
+              <a:buNone/>
+            </a:pPr>
+            <a:r>
+              <a:rPr lang="ru-RU" dirty="0"/>
+              <a:t>Схема дерева поведения для разведки </a:t>
+            </a:r>
+          </a:p>
+        </p:txBody>
+      </p:sp>
+      <p:sp>
+        <p:nvSpPr>
+          <p:cNvPr id="8" name="Номер слайда 7">
+            <a:extLst>
+              <a:ext uri="{FF2B5EF4-FFF2-40B4-BE49-F238E27FC236}">
+                <a16:creationId xmlns:a16="http://schemas.microsoft.com/office/drawing/2014/main" id="{BBCDE15C-5CFE-BBB2-5A88-91C8F73F565A}"/>
+              </a:ext>
+            </a:extLst>
+          </p:cNvPr>
+          <p:cNvSpPr>
+            <a:spLocks noGrp="1"/>
+          </p:cNvSpPr>
+          <p:nvPr>
+            <p:ph type="sldNum" sz="quarter" idx="12"/>
+          </p:nvPr>
+        </p:nvSpPr>
+        <p:spPr/>
+        <p:txBody>
+          <a:bodyPr/>
+          <a:lstStyle/>
+          <a:p>
+            <a:fld id="{CB2D0BB1-D3E1-48DF-AD13-5A27F6929C9A}" type="slidenum">
+              <a:rPr lang="ru-RU" smtClean="0"/>
+              <a:t>5</a:t>
+            </a:fld>
+            <a:endParaRPr lang="ru-RU" dirty="0"/>
           </a:p>
         </p:txBody>
       </p:sp>
     </p:spTree>
     <p:extLst>
       <p:ext uri="{BB962C8B-B14F-4D97-AF65-F5344CB8AC3E}">
-        <p14:creationId xmlns:p14="http://schemas.microsoft.com/office/powerpoint/2010/main" val="3190694956"/>
+        <p14:creationId xmlns:p14="http://schemas.microsoft.com/office/powerpoint/2010/main" val="640942741"/>
       </p:ext>
     </p:extLst>
   </p:cSld>
@@ -9215,125 +11325,6 @@
       </p:grpSpPr>
       <p:sp>
         <p:nvSpPr>
-          <p:cNvPr id="3" name="Объект 2">
-            <a:extLst>
-              <a:ext uri="{FF2B5EF4-FFF2-40B4-BE49-F238E27FC236}">
-                <a16:creationId xmlns:a16="http://schemas.microsoft.com/office/drawing/2014/main" id="{50A970C7-56FC-7C31-CE01-6172299F66E8}"/>
-              </a:ext>
-            </a:extLst>
-          </p:cNvPr>
-          <p:cNvSpPr>
-            <a:spLocks noGrp="1"/>
-          </p:cNvSpPr>
-          <p:nvPr>
-            <p:ph idx="1"/>
-          </p:nvPr>
-        </p:nvSpPr>
-        <p:spPr>
-          <a:xfrm>
-            <a:off x="0" y="619125"/>
-            <a:ext cx="12192000" cy="6238875"/>
-          </a:xfrm>
-        </p:spPr>
-        <p:txBody>
-          <a:bodyPr>
-            <a:normAutofit fontScale="85000" lnSpcReduction="20000"/>
-          </a:bodyPr>
-          <a:lstStyle/>
-          <a:p>
-            <a:pPr>
-              <a:lnSpc>
-                <a:spcPct val="150000"/>
-              </a:lnSpc>
-            </a:pPr>
-            <a:r>
-              <a:rPr lang="ru-RU" dirty="0">
-                <a:latin typeface="Times New Roman" panose="02020603050405020304" pitchFamily="18" charset="0"/>
-                <a:cs typeface="Times New Roman" panose="02020603050405020304" pitchFamily="18" charset="0"/>
-              </a:rPr>
-              <a:t>Узлы в дереве поведения делятся на два типа: </a:t>
-            </a:r>
-          </a:p>
-          <a:p>
-            <a:pPr marL="0" indent="0">
-              <a:lnSpc>
-                <a:spcPct val="150000"/>
-              </a:lnSpc>
-              <a:buNone/>
-            </a:pPr>
-            <a:r>
-              <a:rPr lang="ru-RU" dirty="0">
-                <a:latin typeface="Times New Roman" panose="02020603050405020304" pitchFamily="18" charset="0"/>
-                <a:cs typeface="Times New Roman" panose="02020603050405020304" pitchFamily="18" charset="0"/>
-              </a:rPr>
-              <a:t>1. Внутренние узлы, выполняющие запуск поведения дочерних узлов и особым образом определяющие успех/неудачу их выполнения</a:t>
-            </a:r>
-          </a:p>
-          <a:p>
-            <a:pPr marL="0" indent="0">
-              <a:lnSpc>
-                <a:spcPct val="150000"/>
-              </a:lnSpc>
-              <a:buNone/>
-            </a:pPr>
-            <a:r>
-              <a:rPr lang="ru-RU" dirty="0">
-                <a:latin typeface="Times New Roman" panose="02020603050405020304" pitchFamily="18" charset="0"/>
-                <a:cs typeface="Times New Roman" panose="02020603050405020304" pitchFamily="18" charset="0"/>
-              </a:rPr>
-              <a:t>2. Листовые узлы, либо выполняющие некоторое действие (меняющее текущее состояние), либо проверяющие некоторое условие</a:t>
-            </a:r>
-          </a:p>
-          <a:p>
-            <a:pPr>
-              <a:lnSpc>
-                <a:spcPct val="150000"/>
-              </a:lnSpc>
-            </a:pPr>
-            <a:r>
-              <a:rPr lang="ru-RU" dirty="0">
-                <a:latin typeface="Times New Roman" panose="02020603050405020304" pitchFamily="18" charset="0"/>
-                <a:cs typeface="Times New Roman" panose="02020603050405020304" pitchFamily="18" charset="0"/>
-              </a:rPr>
-              <a:t>Математическая модель состоит из множества узлов, в каждом из которых определена функция из множества исполняемых функций, каждая из которых выполняет логику этого узла и возвращает результат (успех/неудачу)</a:t>
-            </a:r>
-          </a:p>
-          <a:p>
-            <a:pPr>
-              <a:lnSpc>
-                <a:spcPct val="150000"/>
-              </a:lnSpc>
-            </a:pPr>
-            <a:r>
-              <a:rPr lang="ru-RU" dirty="0">
-                <a:latin typeface="Times New Roman" panose="02020603050405020304" pitchFamily="18" charset="0"/>
-                <a:cs typeface="Times New Roman" panose="02020603050405020304" pitchFamily="18" charset="0"/>
-              </a:rPr>
-              <a:t>Поведение листовых узлов содержит либо действие, либо условие </a:t>
-            </a:r>
-          </a:p>
-          <a:p>
-            <a:pPr>
-              <a:lnSpc>
-                <a:spcPct val="150000"/>
-              </a:lnSpc>
-            </a:pPr>
-            <a:r>
-              <a:rPr lang="ru-RU" dirty="0">
-                <a:latin typeface="Times New Roman" panose="02020603050405020304" pitchFamily="18" charset="0"/>
-                <a:cs typeface="Times New Roman" panose="02020603050405020304" pitchFamily="18" charset="0"/>
-              </a:rPr>
-              <a:t>С помощью заложенной в узлах логики поведения совершается переход среды из одного состояния в другое. Состояния представляют из себя количественные параметры среды.</a:t>
-            </a:r>
-            <a:endParaRPr lang="en-US" dirty="0">
-              <a:latin typeface="Times New Roman" panose="02020603050405020304" pitchFamily="18" charset="0"/>
-              <a:cs typeface="Times New Roman" panose="02020603050405020304" pitchFamily="18" charset="0"/>
-            </a:endParaRPr>
-          </a:p>
-        </p:txBody>
-      </p:sp>
-      <p:sp>
-        <p:nvSpPr>
           <p:cNvPr id="4" name="Заголовок 1">
             <a:extLst>
               <a:ext uri="{FF2B5EF4-FFF2-40B4-BE49-F238E27FC236}">
@@ -9366,6 +11357,1903 @@
               </a:rPr>
               <a:t>Математическая модель</a:t>
             </a:r>
+          </a:p>
+        </p:txBody>
+      </p:sp>
+      <mc:AlternateContent xmlns:mc="http://schemas.openxmlformats.org/markup-compatibility/2006" xmlns:a14="http://schemas.microsoft.com/office/drawing/2010/main">
+        <mc:Choice Requires="a14">
+          <p:sp>
+            <p:nvSpPr>
+              <p:cNvPr id="5" name="Объект 4">
+                <a:extLst>
+                  <a:ext uri="{FF2B5EF4-FFF2-40B4-BE49-F238E27FC236}">
+                    <a16:creationId xmlns:a16="http://schemas.microsoft.com/office/drawing/2014/main" id="{664E8FAF-62BB-AF7B-B14C-769D14E7506A}"/>
+                  </a:ext>
+                </a:extLst>
+              </p:cNvPr>
+              <p:cNvSpPr>
+                <a:spLocks noGrp="1"/>
+              </p:cNvSpPr>
+              <p:nvPr>
+                <p:ph idx="1"/>
+              </p:nvPr>
+            </p:nvSpPr>
+            <p:spPr>
+              <a:xfrm>
+                <a:off x="0" y="676276"/>
+                <a:ext cx="12192000" cy="6181724"/>
+              </a:xfrm>
+            </p:spPr>
+            <p:txBody>
+              <a:bodyPr>
+                <a:normAutofit fontScale="85000" lnSpcReduction="20000"/>
+              </a:bodyPr>
+              <a:lstStyle/>
+              <a:p>
+                <a:pPr indent="450215" algn="just">
+                  <a:lnSpc>
+                    <a:spcPct val="150000"/>
+                  </a:lnSpc>
+                  <a:tabLst>
+                    <a:tab pos="450215" algn="l"/>
+                  </a:tabLst>
+                </a:pPr>
+                <a14:m>
+                  <m:oMath xmlns:m="http://schemas.openxmlformats.org/officeDocument/2006/math">
+                    <m:r>
+                      <a:rPr lang="ru-RU" sz="2400" i="1" smtClean="0">
+                        <a:effectLst/>
+                        <a:latin typeface="Cambria Math" panose="02040503050406030204" pitchFamily="18" charset="0"/>
+                        <a:ea typeface="Noto Serif CJK SC"/>
+                      </a:rPr>
+                      <m:t>𝑄</m:t>
+                    </m:r>
+                    <m:r>
+                      <a:rPr lang="ru-RU" sz="2400" i="1" smtClean="0">
+                        <a:effectLst/>
+                        <a:latin typeface="Cambria Math" panose="02040503050406030204" pitchFamily="18" charset="0"/>
+                        <a:ea typeface="Noto Serif CJK SC"/>
+                      </a:rPr>
+                      <m:t>={</m:t>
+                    </m:r>
+                    <m:sSub>
+                      <m:sSubPr>
+                        <m:ctrlPr>
+                          <a:rPr lang="ru-RU" sz="2400" i="1">
+                            <a:effectLst/>
+                            <a:latin typeface="Cambria Math" panose="02040503050406030204" pitchFamily="18" charset="0"/>
+                            <a:ea typeface="Noto Serif CJK SC"/>
+                          </a:rPr>
+                        </m:ctrlPr>
+                      </m:sSubPr>
+                      <m:e>
+                        <m:r>
+                          <a:rPr lang="ru-RU" sz="2400" i="1">
+                            <a:effectLst/>
+                            <a:latin typeface="Cambria Math" panose="02040503050406030204" pitchFamily="18" charset="0"/>
+                            <a:ea typeface="Noto Serif CJK SC"/>
+                          </a:rPr>
+                          <m:t>𝑞</m:t>
+                        </m:r>
+                      </m:e>
+                      <m:sub>
+                        <m:r>
+                          <a:rPr lang="en-US" sz="2400" i="1" baseline="-25000">
+                            <a:effectLst/>
+                            <a:latin typeface="Cambria Math" panose="02040503050406030204" pitchFamily="18" charset="0"/>
+                            <a:ea typeface="Noto Serif CJK SC"/>
+                          </a:rPr>
+                          <m:t>𝑖</m:t>
+                        </m:r>
+                      </m:sub>
+                    </m:sSub>
+                    <m:r>
+                      <a:rPr lang="ru-RU" sz="2400" i="1">
+                        <a:effectLst/>
+                        <a:latin typeface="Cambria Math" panose="02040503050406030204" pitchFamily="18" charset="0"/>
+                        <a:ea typeface="Noto Serif CJK SC"/>
+                      </a:rPr>
+                      <m:t>}</m:t>
+                    </m:r>
+                  </m:oMath>
+                </a14:m>
+                <a:r>
+                  <a:rPr lang="ru-RU" sz="2400" dirty="0">
+                    <a:effectLst/>
+                    <a:latin typeface="Times New Roman" panose="02020603050405020304" pitchFamily="18" charset="0"/>
+                    <a:ea typeface="Noto Serif CJK SC"/>
+                  </a:rPr>
+                  <a:t> – множество состояний, </a:t>
+                </a:r>
+                <a14:m>
+                  <m:oMath xmlns:m="http://schemas.openxmlformats.org/officeDocument/2006/math">
+                    <m:r>
+                      <a:rPr lang="ru-RU" sz="2400" i="1">
+                        <a:effectLst/>
+                        <a:latin typeface="Cambria Math" panose="02040503050406030204" pitchFamily="18" charset="0"/>
+                        <a:ea typeface="Noto Serif CJK SC"/>
+                      </a:rPr>
+                      <m:t>𝑞</m:t>
+                    </m:r>
+                    <m:r>
+                      <a:rPr lang="ru-RU" sz="2400" i="1">
+                        <a:effectLst/>
+                        <a:latin typeface="Cambria Math" panose="02040503050406030204" pitchFamily="18" charset="0"/>
+                        <a:ea typeface="Noto Serif CJK SC"/>
+                      </a:rPr>
+                      <m:t>=&lt;{</m:t>
+                    </m:r>
+                    <m:sSub>
+                      <m:sSubPr>
+                        <m:ctrlPr>
+                          <a:rPr lang="ru-RU" sz="2400" i="1">
+                            <a:effectLst/>
+                            <a:latin typeface="Cambria Math" panose="02040503050406030204" pitchFamily="18" charset="0"/>
+                            <a:ea typeface="Noto Serif CJK SC"/>
+                          </a:rPr>
+                        </m:ctrlPr>
+                      </m:sSubPr>
+                      <m:e>
+                        <m:r>
+                          <a:rPr lang="ru-RU" sz="2400" i="1">
+                            <a:effectLst/>
+                            <a:latin typeface="Cambria Math" panose="02040503050406030204" pitchFamily="18" charset="0"/>
+                            <a:ea typeface="Noto Serif CJK SC"/>
+                          </a:rPr>
+                          <m:t>𝑝</m:t>
+                        </m:r>
+                      </m:e>
+                      <m:sub>
+                        <m:r>
+                          <a:rPr lang="en-US" sz="2400" i="1" baseline="-25000">
+                            <a:effectLst/>
+                            <a:latin typeface="Cambria Math" panose="02040503050406030204" pitchFamily="18" charset="0"/>
+                            <a:ea typeface="Noto Serif CJK SC"/>
+                          </a:rPr>
+                          <m:t>𝑖</m:t>
+                        </m:r>
+                      </m:sub>
+                    </m:sSub>
+                    <m:r>
+                      <a:rPr lang="ru-RU" sz="2400" i="1">
+                        <a:effectLst/>
+                        <a:latin typeface="Cambria Math" panose="02040503050406030204" pitchFamily="18" charset="0"/>
+                        <a:ea typeface="Noto Serif CJK SC"/>
+                      </a:rPr>
+                      <m:t>}, {</m:t>
+                    </m:r>
+                    <m:sSub>
+                      <m:sSubPr>
+                        <m:ctrlPr>
+                          <a:rPr lang="ru-RU" sz="2400" i="1">
+                            <a:effectLst/>
+                            <a:latin typeface="Cambria Math" panose="02040503050406030204" pitchFamily="18" charset="0"/>
+                            <a:ea typeface="Noto Serif CJK SC"/>
+                          </a:rPr>
+                        </m:ctrlPr>
+                      </m:sSubPr>
+                      <m:e>
+                        <m:r>
+                          <a:rPr lang="ru-RU" sz="2400" i="1">
+                            <a:effectLst/>
+                            <a:latin typeface="Cambria Math" panose="02040503050406030204" pitchFamily="18" charset="0"/>
+                            <a:ea typeface="Noto Serif CJK SC"/>
+                          </a:rPr>
+                          <m:t>𝑣</m:t>
+                        </m:r>
+                      </m:e>
+                      <m:sub>
+                        <m:r>
+                          <a:rPr lang="en-US" sz="2400" i="1" baseline="-25000">
+                            <a:effectLst/>
+                            <a:latin typeface="Cambria Math" panose="02040503050406030204" pitchFamily="18" charset="0"/>
+                            <a:ea typeface="Noto Serif CJK SC"/>
+                          </a:rPr>
+                          <m:t>𝑖</m:t>
+                        </m:r>
+                      </m:sub>
+                    </m:sSub>
+                    <m:r>
+                      <a:rPr lang="ru-RU" sz="2400" i="1">
+                        <a:effectLst/>
+                        <a:latin typeface="Cambria Math" panose="02040503050406030204" pitchFamily="18" charset="0"/>
+                        <a:ea typeface="Noto Serif CJK SC"/>
+                      </a:rPr>
+                      <m:t>}&gt;</m:t>
+                    </m:r>
+                  </m:oMath>
+                </a14:m>
+                <a:r>
+                  <a:rPr lang="ru-RU" sz="2400" dirty="0">
+                    <a:effectLst/>
+                    <a:latin typeface="Times New Roman" panose="02020603050405020304" pitchFamily="18" charset="0"/>
+                    <a:ea typeface="Noto Serif CJK SC"/>
+                  </a:rPr>
+                  <a:t>, где </a:t>
+                </a:r>
+                <a14:m>
+                  <m:oMath xmlns:m="http://schemas.openxmlformats.org/officeDocument/2006/math">
+                    <m:r>
+                      <a:rPr lang="ru-RU" sz="2400" i="1">
+                        <a:effectLst/>
+                        <a:latin typeface="Cambria Math" panose="02040503050406030204" pitchFamily="18" charset="0"/>
+                        <a:ea typeface="Noto Serif CJK SC"/>
+                      </a:rPr>
+                      <m:t>𝑝</m:t>
+                    </m:r>
+                  </m:oMath>
+                </a14:m>
+                <a:r>
+                  <a:rPr lang="ru-RU" sz="2400" dirty="0">
+                    <a:effectLst/>
+                    <a:latin typeface="Times New Roman" panose="02020603050405020304" pitchFamily="18" charset="0"/>
+                    <a:ea typeface="Noto Serif CJK SC"/>
+                  </a:rPr>
+                  <a:t> – параметр состояния, </a:t>
+                </a:r>
+                <a14:m>
+                  <m:oMath xmlns:m="http://schemas.openxmlformats.org/officeDocument/2006/math">
+                    <m:r>
+                      <a:rPr lang="ru-RU" sz="2400" i="1">
+                        <a:effectLst/>
+                        <a:latin typeface="Cambria Math" panose="02040503050406030204" pitchFamily="18" charset="0"/>
+                        <a:ea typeface="Noto Serif CJK SC"/>
+                      </a:rPr>
+                      <m:t>𝑣</m:t>
+                    </m:r>
+                  </m:oMath>
+                </a14:m>
+                <a:r>
+                  <a:rPr lang="ru-RU" sz="2400" dirty="0">
+                    <a:effectLst/>
+                    <a:latin typeface="Times New Roman" panose="02020603050405020304" pitchFamily="18" charset="0"/>
+                    <a:ea typeface="Noto Serif CJK SC"/>
+                  </a:rPr>
+                  <a:t> - его значение.</a:t>
+                </a:r>
+              </a:p>
+              <a:p>
+                <a:pPr indent="450215" algn="just">
+                  <a:lnSpc>
+                    <a:spcPct val="150000"/>
+                  </a:lnSpc>
+                  <a:tabLst>
+                    <a:tab pos="450215" algn="l"/>
+                  </a:tabLst>
+                </a:pPr>
+                <a14:m>
+                  <m:oMath xmlns:m="http://schemas.openxmlformats.org/officeDocument/2006/math">
+                    <m:r>
+                      <a:rPr lang="ru-RU" sz="2400" i="1">
+                        <a:effectLst/>
+                        <a:latin typeface="Cambria Math" panose="02040503050406030204" pitchFamily="18" charset="0"/>
+                        <a:ea typeface="Noto Serif CJK SC"/>
+                      </a:rPr>
+                      <m:t>𝐴</m:t>
+                    </m:r>
+                    <m:r>
+                      <a:rPr lang="ru-RU" sz="2400" i="1">
+                        <a:effectLst/>
+                        <a:latin typeface="Cambria Math" panose="02040503050406030204" pitchFamily="18" charset="0"/>
+                        <a:ea typeface="Noto Serif CJK SC"/>
+                      </a:rPr>
+                      <m:t>={</m:t>
+                    </m:r>
+                    <m:sSub>
+                      <m:sSubPr>
+                        <m:ctrlPr>
+                          <a:rPr lang="ru-RU" sz="2400" i="1" baseline="-25000">
+                            <a:effectLst/>
+                            <a:latin typeface="Cambria Math" panose="02040503050406030204" pitchFamily="18" charset="0"/>
+                            <a:ea typeface="Noto Serif CJK SC"/>
+                          </a:rPr>
+                        </m:ctrlPr>
+                      </m:sSubPr>
+                      <m:e>
+                        <m:r>
+                          <a:rPr lang="ru-RU" sz="2400" i="1">
+                            <a:effectLst/>
+                            <a:latin typeface="Cambria Math" panose="02040503050406030204" pitchFamily="18" charset="0"/>
+                            <a:ea typeface="Noto Serif CJK SC"/>
+                          </a:rPr>
+                          <m:t>𝑎</m:t>
+                        </m:r>
+                      </m:e>
+                      <m:sub>
+                        <m:r>
+                          <a:rPr lang="en-US" sz="2400" i="1" baseline="-25000">
+                            <a:effectLst/>
+                            <a:latin typeface="Cambria Math" panose="02040503050406030204" pitchFamily="18" charset="0"/>
+                            <a:ea typeface="Noto Serif CJK SC"/>
+                          </a:rPr>
+                          <m:t>𝑖</m:t>
+                        </m:r>
+                      </m:sub>
+                    </m:sSub>
+                    <m:r>
+                      <a:rPr lang="ru-RU" sz="2400" i="1">
+                        <a:effectLst/>
+                        <a:latin typeface="Cambria Math" panose="02040503050406030204" pitchFamily="18" charset="0"/>
+                        <a:ea typeface="Noto Serif CJK SC"/>
+                      </a:rPr>
+                      <m:t>}</m:t>
+                    </m:r>
+                  </m:oMath>
+                </a14:m>
+                <a:r>
+                  <a:rPr lang="ru-RU" sz="2400" dirty="0">
+                    <a:effectLst/>
+                    <a:latin typeface="Times New Roman" panose="02020603050405020304" pitchFamily="18" charset="0"/>
+                    <a:ea typeface="Noto Serif CJK SC"/>
+                  </a:rPr>
+                  <a:t> – множество действий, </a:t>
+                </a:r>
+                <a14:m>
+                  <m:oMath xmlns:m="http://schemas.openxmlformats.org/officeDocument/2006/math">
+                    <m:r>
+                      <a:rPr lang="ru-RU" sz="2400" i="1">
+                        <a:effectLst/>
+                        <a:latin typeface="Cambria Math" panose="02040503050406030204" pitchFamily="18" charset="0"/>
+                        <a:ea typeface="Noto Serif CJK SC"/>
+                      </a:rPr>
+                      <m:t>𝑎</m:t>
+                    </m:r>
+                    <m:r>
+                      <a:rPr lang="ru-RU" sz="2400" i="1">
+                        <a:effectLst/>
+                        <a:latin typeface="Cambria Math" panose="02040503050406030204" pitchFamily="18" charset="0"/>
+                        <a:ea typeface="Noto Serif CJK SC"/>
+                      </a:rPr>
+                      <m:t>: </m:t>
+                    </m:r>
+                    <m:r>
+                      <a:rPr lang="ru-RU" sz="2400" i="1">
+                        <a:effectLst/>
+                        <a:latin typeface="Cambria Math" panose="02040503050406030204" pitchFamily="18" charset="0"/>
+                        <a:ea typeface="Noto Serif CJK SC"/>
+                      </a:rPr>
+                      <m:t>𝑞</m:t>
+                    </m:r>
+                    <m:r>
+                      <a:rPr lang="ru-RU" sz="2400" i="1">
+                        <a:effectLst/>
+                        <a:latin typeface="Cambria Math" panose="02040503050406030204" pitchFamily="18" charset="0"/>
+                        <a:ea typeface="Noto Serif CJK SC"/>
+                      </a:rPr>
+                      <m:t>=&gt;</m:t>
+                    </m:r>
+                    <m:r>
+                      <a:rPr lang="ru-RU" sz="2400" i="1">
+                        <a:effectLst/>
+                        <a:latin typeface="Cambria Math" panose="02040503050406030204" pitchFamily="18" charset="0"/>
+                        <a:ea typeface="Noto Serif CJK SC"/>
+                      </a:rPr>
+                      <m:t>𝑞</m:t>
+                    </m:r>
+                    <m:r>
+                      <a:rPr lang="ru-RU" sz="2400" i="1">
+                        <a:effectLst/>
+                        <a:latin typeface="Cambria Math" panose="02040503050406030204" pitchFamily="18" charset="0"/>
+                        <a:ea typeface="Noto Serif CJK SC"/>
+                      </a:rPr>
+                      <m:t>′</m:t>
+                    </m:r>
+                  </m:oMath>
+                </a14:m>
+                <a:r>
+                  <a:rPr lang="ru-RU" sz="2400" dirty="0">
+                    <a:effectLst/>
+                    <a:latin typeface="Times New Roman" panose="02020603050405020304" pitchFamily="18" charset="0"/>
+                    <a:ea typeface="Noto Serif CJK SC"/>
+                  </a:rPr>
+                  <a:t> – функция, для состояния </a:t>
+                </a:r>
+                <a14:m>
+                  <m:oMath xmlns:m="http://schemas.openxmlformats.org/officeDocument/2006/math">
+                    <m:r>
+                      <a:rPr lang="ru-RU" sz="2400" i="1">
+                        <a:effectLst/>
+                        <a:latin typeface="Cambria Math" panose="02040503050406030204" pitchFamily="18" charset="0"/>
+                        <a:ea typeface="Noto Serif CJK SC"/>
+                      </a:rPr>
+                      <m:t>𝑞</m:t>
+                    </m:r>
+                  </m:oMath>
+                </a14:m>
+                <a:r>
+                  <a:rPr lang="ru-RU" sz="2400" dirty="0">
+                    <a:effectLst/>
+                    <a:latin typeface="Times New Roman" panose="02020603050405020304" pitchFamily="18" charset="0"/>
+                    <a:ea typeface="Noto Serif CJK SC"/>
+                  </a:rPr>
+                  <a:t> определяющая новое состояние </a:t>
+                </a:r>
+                <a14:m>
+                  <m:oMath xmlns:m="http://schemas.openxmlformats.org/officeDocument/2006/math">
+                    <m:r>
+                      <a:rPr lang="ru-RU" sz="2400" i="1">
+                        <a:effectLst/>
+                        <a:latin typeface="Cambria Math" panose="02040503050406030204" pitchFamily="18" charset="0"/>
+                        <a:ea typeface="Noto Serif CJK SC"/>
+                      </a:rPr>
+                      <m:t>𝑞</m:t>
+                    </m:r>
+                    <m:r>
+                      <a:rPr lang="ru-RU" sz="2400" i="1">
+                        <a:effectLst/>
+                        <a:latin typeface="Cambria Math" panose="02040503050406030204" pitchFamily="18" charset="0"/>
+                        <a:ea typeface="Noto Serif CJK SC"/>
+                      </a:rPr>
+                      <m:t>′</m:t>
+                    </m:r>
+                  </m:oMath>
+                </a14:m>
+                <a:r>
+                  <a:rPr lang="ru-RU" sz="2400" dirty="0">
+                    <a:effectLst/>
+                    <a:latin typeface="Times New Roman" panose="02020603050405020304" pitchFamily="18" charset="0"/>
+                    <a:ea typeface="Noto Serif CJK SC"/>
+                  </a:rPr>
+                  <a:t> путём изменения значений </a:t>
+                </a:r>
+                <a14:m>
+                  <m:oMath xmlns:m="http://schemas.openxmlformats.org/officeDocument/2006/math">
+                    <m:r>
+                      <a:rPr lang="ru-RU" sz="2400" i="1">
+                        <a:effectLst/>
+                        <a:latin typeface="Cambria Math" panose="02040503050406030204" pitchFamily="18" charset="0"/>
+                        <a:ea typeface="Noto Serif CJK SC"/>
+                      </a:rPr>
+                      <m:t>{</m:t>
+                    </m:r>
+                    <m:sSub>
+                      <m:sSubPr>
+                        <m:ctrlPr>
+                          <a:rPr lang="ru-RU" sz="2400" i="1">
+                            <a:effectLst/>
+                            <a:latin typeface="Cambria Math" panose="02040503050406030204" pitchFamily="18" charset="0"/>
+                            <a:ea typeface="Noto Serif CJK SC"/>
+                          </a:rPr>
+                        </m:ctrlPr>
+                      </m:sSubPr>
+                      <m:e>
+                        <m:r>
+                          <a:rPr lang="ru-RU" sz="2400" i="1">
+                            <a:effectLst/>
+                            <a:latin typeface="Cambria Math" panose="02040503050406030204" pitchFamily="18" charset="0"/>
+                            <a:ea typeface="Noto Serif CJK SC"/>
+                          </a:rPr>
+                          <m:t>𝑣</m:t>
+                        </m:r>
+                      </m:e>
+                      <m:sub>
+                        <m:r>
+                          <a:rPr lang="en-US" sz="2400" i="1" baseline="-25000">
+                            <a:effectLst/>
+                            <a:latin typeface="Cambria Math" panose="02040503050406030204" pitchFamily="18" charset="0"/>
+                            <a:ea typeface="Noto Serif CJK SC"/>
+                          </a:rPr>
+                          <m:t>𝑖</m:t>
+                        </m:r>
+                      </m:sub>
+                    </m:sSub>
+                    <m:r>
+                      <a:rPr lang="ru-RU" sz="2400" i="1">
+                        <a:effectLst/>
+                        <a:latin typeface="Cambria Math" panose="02040503050406030204" pitchFamily="18" charset="0"/>
+                        <a:ea typeface="Noto Serif CJK SC"/>
+                      </a:rPr>
+                      <m:t>}</m:t>
+                    </m:r>
+                  </m:oMath>
+                </a14:m>
+                <a:r>
+                  <a:rPr lang="ru-RU" sz="2400" dirty="0">
+                    <a:effectLst/>
+                    <a:latin typeface="Times New Roman" panose="02020603050405020304" pitchFamily="18" charset="0"/>
+                    <a:ea typeface="Noto Serif CJK SC"/>
+                  </a:rPr>
+                  <a:t> некоторых параметров из </a:t>
+                </a:r>
+                <a14:m>
+                  <m:oMath xmlns:m="http://schemas.openxmlformats.org/officeDocument/2006/math">
+                    <m:r>
+                      <a:rPr lang="ru-RU" sz="2400" i="1">
+                        <a:effectLst/>
+                        <a:latin typeface="Cambria Math" panose="02040503050406030204" pitchFamily="18" charset="0"/>
+                        <a:ea typeface="Noto Serif CJK SC"/>
+                      </a:rPr>
+                      <m:t>{</m:t>
+                    </m:r>
+                    <m:sSub>
+                      <m:sSubPr>
+                        <m:ctrlPr>
+                          <a:rPr lang="ru-RU" sz="2400" i="1">
+                            <a:effectLst/>
+                            <a:latin typeface="Cambria Math" panose="02040503050406030204" pitchFamily="18" charset="0"/>
+                            <a:ea typeface="Noto Serif CJK SC"/>
+                          </a:rPr>
+                        </m:ctrlPr>
+                      </m:sSubPr>
+                      <m:e>
+                        <m:r>
+                          <a:rPr lang="ru-RU" sz="2400" i="1">
+                            <a:effectLst/>
+                            <a:latin typeface="Cambria Math" panose="02040503050406030204" pitchFamily="18" charset="0"/>
+                            <a:ea typeface="Noto Serif CJK SC"/>
+                          </a:rPr>
+                          <m:t>𝑝</m:t>
+                        </m:r>
+                      </m:e>
+                      <m:sub>
+                        <m:r>
+                          <a:rPr lang="en-US" sz="2400" i="1" baseline="-25000">
+                            <a:effectLst/>
+                            <a:latin typeface="Cambria Math" panose="02040503050406030204" pitchFamily="18" charset="0"/>
+                            <a:ea typeface="Noto Serif CJK SC"/>
+                          </a:rPr>
+                          <m:t>𝑖</m:t>
+                        </m:r>
+                      </m:sub>
+                    </m:sSub>
+                    <m:r>
+                      <a:rPr lang="ru-RU" sz="2400" i="1">
+                        <a:effectLst/>
+                        <a:latin typeface="Cambria Math" panose="02040503050406030204" pitchFamily="18" charset="0"/>
+                        <a:ea typeface="Noto Serif CJK SC"/>
+                      </a:rPr>
+                      <m:t>}</m:t>
+                    </m:r>
+                  </m:oMath>
+                </a14:m>
+                <a:r>
+                  <a:rPr lang="ru-RU" sz="2400" dirty="0">
+                    <a:effectLst/>
+                    <a:latin typeface="Times New Roman" panose="02020603050405020304" pitchFamily="18" charset="0"/>
+                    <a:ea typeface="Noto Serif CJK SC"/>
+                  </a:rPr>
+                  <a:t> (</a:t>
+                </a:r>
+                <a14:m>
+                  <m:oMath xmlns:m="http://schemas.openxmlformats.org/officeDocument/2006/math">
+                    <m:r>
+                      <a:rPr lang="ru-RU" sz="2400" i="1">
+                        <a:effectLst/>
+                        <a:latin typeface="Cambria Math" panose="02040503050406030204" pitchFamily="18" charset="0"/>
+                        <a:ea typeface="Noto Serif CJK SC"/>
+                      </a:rPr>
+                      <m:t>𝑞</m:t>
+                    </m:r>
+                    <m:r>
+                      <a:rPr lang="ru-RU" sz="2400" i="1">
+                        <a:effectLst/>
+                        <a:latin typeface="Cambria Math" panose="02040503050406030204" pitchFamily="18" charset="0"/>
+                        <a:ea typeface="Noto Serif CJK SC"/>
+                      </a:rPr>
+                      <m:t>=&lt;{</m:t>
+                    </m:r>
+                    <m:sSub>
+                      <m:sSubPr>
+                        <m:ctrlPr>
+                          <a:rPr lang="ru-RU" sz="2400" i="1">
+                            <a:effectLst/>
+                            <a:latin typeface="Cambria Math" panose="02040503050406030204" pitchFamily="18" charset="0"/>
+                            <a:ea typeface="Noto Serif CJK SC"/>
+                          </a:rPr>
+                        </m:ctrlPr>
+                      </m:sSubPr>
+                      <m:e>
+                        <m:r>
+                          <a:rPr lang="ru-RU" sz="2400" i="1">
+                            <a:effectLst/>
+                            <a:latin typeface="Cambria Math" panose="02040503050406030204" pitchFamily="18" charset="0"/>
+                            <a:ea typeface="Noto Serif CJK SC"/>
+                          </a:rPr>
+                          <m:t>𝑝</m:t>
+                        </m:r>
+                      </m:e>
+                      <m:sub>
+                        <m:r>
+                          <a:rPr lang="en-US" sz="2400" i="1" baseline="-25000">
+                            <a:effectLst/>
+                            <a:latin typeface="Cambria Math" panose="02040503050406030204" pitchFamily="18" charset="0"/>
+                            <a:ea typeface="Noto Serif CJK SC"/>
+                          </a:rPr>
+                          <m:t>𝑖</m:t>
+                        </m:r>
+                      </m:sub>
+                    </m:sSub>
+                    <m:r>
+                      <a:rPr lang="ru-RU" sz="2400" i="1">
+                        <a:effectLst/>
+                        <a:latin typeface="Cambria Math" panose="02040503050406030204" pitchFamily="18" charset="0"/>
+                        <a:ea typeface="Noto Serif CJK SC"/>
+                      </a:rPr>
+                      <m:t>}, {</m:t>
+                    </m:r>
+                    <m:sSub>
+                      <m:sSubPr>
+                        <m:ctrlPr>
+                          <a:rPr lang="ru-RU" sz="2400" i="1">
+                            <a:effectLst/>
+                            <a:latin typeface="Cambria Math" panose="02040503050406030204" pitchFamily="18" charset="0"/>
+                            <a:ea typeface="Noto Serif CJK SC"/>
+                          </a:rPr>
+                        </m:ctrlPr>
+                      </m:sSubPr>
+                      <m:e>
+                        <m:r>
+                          <a:rPr lang="ru-RU" sz="2400" i="1">
+                            <a:effectLst/>
+                            <a:latin typeface="Cambria Math" panose="02040503050406030204" pitchFamily="18" charset="0"/>
+                            <a:ea typeface="Noto Serif CJK SC"/>
+                          </a:rPr>
+                          <m:t>𝑣</m:t>
+                        </m:r>
+                      </m:e>
+                      <m:sub>
+                        <m:r>
+                          <a:rPr lang="en-US" sz="2400" i="1" baseline="-25000">
+                            <a:effectLst/>
+                            <a:latin typeface="Cambria Math" panose="02040503050406030204" pitchFamily="18" charset="0"/>
+                            <a:ea typeface="Noto Serif CJK SC"/>
+                          </a:rPr>
+                          <m:t>𝑖</m:t>
+                        </m:r>
+                      </m:sub>
+                    </m:sSub>
+                    <m:r>
+                      <a:rPr lang="ru-RU" sz="2400" i="1">
+                        <a:effectLst/>
+                        <a:latin typeface="Cambria Math" panose="02040503050406030204" pitchFamily="18" charset="0"/>
+                        <a:ea typeface="Noto Serif CJK SC"/>
+                      </a:rPr>
+                      <m:t>}&gt;, </m:t>
+                    </m:r>
+                    <m:r>
+                      <a:rPr lang="ru-RU" sz="2400" i="1">
+                        <a:effectLst/>
+                        <a:latin typeface="Cambria Math" panose="02040503050406030204" pitchFamily="18" charset="0"/>
+                        <a:ea typeface="Noto Serif CJK SC"/>
+                      </a:rPr>
+                      <m:t>𝑞</m:t>
+                    </m:r>
+                    <m:r>
+                      <a:rPr lang="ru-RU" sz="2400" i="1">
+                        <a:effectLst/>
+                        <a:latin typeface="Cambria Math" panose="02040503050406030204" pitchFamily="18" charset="0"/>
+                        <a:ea typeface="Noto Serif CJK SC"/>
+                      </a:rPr>
+                      <m:t>′=&lt;{</m:t>
+                    </m:r>
+                    <m:sSub>
+                      <m:sSubPr>
+                        <m:ctrlPr>
+                          <a:rPr lang="ru-RU" sz="2400" i="1">
+                            <a:effectLst/>
+                            <a:latin typeface="Cambria Math" panose="02040503050406030204" pitchFamily="18" charset="0"/>
+                            <a:ea typeface="Noto Serif CJK SC"/>
+                          </a:rPr>
+                        </m:ctrlPr>
+                      </m:sSubPr>
+                      <m:e>
+                        <m:r>
+                          <a:rPr lang="ru-RU" sz="2400" i="1">
+                            <a:effectLst/>
+                            <a:latin typeface="Cambria Math" panose="02040503050406030204" pitchFamily="18" charset="0"/>
+                            <a:ea typeface="Noto Serif CJK SC"/>
+                          </a:rPr>
+                          <m:t>𝑝</m:t>
+                        </m:r>
+                      </m:e>
+                      <m:sub>
+                        <m:r>
+                          <a:rPr lang="en-US" sz="2400" i="1" baseline="-25000">
+                            <a:effectLst/>
+                            <a:latin typeface="Cambria Math" panose="02040503050406030204" pitchFamily="18" charset="0"/>
+                            <a:ea typeface="Noto Serif CJK SC"/>
+                          </a:rPr>
+                          <m:t>𝑖</m:t>
+                        </m:r>
+                      </m:sub>
+                    </m:sSub>
+                    <m:r>
+                      <a:rPr lang="ru-RU" sz="2400" i="1">
+                        <a:effectLst/>
+                        <a:latin typeface="Cambria Math" panose="02040503050406030204" pitchFamily="18" charset="0"/>
+                        <a:ea typeface="Noto Serif CJK SC"/>
+                      </a:rPr>
+                      <m:t>}, {</m:t>
+                    </m:r>
+                    <m:sSub>
+                      <m:sSubPr>
+                        <m:ctrlPr>
+                          <a:rPr lang="ru-RU" sz="2400" i="1">
+                            <a:effectLst/>
+                            <a:latin typeface="Cambria Math" panose="02040503050406030204" pitchFamily="18" charset="0"/>
+                            <a:ea typeface="Noto Serif CJK SC"/>
+                          </a:rPr>
+                        </m:ctrlPr>
+                      </m:sSubPr>
+                      <m:e>
+                        <m:r>
+                          <a:rPr lang="ru-RU" sz="2400" i="1">
+                            <a:effectLst/>
+                            <a:latin typeface="Cambria Math" panose="02040503050406030204" pitchFamily="18" charset="0"/>
+                            <a:ea typeface="Noto Serif CJK SC"/>
+                          </a:rPr>
+                          <m:t>𝑣</m:t>
+                        </m:r>
+                        <m:r>
+                          <a:rPr lang="ru-RU" sz="2400" i="1">
+                            <a:effectLst/>
+                            <a:latin typeface="Cambria Math" panose="02040503050406030204" pitchFamily="18" charset="0"/>
+                            <a:ea typeface="Noto Serif CJK SC"/>
+                          </a:rPr>
+                          <m:t>′</m:t>
+                        </m:r>
+                      </m:e>
+                      <m:sub>
+                        <m:r>
+                          <a:rPr lang="en-US" sz="2400" i="1" baseline="-25000">
+                            <a:effectLst/>
+                            <a:latin typeface="Cambria Math" panose="02040503050406030204" pitchFamily="18" charset="0"/>
+                            <a:ea typeface="Noto Serif CJK SC"/>
+                          </a:rPr>
+                          <m:t>𝑖</m:t>
+                        </m:r>
+                      </m:sub>
+                    </m:sSub>
+                    <m:r>
+                      <a:rPr lang="ru-RU" sz="2400" i="1">
+                        <a:effectLst/>
+                        <a:latin typeface="Cambria Math" panose="02040503050406030204" pitchFamily="18" charset="0"/>
+                        <a:ea typeface="Noto Serif CJK SC"/>
+                      </a:rPr>
+                      <m:t>}&gt;</m:t>
+                    </m:r>
+                  </m:oMath>
+                </a14:m>
+                <a:r>
+                  <a:rPr lang="ru-RU" sz="2400" dirty="0">
+                    <a:effectLst/>
+                    <a:latin typeface="Times New Roman" panose="02020603050405020304" pitchFamily="18" charset="0"/>
+                    <a:ea typeface="Noto Serif CJK SC"/>
+                  </a:rPr>
+                  <a:t>).</a:t>
+                </a:r>
+              </a:p>
+              <a:p>
+                <a:pPr indent="450215" algn="just">
+                  <a:lnSpc>
+                    <a:spcPct val="150000"/>
+                  </a:lnSpc>
+                  <a:tabLst>
+                    <a:tab pos="450215" algn="l"/>
+                  </a:tabLst>
+                </a:pPr>
+                <a14:m>
+                  <m:oMath xmlns:m="http://schemas.openxmlformats.org/officeDocument/2006/math">
+                    <m:r>
+                      <a:rPr lang="ru-RU" sz="2400" i="1">
+                        <a:effectLst/>
+                        <a:latin typeface="Cambria Math" panose="02040503050406030204" pitchFamily="18" charset="0"/>
+                        <a:ea typeface="Noto Serif CJK SC"/>
+                      </a:rPr>
+                      <m:t>𝐶</m:t>
+                    </m:r>
+                    <m:r>
+                      <a:rPr lang="ru-RU" sz="2400" i="1">
+                        <a:effectLst/>
+                        <a:latin typeface="Cambria Math" panose="02040503050406030204" pitchFamily="18" charset="0"/>
+                        <a:ea typeface="Noto Serif CJK SC"/>
+                      </a:rPr>
+                      <m:t>={</m:t>
+                    </m:r>
+                    <m:sSub>
+                      <m:sSubPr>
+                        <m:ctrlPr>
+                          <a:rPr lang="ru-RU" sz="2400" i="1">
+                            <a:effectLst/>
+                            <a:latin typeface="Cambria Math" panose="02040503050406030204" pitchFamily="18" charset="0"/>
+                            <a:ea typeface="Noto Serif CJK SC"/>
+                          </a:rPr>
+                        </m:ctrlPr>
+                      </m:sSubPr>
+                      <m:e>
+                        <m:r>
+                          <a:rPr lang="ru-RU" sz="2400" i="1">
+                            <a:effectLst/>
+                            <a:latin typeface="Cambria Math" panose="02040503050406030204" pitchFamily="18" charset="0"/>
+                            <a:ea typeface="Noto Serif CJK SC"/>
+                          </a:rPr>
+                          <m:t>𝑐</m:t>
+                        </m:r>
+                      </m:e>
+                      <m:sub>
+                        <m:r>
+                          <a:rPr lang="en-US" sz="2400" i="1" baseline="-25000">
+                            <a:effectLst/>
+                            <a:latin typeface="Cambria Math" panose="02040503050406030204" pitchFamily="18" charset="0"/>
+                            <a:ea typeface="Noto Serif CJK SC"/>
+                          </a:rPr>
+                          <m:t>𝑖</m:t>
+                        </m:r>
+                      </m:sub>
+                    </m:sSub>
+                    <m:r>
+                      <a:rPr lang="ru-RU" sz="2400" i="1">
+                        <a:effectLst/>
+                        <a:latin typeface="Cambria Math" panose="02040503050406030204" pitchFamily="18" charset="0"/>
+                        <a:ea typeface="Noto Serif CJK SC"/>
+                      </a:rPr>
+                      <m:t>}</m:t>
+                    </m:r>
+                  </m:oMath>
+                </a14:m>
+                <a:r>
+                  <a:rPr lang="ru-RU" sz="2400" baseline="-25000" dirty="0">
+                    <a:effectLst/>
+                    <a:latin typeface="Times New Roman" panose="02020603050405020304" pitchFamily="18" charset="0"/>
+                    <a:ea typeface="Noto Serif CJK SC"/>
+                  </a:rPr>
+                  <a:t> </a:t>
+                </a:r>
+                <a:r>
+                  <a:rPr lang="ru-RU" sz="2400" dirty="0">
+                    <a:effectLst/>
+                    <a:latin typeface="Times New Roman" panose="02020603050405020304" pitchFamily="18" charset="0"/>
+                    <a:ea typeface="Noto Serif CJK SC"/>
+                  </a:rPr>
+                  <a:t>– множество условий, </a:t>
+                </a:r>
+                <a14:m>
+                  <m:oMath xmlns:m="http://schemas.openxmlformats.org/officeDocument/2006/math">
+                    <m:r>
+                      <a:rPr lang="ru-RU" sz="2400" i="1">
+                        <a:effectLst/>
+                        <a:latin typeface="Cambria Math" panose="02040503050406030204" pitchFamily="18" charset="0"/>
+                        <a:ea typeface="Noto Serif CJK SC"/>
+                      </a:rPr>
+                      <m:t>𝑐</m:t>
+                    </m:r>
+                    <m:r>
+                      <a:rPr lang="ru-RU" sz="2400" i="1">
+                        <a:effectLst/>
+                        <a:latin typeface="Cambria Math" panose="02040503050406030204" pitchFamily="18" charset="0"/>
+                        <a:ea typeface="Noto Serif CJK SC"/>
+                      </a:rPr>
+                      <m:t>:&lt;</m:t>
+                    </m:r>
+                    <m:r>
+                      <a:rPr lang="ru-RU" sz="2400" i="1">
+                        <a:effectLst/>
+                        <a:latin typeface="Cambria Math" panose="02040503050406030204" pitchFamily="18" charset="0"/>
+                        <a:ea typeface="Noto Serif CJK SC"/>
+                      </a:rPr>
+                      <m:t>𝑞</m:t>
+                    </m:r>
+                    <m:r>
+                      <a:rPr lang="ru-RU" sz="2400" i="1">
+                        <a:effectLst/>
+                        <a:latin typeface="Cambria Math" panose="02040503050406030204" pitchFamily="18" charset="0"/>
+                        <a:ea typeface="Noto Serif CJK SC"/>
+                      </a:rPr>
+                      <m:t>, </m:t>
+                    </m:r>
+                    <m:r>
+                      <a:rPr lang="ru-RU" sz="2400" i="1">
+                        <a:effectLst/>
+                        <a:latin typeface="Cambria Math" panose="02040503050406030204" pitchFamily="18" charset="0"/>
+                        <a:ea typeface="Noto Serif CJK SC"/>
+                      </a:rPr>
+                      <m:t>𝑞</m:t>
+                    </m:r>
+                    <m:r>
+                      <a:rPr lang="ru-RU" sz="2400" i="1">
+                        <a:effectLst/>
+                        <a:latin typeface="Cambria Math" panose="02040503050406030204" pitchFamily="18" charset="0"/>
+                        <a:ea typeface="Noto Serif CJK SC"/>
+                      </a:rPr>
+                      <m:t>′&gt;=&gt;</m:t>
+                    </m:r>
+                    <m:r>
+                      <a:rPr lang="ru-RU" sz="2400" i="1">
+                        <a:effectLst/>
+                        <a:latin typeface="Cambria Math" panose="02040503050406030204" pitchFamily="18" charset="0"/>
+                        <a:ea typeface="Noto Serif CJK SC"/>
+                      </a:rPr>
+                      <m:t>𝑏</m:t>
+                    </m:r>
+                  </m:oMath>
+                </a14:m>
+                <a:r>
+                  <a:rPr lang="ru-RU" sz="2400" dirty="0">
+                    <a:effectLst/>
+                    <a:latin typeface="Times New Roman" panose="02020603050405020304" pitchFamily="18" charset="0"/>
+                    <a:ea typeface="Noto Serif CJK SC"/>
+                  </a:rPr>
+                  <a:t> – функция проверки соответствия состояния </a:t>
+                </a:r>
+                <a14:m>
+                  <m:oMath xmlns:m="http://schemas.openxmlformats.org/officeDocument/2006/math">
+                    <m:r>
+                      <a:rPr lang="ru-RU" sz="2400" i="1">
+                        <a:effectLst/>
+                        <a:latin typeface="Cambria Math" panose="02040503050406030204" pitchFamily="18" charset="0"/>
+                        <a:ea typeface="Noto Serif CJK SC"/>
+                      </a:rPr>
+                      <m:t>𝑞</m:t>
+                    </m:r>
+                  </m:oMath>
+                </a14:m>
+                <a:r>
+                  <a:rPr lang="ru-RU" sz="2400" dirty="0">
+                    <a:effectLst/>
+                    <a:latin typeface="Times New Roman" panose="02020603050405020304" pitchFamily="18" charset="0"/>
+                    <a:ea typeface="Noto Serif CJK SC"/>
+                  </a:rPr>
+                  <a:t> состоянию </a:t>
+                </a:r>
+                <a14:m>
+                  <m:oMath xmlns:m="http://schemas.openxmlformats.org/officeDocument/2006/math">
+                    <m:r>
+                      <a:rPr lang="ru-RU" sz="2400" i="1">
+                        <a:effectLst/>
+                        <a:latin typeface="Cambria Math" panose="02040503050406030204" pitchFamily="18" charset="0"/>
+                        <a:ea typeface="Noto Serif CJK SC"/>
+                      </a:rPr>
+                      <m:t>𝑞</m:t>
+                    </m:r>
+                    <m:r>
+                      <a:rPr lang="ru-RU" sz="2400" i="1">
+                        <a:effectLst/>
+                        <a:latin typeface="Cambria Math" panose="02040503050406030204" pitchFamily="18" charset="0"/>
+                        <a:ea typeface="Noto Serif CJK SC"/>
+                      </a:rPr>
+                      <m:t>′</m:t>
+                    </m:r>
+                  </m:oMath>
+                </a14:m>
+                <a:r>
+                  <a:rPr lang="ru-RU" sz="2400" dirty="0">
+                    <a:effectLst/>
+                    <a:latin typeface="Times New Roman" panose="02020603050405020304" pitchFamily="18" charset="0"/>
+                    <a:ea typeface="Noto Serif CJK SC"/>
+                  </a:rPr>
+                  <a:t> путём сравнения значений некоторых параметров этих состояний, возвращает булево значение </a:t>
+                </a:r>
+                <a14:m>
+                  <m:oMath xmlns:m="http://schemas.openxmlformats.org/officeDocument/2006/math">
+                    <m:r>
+                      <a:rPr lang="ru-RU" sz="2400" i="1">
+                        <a:effectLst/>
+                        <a:latin typeface="Cambria Math" panose="02040503050406030204" pitchFamily="18" charset="0"/>
+                        <a:ea typeface="Noto Serif CJK SC"/>
+                      </a:rPr>
+                      <m:t>𝑏</m:t>
+                    </m:r>
+                    <m:r>
+                      <a:rPr lang="ru-RU" sz="2400" i="1">
+                        <a:effectLst/>
+                        <a:latin typeface="Cambria Math" panose="02040503050406030204" pitchFamily="18" charset="0"/>
+                        <a:ea typeface="Noto Serif CJK SC"/>
+                      </a:rPr>
+                      <m:t>∈{</m:t>
+                    </m:r>
+                    <m:r>
+                      <a:rPr lang="ru-RU" sz="2400" i="1">
+                        <a:effectLst/>
+                        <a:latin typeface="Cambria Math" panose="02040503050406030204" pitchFamily="18" charset="0"/>
+                        <a:ea typeface="Noto Serif CJK SC"/>
+                      </a:rPr>
+                      <m:t>𝑇𝑟𝑢𝑒</m:t>
+                    </m:r>
+                    <m:r>
+                      <a:rPr lang="ru-RU" sz="2400" i="1">
+                        <a:effectLst/>
+                        <a:latin typeface="Cambria Math" panose="02040503050406030204" pitchFamily="18" charset="0"/>
+                        <a:ea typeface="Noto Serif CJK SC"/>
+                      </a:rPr>
+                      <m:t>, </m:t>
+                    </m:r>
+                    <m:r>
+                      <a:rPr lang="ru-RU" sz="2400" i="1">
+                        <a:effectLst/>
+                        <a:latin typeface="Cambria Math" panose="02040503050406030204" pitchFamily="18" charset="0"/>
+                        <a:ea typeface="Noto Serif CJK SC"/>
+                      </a:rPr>
+                      <m:t>𝐹𝑎𝑙𝑠𝑒</m:t>
+                    </m:r>
+                    <m:r>
+                      <a:rPr lang="ru-RU" sz="2400" i="1">
+                        <a:effectLst/>
+                        <a:latin typeface="Cambria Math" panose="02040503050406030204" pitchFamily="18" charset="0"/>
+                        <a:ea typeface="Noto Serif CJK SC"/>
+                      </a:rPr>
+                      <m:t>}</m:t>
+                    </m:r>
+                  </m:oMath>
+                </a14:m>
+                <a:r>
+                  <a:rPr lang="ru-RU" sz="2400" dirty="0">
+                    <a:effectLst/>
+                    <a:latin typeface="Times New Roman" panose="02020603050405020304" pitchFamily="18" charset="0"/>
+                    <a:ea typeface="Noto Serif CJK SC"/>
+                  </a:rPr>
+                  <a:t>.</a:t>
+                </a:r>
+                <a:endParaRPr lang="ru-RU" sz="2400" i="1" dirty="0">
+                  <a:effectLst/>
+                  <a:latin typeface="Cambria Math" panose="02040503050406030204" pitchFamily="18" charset="0"/>
+                  <a:ea typeface="Noto Serif CJK SC"/>
+                </a:endParaRPr>
+              </a:p>
+              <a:p>
+                <a:pPr indent="450215" algn="just">
+                  <a:lnSpc>
+                    <a:spcPct val="150000"/>
+                  </a:lnSpc>
+                  <a:tabLst>
+                    <a:tab pos="450215" algn="l"/>
+                  </a:tabLst>
+                </a:pPr>
+                <a14:m>
+                  <m:oMath xmlns:m="http://schemas.openxmlformats.org/officeDocument/2006/math">
+                    <m:r>
+                      <a:rPr lang="ru-RU" sz="2400" i="1">
+                        <a:effectLst/>
+                        <a:latin typeface="Cambria Math" panose="02040503050406030204" pitchFamily="18" charset="0"/>
+                        <a:ea typeface="Noto Serif CJK SC"/>
+                      </a:rPr>
+                      <m:t>𝑁</m:t>
+                    </m:r>
+                    <m:r>
+                      <a:rPr lang="ru-RU" sz="2400" i="1">
+                        <a:effectLst/>
+                        <a:latin typeface="Cambria Math" panose="02040503050406030204" pitchFamily="18" charset="0"/>
+                        <a:ea typeface="Noto Serif CJK SC"/>
+                      </a:rPr>
+                      <m:t>={</m:t>
+                    </m:r>
+                    <m:sSub>
+                      <m:sSubPr>
+                        <m:ctrlPr>
+                          <a:rPr lang="ru-RU" sz="2400" i="1" baseline="-25000">
+                            <a:effectLst/>
+                            <a:latin typeface="Cambria Math" panose="02040503050406030204" pitchFamily="18" charset="0"/>
+                            <a:ea typeface="Noto Serif CJK SC"/>
+                          </a:rPr>
+                        </m:ctrlPr>
+                      </m:sSubPr>
+                      <m:e>
+                        <m:r>
+                          <a:rPr lang="ru-RU" sz="2400" i="1">
+                            <a:effectLst/>
+                            <a:latin typeface="Cambria Math" panose="02040503050406030204" pitchFamily="18" charset="0"/>
+                            <a:ea typeface="Noto Serif CJK SC"/>
+                          </a:rPr>
+                          <m:t>𝑛</m:t>
+                        </m:r>
+                      </m:e>
+                      <m:sub>
+                        <m:r>
+                          <a:rPr lang="en-US" sz="2400" i="1" baseline="-25000">
+                            <a:effectLst/>
+                            <a:latin typeface="Cambria Math" panose="02040503050406030204" pitchFamily="18" charset="0"/>
+                            <a:ea typeface="Noto Serif CJK SC"/>
+                          </a:rPr>
+                          <m:t>𝑖</m:t>
+                        </m:r>
+                      </m:sub>
+                    </m:sSub>
+                    <m:r>
+                      <a:rPr lang="ru-RU" sz="2400" i="1">
+                        <a:effectLst/>
+                        <a:latin typeface="Cambria Math" panose="02040503050406030204" pitchFamily="18" charset="0"/>
+                        <a:ea typeface="Noto Serif CJK SC"/>
+                      </a:rPr>
+                      <m:t>}</m:t>
+                    </m:r>
+                  </m:oMath>
+                </a14:m>
+                <a:r>
+                  <a:rPr lang="ru-RU" sz="2400" dirty="0">
+                    <a:effectLst/>
+                    <a:latin typeface="Times New Roman" panose="02020603050405020304" pitchFamily="18" charset="0"/>
+                    <a:ea typeface="Noto Serif CJK SC"/>
+                  </a:rPr>
+                  <a:t> – множество узлов, где </a:t>
+                </a:r>
+                <a14:m>
+                  <m:oMath xmlns:m="http://schemas.openxmlformats.org/officeDocument/2006/math">
+                    <m:r>
+                      <a:rPr lang="ru-RU" sz="2400" i="1">
+                        <a:effectLst/>
+                        <a:latin typeface="Cambria Math" panose="02040503050406030204" pitchFamily="18" charset="0"/>
+                        <a:ea typeface="Noto Serif CJK SC"/>
+                      </a:rPr>
+                      <m:t>𝑛</m:t>
+                    </m:r>
+                    <m:r>
+                      <a:rPr lang="ru-RU" sz="2400" i="1">
+                        <a:effectLst/>
+                        <a:latin typeface="Cambria Math" panose="02040503050406030204" pitchFamily="18" charset="0"/>
+                        <a:ea typeface="Noto Serif CJK SC"/>
+                      </a:rPr>
+                      <m:t>=&lt;</m:t>
+                    </m:r>
+                    <m:r>
+                      <a:rPr lang="ru-RU" sz="2400" i="1">
+                        <a:effectLst/>
+                        <a:latin typeface="Cambria Math" panose="02040503050406030204" pitchFamily="18" charset="0"/>
+                        <a:ea typeface="Noto Serif CJK SC"/>
+                      </a:rPr>
+                      <m:t>𝑟</m:t>
+                    </m:r>
+                    <m:r>
+                      <a:rPr lang="ru-RU" sz="2400" i="1">
+                        <a:effectLst/>
+                        <a:latin typeface="Cambria Math" panose="02040503050406030204" pitchFamily="18" charset="0"/>
+                        <a:ea typeface="Noto Serif CJK SC"/>
+                      </a:rPr>
+                      <m:t>, </m:t>
+                    </m:r>
+                    <m:r>
+                      <a:rPr lang="ru-RU" sz="2400" i="1">
+                        <a:effectLst/>
+                        <a:latin typeface="Cambria Math" panose="02040503050406030204" pitchFamily="18" charset="0"/>
+                        <a:ea typeface="Noto Serif CJK SC"/>
+                      </a:rPr>
+                      <m:t>𝑡</m:t>
+                    </m:r>
+                    <m:r>
+                      <a:rPr lang="ru-RU" sz="2400" i="1">
+                        <a:effectLst/>
+                        <a:latin typeface="Cambria Math" panose="02040503050406030204" pitchFamily="18" charset="0"/>
+                        <a:ea typeface="Noto Serif CJK SC"/>
+                      </a:rPr>
+                      <m:t>,{</m:t>
+                    </m:r>
+                    <m:sSub>
+                      <m:sSubPr>
+                        <m:ctrlPr>
+                          <a:rPr lang="ru-RU" sz="2400" i="1" baseline="-25000">
+                            <a:effectLst/>
+                            <a:latin typeface="Cambria Math" panose="02040503050406030204" pitchFamily="18" charset="0"/>
+                            <a:ea typeface="Noto Serif CJK SC"/>
+                          </a:rPr>
+                        </m:ctrlPr>
+                      </m:sSubPr>
+                      <m:e>
+                        <m:r>
+                          <a:rPr lang="ru-RU" sz="2400" i="1">
+                            <a:effectLst/>
+                            <a:latin typeface="Cambria Math" panose="02040503050406030204" pitchFamily="18" charset="0"/>
+                            <a:ea typeface="Noto Serif CJK SC"/>
+                          </a:rPr>
+                          <m:t>𝑛</m:t>
+                        </m:r>
+                      </m:e>
+                      <m:sub>
+                        <m:r>
+                          <a:rPr lang="en-US" sz="2400" i="1" baseline="-25000">
+                            <a:effectLst/>
+                            <a:latin typeface="Cambria Math" panose="02040503050406030204" pitchFamily="18" charset="0"/>
+                            <a:ea typeface="Noto Serif CJK SC"/>
+                          </a:rPr>
+                          <m:t>𝑖</m:t>
+                        </m:r>
+                      </m:sub>
+                    </m:sSub>
+                    <m:r>
+                      <a:rPr lang="ru-RU" sz="2400" i="1">
+                        <a:effectLst/>
+                        <a:latin typeface="Cambria Math" panose="02040503050406030204" pitchFamily="18" charset="0"/>
+                        <a:ea typeface="Noto Serif CJK SC"/>
+                      </a:rPr>
+                      <m:t>}&gt;</m:t>
+                    </m:r>
+                  </m:oMath>
+                </a14:m>
+                <a:r>
+                  <a:rPr lang="ru-RU" sz="2400" dirty="0">
+                    <a:effectLst/>
+                    <a:latin typeface="Times New Roman" panose="02020603050405020304" pitchFamily="18" charset="0"/>
+                    <a:ea typeface="Noto Serif CJK SC"/>
+                  </a:rPr>
+                  <a:t> – узел дерева поведения, где </a:t>
+                </a:r>
+                <a14:m>
+                  <m:oMath xmlns:m="http://schemas.openxmlformats.org/officeDocument/2006/math">
+                    <m:r>
+                      <a:rPr lang="ru-RU" sz="2400" i="1">
+                        <a:effectLst/>
+                        <a:latin typeface="Cambria Math" panose="02040503050406030204" pitchFamily="18" charset="0"/>
+                        <a:ea typeface="Noto Serif CJK SC"/>
+                      </a:rPr>
+                      <m:t>𝑡</m:t>
+                    </m:r>
+                    <m:r>
+                      <a:rPr lang="ru-RU" sz="2400" i="1">
+                        <a:effectLst/>
+                        <a:latin typeface="Cambria Math" panose="02040503050406030204" pitchFamily="18" charset="0"/>
+                        <a:ea typeface="Noto Serif CJK SC"/>
+                      </a:rPr>
+                      <m:t>∈{</m:t>
+                    </m:r>
+                    <m:r>
+                      <a:rPr lang="ru-RU" sz="2400" i="1">
+                        <a:effectLst/>
+                        <a:latin typeface="Cambria Math" panose="02040503050406030204" pitchFamily="18" charset="0"/>
+                        <a:ea typeface="Noto Serif CJK SC"/>
+                      </a:rPr>
+                      <m:t>𝐿</m:t>
+                    </m:r>
+                    <m:r>
+                      <a:rPr lang="ru-RU" sz="2400" i="1">
+                        <a:effectLst/>
+                        <a:latin typeface="Cambria Math" panose="02040503050406030204" pitchFamily="18" charset="0"/>
+                        <a:ea typeface="Noto Serif CJK SC"/>
+                      </a:rPr>
+                      <m:t>, </m:t>
+                    </m:r>
+                    <m:r>
+                      <a:rPr lang="ru-RU" sz="2400" i="1">
+                        <a:effectLst/>
+                        <a:latin typeface="Cambria Math" panose="02040503050406030204" pitchFamily="18" charset="0"/>
+                        <a:ea typeface="Noto Serif CJK SC"/>
+                      </a:rPr>
+                      <m:t>𝑁𝐿</m:t>
+                    </m:r>
+                    <m:r>
+                      <a:rPr lang="ru-RU" sz="2400" i="1">
+                        <a:effectLst/>
+                        <a:latin typeface="Cambria Math" panose="02040503050406030204" pitchFamily="18" charset="0"/>
+                        <a:ea typeface="Noto Serif CJK SC"/>
+                      </a:rPr>
+                      <m:t>}</m:t>
+                    </m:r>
+                  </m:oMath>
+                </a14:m>
+                <a:r>
+                  <a:rPr lang="ru-RU" sz="2400" dirty="0">
+                    <a:effectLst/>
+                    <a:latin typeface="Times New Roman" panose="02020603050405020304" pitchFamily="18" charset="0"/>
+                    <a:ea typeface="Noto Serif CJK SC"/>
+                  </a:rPr>
+                  <a:t> – тип узла, показывающий, является ли узел листом (</a:t>
+                </a:r>
+                <a14:m>
+                  <m:oMath xmlns:m="http://schemas.openxmlformats.org/officeDocument/2006/math">
+                    <m:r>
+                      <a:rPr lang="ru-RU" sz="2400" i="1">
+                        <a:effectLst/>
+                        <a:latin typeface="Cambria Math" panose="02040503050406030204" pitchFamily="18" charset="0"/>
+                        <a:ea typeface="Noto Serif CJK SC"/>
+                      </a:rPr>
+                      <m:t>𝐿</m:t>
+                    </m:r>
+                  </m:oMath>
+                </a14:m>
+                <a:r>
+                  <a:rPr lang="ru-RU" sz="2400" dirty="0">
+                    <a:effectLst/>
+                    <a:latin typeface="Times New Roman" panose="02020603050405020304" pitchFamily="18" charset="0"/>
+                    <a:ea typeface="Noto Serif CJK SC"/>
+                  </a:rPr>
+                  <a:t>) или нет (</a:t>
+                </a:r>
+                <a14:m>
+                  <m:oMath xmlns:m="http://schemas.openxmlformats.org/officeDocument/2006/math">
+                    <m:r>
+                      <a:rPr lang="ru-RU" sz="2400" i="1">
+                        <a:effectLst/>
+                        <a:latin typeface="Cambria Math" panose="02040503050406030204" pitchFamily="18" charset="0"/>
+                        <a:ea typeface="Noto Serif CJK SC"/>
+                      </a:rPr>
+                      <m:t>𝑁𝐿</m:t>
+                    </m:r>
+                  </m:oMath>
+                </a14:m>
+                <a:r>
+                  <a:rPr lang="ru-RU" sz="2400" dirty="0">
+                    <a:effectLst/>
+                    <a:latin typeface="Times New Roman" panose="02020603050405020304" pitchFamily="18" charset="0"/>
+                    <a:ea typeface="Noto Serif CJK SC"/>
+                  </a:rPr>
+                  <a:t>), а множество дочерних узлов </a:t>
+                </a:r>
+                <a14:m>
+                  <m:oMath xmlns:m="http://schemas.openxmlformats.org/officeDocument/2006/math">
+                    <m:r>
+                      <a:rPr lang="ru-RU" sz="2400" i="1">
+                        <a:effectLst/>
+                        <a:latin typeface="Cambria Math" panose="02040503050406030204" pitchFamily="18" charset="0"/>
+                        <a:ea typeface="Noto Serif CJK SC"/>
+                      </a:rPr>
+                      <m:t>{</m:t>
+                    </m:r>
+                    <m:sSub>
+                      <m:sSubPr>
+                        <m:ctrlPr>
+                          <a:rPr lang="ru-RU" sz="2400" i="1" baseline="-25000">
+                            <a:effectLst/>
+                            <a:latin typeface="Cambria Math" panose="02040503050406030204" pitchFamily="18" charset="0"/>
+                            <a:ea typeface="Noto Serif CJK SC"/>
+                          </a:rPr>
+                        </m:ctrlPr>
+                      </m:sSubPr>
+                      <m:e>
+                        <m:r>
+                          <a:rPr lang="ru-RU" sz="2400" i="1">
+                            <a:effectLst/>
+                            <a:latin typeface="Cambria Math" panose="02040503050406030204" pitchFamily="18" charset="0"/>
+                            <a:ea typeface="Noto Serif CJK SC"/>
+                          </a:rPr>
+                          <m:t>𝑛</m:t>
+                        </m:r>
+                      </m:e>
+                      <m:sub>
+                        <m:r>
+                          <a:rPr lang="en-US" sz="2400" i="1" baseline="-25000">
+                            <a:effectLst/>
+                            <a:latin typeface="Cambria Math" panose="02040503050406030204" pitchFamily="18" charset="0"/>
+                            <a:ea typeface="Noto Serif CJK SC"/>
+                          </a:rPr>
+                          <m:t>𝑖</m:t>
+                        </m:r>
+                      </m:sub>
+                    </m:sSub>
+                    <m:r>
+                      <a:rPr lang="ru-RU" sz="2400" i="1">
+                        <a:effectLst/>
+                        <a:latin typeface="Cambria Math" panose="02040503050406030204" pitchFamily="18" charset="0"/>
+                        <a:ea typeface="Noto Serif CJK SC"/>
+                      </a:rPr>
+                      <m:t>}</m:t>
+                    </m:r>
+                  </m:oMath>
+                </a14:m>
+                <a:r>
+                  <a:rPr lang="ru-RU" sz="2400" dirty="0">
+                    <a:effectLst/>
+                    <a:latin typeface="Times New Roman" panose="02020603050405020304" pitchFamily="18" charset="0"/>
+                    <a:ea typeface="Noto Serif CJK SC"/>
+                  </a:rPr>
+                  <a:t>  пусто для листовых узлов и не пусто для внутренних.</a:t>
+                </a:r>
+              </a:p>
+              <a:p>
+                <a:pPr indent="450215" algn="just">
+                  <a:lnSpc>
+                    <a:spcPct val="150000"/>
+                  </a:lnSpc>
+                  <a:tabLst>
+                    <a:tab pos="450215" algn="l"/>
+                  </a:tabLst>
+                </a:pPr>
+                <a14:m>
+                  <m:oMath xmlns:m="http://schemas.openxmlformats.org/officeDocument/2006/math">
+                    <m:r>
+                      <a:rPr lang="en-US" sz="2400" i="1">
+                        <a:effectLst/>
+                        <a:latin typeface="Cambria Math" panose="02040503050406030204" pitchFamily="18" charset="0"/>
+                        <a:ea typeface="Noto Serif CJK SC"/>
+                      </a:rPr>
+                      <m:t>𝑅</m:t>
+                    </m:r>
+                    <m:r>
+                      <a:rPr lang="ru-RU" sz="2400" i="1">
+                        <a:effectLst/>
+                        <a:latin typeface="Cambria Math" panose="02040503050406030204" pitchFamily="18" charset="0"/>
+                        <a:ea typeface="Noto Serif CJK SC"/>
+                      </a:rPr>
+                      <m:t>={</m:t>
+                    </m:r>
+                    <m:sSub>
+                      <m:sSubPr>
+                        <m:ctrlPr>
+                          <a:rPr lang="ru-RU" sz="2400" i="1" baseline="-25000">
+                            <a:effectLst/>
+                            <a:latin typeface="Cambria Math" panose="02040503050406030204" pitchFamily="18" charset="0"/>
+                            <a:ea typeface="Noto Serif CJK SC"/>
+                          </a:rPr>
+                        </m:ctrlPr>
+                      </m:sSubPr>
+                      <m:e>
+                        <m:r>
+                          <a:rPr lang="ru-RU" sz="2400" i="1">
+                            <a:effectLst/>
+                            <a:latin typeface="Cambria Math" panose="02040503050406030204" pitchFamily="18" charset="0"/>
+                            <a:ea typeface="Noto Serif CJK SC"/>
+                          </a:rPr>
+                          <m:t>𝑟</m:t>
+                        </m:r>
+                      </m:e>
+                      <m:sub>
+                        <m:r>
+                          <a:rPr lang="en-US" sz="2400" i="1" baseline="-25000">
+                            <a:effectLst/>
+                            <a:latin typeface="Cambria Math" panose="02040503050406030204" pitchFamily="18" charset="0"/>
+                            <a:ea typeface="Noto Serif CJK SC"/>
+                          </a:rPr>
+                          <m:t>𝑖</m:t>
+                        </m:r>
+                      </m:sub>
+                    </m:sSub>
+                    <m:r>
+                      <a:rPr lang="ru-RU" sz="2400" i="1">
+                        <a:effectLst/>
+                        <a:latin typeface="Cambria Math" panose="02040503050406030204" pitchFamily="18" charset="0"/>
+                        <a:ea typeface="Noto Serif CJK SC"/>
+                      </a:rPr>
+                      <m:t>}</m:t>
+                    </m:r>
+                  </m:oMath>
+                </a14:m>
+                <a:r>
+                  <a:rPr lang="ru-RU" sz="2400" dirty="0">
+                    <a:effectLst/>
+                    <a:latin typeface="Times New Roman" panose="02020603050405020304" pitchFamily="18" charset="0"/>
+                    <a:ea typeface="Noto Serif CJK SC"/>
+                  </a:rPr>
+                  <a:t> – множество исполняемых функций </a:t>
+                </a:r>
+                <a14:m>
+                  <m:oMath xmlns:m="http://schemas.openxmlformats.org/officeDocument/2006/math">
+                    <m:r>
+                      <a:rPr lang="ru-RU" sz="2400" i="1">
+                        <a:effectLst/>
+                        <a:latin typeface="Cambria Math" panose="02040503050406030204" pitchFamily="18" charset="0"/>
+                        <a:ea typeface="Noto Serif CJK SC"/>
+                      </a:rPr>
+                      <m:t>𝑟</m:t>
+                    </m:r>
+                    <m:r>
+                      <a:rPr lang="ru-RU" sz="2400" i="1">
+                        <a:effectLst/>
+                        <a:latin typeface="Cambria Math" panose="02040503050406030204" pitchFamily="18" charset="0"/>
+                        <a:ea typeface="Noto Serif CJK SC"/>
+                      </a:rPr>
+                      <m:t>:</m:t>
+                    </m:r>
+                    <m:r>
+                      <a:rPr lang="ru-RU" sz="2400" i="1">
+                        <a:effectLst/>
+                        <a:latin typeface="Cambria Math" panose="02040503050406030204" pitchFamily="18" charset="0"/>
+                        <a:ea typeface="Noto Serif CJK SC"/>
+                      </a:rPr>
+                      <m:t>𝑄𝑥𝑁</m:t>
+                    </m:r>
+                    <m:r>
+                      <a:rPr lang="ru-RU" sz="2400" i="1">
+                        <a:effectLst/>
+                        <a:latin typeface="Cambria Math" panose="02040503050406030204" pitchFamily="18" charset="0"/>
+                        <a:ea typeface="Noto Serif CJK SC"/>
+                      </a:rPr>
+                      <m:t>=&gt;</m:t>
+                    </m:r>
+                    <m:r>
+                      <a:rPr lang="ru-RU" sz="2400" i="1">
+                        <a:effectLst/>
+                        <a:latin typeface="Cambria Math" panose="02040503050406030204" pitchFamily="18" charset="0"/>
+                        <a:ea typeface="Noto Serif CJK SC"/>
+                      </a:rPr>
+                      <m:t>𝑆</m:t>
+                    </m:r>
+                  </m:oMath>
+                </a14:m>
+                <a:r>
+                  <a:rPr lang="ru-RU" sz="2400" dirty="0">
+                    <a:effectLst/>
+                    <a:latin typeface="Times New Roman" panose="02020603050405020304" pitchFamily="18" charset="0"/>
+                    <a:ea typeface="Noto Serif CJK SC"/>
+                  </a:rPr>
+                  <a:t>, определяющих для каждого состояния из </a:t>
+                </a:r>
+                <a14:m>
+                  <m:oMath xmlns:m="http://schemas.openxmlformats.org/officeDocument/2006/math">
+                    <m:r>
+                      <a:rPr lang="ru-RU" sz="2400" i="1">
+                        <a:effectLst/>
+                        <a:latin typeface="Cambria Math" panose="02040503050406030204" pitchFamily="18" charset="0"/>
+                        <a:ea typeface="Noto Serif CJK SC"/>
+                      </a:rPr>
+                      <m:t>𝑄</m:t>
+                    </m:r>
+                  </m:oMath>
+                </a14:m>
+                <a:r>
+                  <a:rPr lang="ru-RU" sz="2400" dirty="0">
+                    <a:effectLst/>
+                    <a:latin typeface="Times New Roman" panose="02020603050405020304" pitchFamily="18" charset="0"/>
+                    <a:ea typeface="Noto Serif CJK SC"/>
+                  </a:rPr>
+                  <a:t> и узла из </a:t>
+                </a:r>
+                <a14:m>
+                  <m:oMath xmlns:m="http://schemas.openxmlformats.org/officeDocument/2006/math">
+                    <m:r>
+                      <a:rPr lang="ru-RU" sz="2400" i="1">
+                        <a:effectLst/>
+                        <a:latin typeface="Cambria Math" panose="02040503050406030204" pitchFamily="18" charset="0"/>
+                        <a:ea typeface="Noto Serif CJK SC"/>
+                      </a:rPr>
+                      <m:t>𝑁</m:t>
+                    </m:r>
+                  </m:oMath>
+                </a14:m>
+                <a:r>
+                  <a:rPr lang="ru-RU" sz="2400" dirty="0">
+                    <a:effectLst/>
+                    <a:latin typeface="Times New Roman" panose="02020603050405020304" pitchFamily="18" charset="0"/>
+                    <a:ea typeface="Noto Serif CJK SC"/>
+                  </a:rPr>
+                  <a:t> статус </a:t>
+                </a:r>
+                <a14:m>
+                  <m:oMath xmlns:m="http://schemas.openxmlformats.org/officeDocument/2006/math">
+                    <m:r>
+                      <a:rPr lang="ru-RU" sz="2400" i="1">
+                        <a:effectLst/>
+                        <a:latin typeface="Cambria Math" panose="02040503050406030204" pitchFamily="18" charset="0"/>
+                        <a:ea typeface="Noto Serif CJK SC"/>
+                      </a:rPr>
+                      <m:t>𝑆</m:t>
+                    </m:r>
+                    <m:r>
+                      <a:rPr lang="ru-RU" sz="2400" i="1">
+                        <a:effectLst/>
+                        <a:latin typeface="Cambria Math" panose="02040503050406030204" pitchFamily="18" charset="0"/>
+                        <a:ea typeface="Noto Serif CJK SC"/>
+                      </a:rPr>
+                      <m:t>∈{</m:t>
+                    </m:r>
+                    <m:r>
+                      <a:rPr lang="ru-RU" sz="2400" i="1">
+                        <a:effectLst/>
+                        <a:latin typeface="Cambria Math" panose="02040503050406030204" pitchFamily="18" charset="0"/>
+                        <a:ea typeface="Noto Serif CJK SC"/>
+                      </a:rPr>
+                      <m:t>𝑠</m:t>
+                    </m:r>
+                    <m:r>
+                      <a:rPr lang="ru-RU" sz="2400" i="1">
+                        <a:effectLst/>
+                        <a:latin typeface="Cambria Math" panose="02040503050406030204" pitchFamily="18" charset="0"/>
+                        <a:ea typeface="Noto Serif CJK SC"/>
+                      </a:rPr>
+                      <m:t>, </m:t>
+                    </m:r>
+                    <m:r>
+                      <a:rPr lang="ru-RU" sz="2400" i="1">
+                        <a:effectLst/>
+                        <a:latin typeface="Cambria Math" panose="02040503050406030204" pitchFamily="18" charset="0"/>
+                        <a:ea typeface="Noto Serif CJK SC"/>
+                      </a:rPr>
+                      <m:t>𝑓</m:t>
+                    </m:r>
+                    <m:r>
+                      <a:rPr lang="ru-RU" sz="2400" i="1">
+                        <a:effectLst/>
+                        <a:latin typeface="Cambria Math" panose="02040503050406030204" pitchFamily="18" charset="0"/>
+                        <a:ea typeface="Noto Serif CJK SC"/>
+                      </a:rPr>
+                      <m:t>, </m:t>
+                    </m:r>
+                    <m:r>
+                      <a:rPr lang="ru-RU" sz="2400" i="1">
+                        <a:effectLst/>
+                        <a:latin typeface="Cambria Math" panose="02040503050406030204" pitchFamily="18" charset="0"/>
+                        <a:ea typeface="Noto Serif CJK SC"/>
+                      </a:rPr>
+                      <m:t>𝑤</m:t>
+                    </m:r>
+                    <m:r>
+                      <a:rPr lang="ru-RU" sz="2400" i="1">
+                        <a:effectLst/>
+                        <a:latin typeface="Cambria Math" panose="02040503050406030204" pitchFamily="18" charset="0"/>
+                        <a:ea typeface="Noto Serif CJK SC"/>
+                      </a:rPr>
+                      <m:t>, </m:t>
+                    </m:r>
+                    <m:r>
+                      <a:rPr lang="ru-RU" sz="2400" i="1">
+                        <a:effectLst/>
+                        <a:latin typeface="Cambria Math" panose="02040503050406030204" pitchFamily="18" charset="0"/>
+                        <a:ea typeface="Noto Serif CJK SC"/>
+                      </a:rPr>
+                      <m:t>𝑒</m:t>
+                    </m:r>
+                    <m:r>
+                      <a:rPr lang="ru-RU" sz="2400" i="1">
+                        <a:effectLst/>
+                        <a:latin typeface="Cambria Math" panose="02040503050406030204" pitchFamily="18" charset="0"/>
+                        <a:ea typeface="Noto Serif CJK SC"/>
+                      </a:rPr>
+                      <m:t>}</m:t>
+                    </m:r>
+                  </m:oMath>
+                </a14:m>
+                <a:r>
+                  <a:rPr lang="ru-RU" sz="2400" dirty="0">
+                    <a:effectLst/>
+                    <a:latin typeface="Times New Roman" panose="02020603050405020304" pitchFamily="18" charset="0"/>
+                    <a:ea typeface="Noto Serif CJK SC"/>
+                  </a:rPr>
+                  <a:t>, где </a:t>
+                </a:r>
+                <a14:m>
+                  <m:oMath xmlns:m="http://schemas.openxmlformats.org/officeDocument/2006/math">
+                    <m:r>
+                      <a:rPr lang="ru-RU" sz="2400" i="1">
+                        <a:effectLst/>
+                        <a:latin typeface="Cambria Math" panose="02040503050406030204" pitchFamily="18" charset="0"/>
+                        <a:ea typeface="Noto Serif CJK SC"/>
+                      </a:rPr>
+                      <m:t>𝑠</m:t>
+                    </m:r>
+                  </m:oMath>
+                </a14:m>
+                <a:r>
+                  <a:rPr lang="ru-RU" sz="2400" dirty="0">
+                    <a:effectLst/>
+                    <a:latin typeface="Times New Roman" panose="02020603050405020304" pitchFamily="18" charset="0"/>
+                    <a:ea typeface="Noto Serif CJK SC"/>
+                  </a:rPr>
+                  <a:t> – успех, </a:t>
+                </a:r>
+                <a14:m>
+                  <m:oMath xmlns:m="http://schemas.openxmlformats.org/officeDocument/2006/math">
+                    <m:r>
+                      <a:rPr lang="ru-RU" sz="2400" i="1">
+                        <a:effectLst/>
+                        <a:latin typeface="Cambria Math" panose="02040503050406030204" pitchFamily="18" charset="0"/>
+                        <a:ea typeface="Noto Serif CJK SC"/>
+                      </a:rPr>
+                      <m:t>𝑓</m:t>
+                    </m:r>
+                  </m:oMath>
+                </a14:m>
+                <a:r>
+                  <a:rPr lang="ru-RU" sz="2400" dirty="0">
+                    <a:effectLst/>
+                    <a:latin typeface="Times New Roman" panose="02020603050405020304" pitchFamily="18" charset="0"/>
+                    <a:ea typeface="Noto Serif CJK SC"/>
+                  </a:rPr>
+                  <a:t> – неудача, </a:t>
+                </a:r>
+                <a14:m>
+                  <m:oMath xmlns:m="http://schemas.openxmlformats.org/officeDocument/2006/math">
+                    <m:r>
+                      <a:rPr lang="ru-RU" sz="2400" i="1">
+                        <a:effectLst/>
+                        <a:latin typeface="Cambria Math" panose="02040503050406030204" pitchFamily="18" charset="0"/>
+                        <a:ea typeface="Noto Serif CJK SC"/>
+                      </a:rPr>
+                      <m:t>𝑤</m:t>
+                    </m:r>
+                  </m:oMath>
+                </a14:m>
+                <a:r>
+                  <a:rPr lang="ru-RU" sz="2400" dirty="0">
+                    <a:effectLst/>
+                    <a:latin typeface="Times New Roman" panose="02020603050405020304" pitchFamily="18" charset="0"/>
+                    <a:ea typeface="Noto Serif CJK SC"/>
+                  </a:rPr>
+                  <a:t> – в работе, </a:t>
+                </a:r>
+                <a14:m>
+                  <m:oMath xmlns:m="http://schemas.openxmlformats.org/officeDocument/2006/math">
+                    <m:r>
+                      <a:rPr lang="ru-RU" sz="2400" i="1">
+                        <a:effectLst/>
+                        <a:latin typeface="Cambria Math" panose="02040503050406030204" pitchFamily="18" charset="0"/>
+                        <a:ea typeface="Noto Serif CJK SC"/>
+                      </a:rPr>
+                      <m:t>𝑒</m:t>
+                    </m:r>
+                  </m:oMath>
+                </a14:m>
+                <a:r>
+                  <a:rPr lang="ru-RU" sz="2400" dirty="0">
+                    <a:effectLst/>
+                    <a:latin typeface="Times New Roman" panose="02020603050405020304" pitchFamily="18" charset="0"/>
+                    <a:ea typeface="Noto Serif CJK SC"/>
+                  </a:rPr>
+                  <a:t> – ошибка. </a:t>
+                </a:r>
+              </a:p>
+              <a:p>
+                <a:pPr indent="450215" algn="just">
+                  <a:lnSpc>
+                    <a:spcPct val="150000"/>
+                  </a:lnSpc>
+                  <a:tabLst>
+                    <a:tab pos="450215" algn="l"/>
+                  </a:tabLst>
+                </a:pPr>
+                <a:r>
+                  <a:rPr lang="ru-RU" sz="2400" dirty="0">
+                    <a:effectLst/>
+                    <a:latin typeface="Times New Roman" panose="02020603050405020304" pitchFamily="18" charset="0"/>
+                    <a:ea typeface="Noto Serif CJK SC"/>
+                  </a:rPr>
+                  <a:t>Функция </a:t>
+                </a:r>
+                <a14:m>
+                  <m:oMath xmlns:m="http://schemas.openxmlformats.org/officeDocument/2006/math">
+                    <m:r>
+                      <a:rPr lang="ru-RU" sz="2400" i="1">
+                        <a:effectLst/>
+                        <a:latin typeface="Cambria Math" panose="02040503050406030204" pitchFamily="18" charset="0"/>
+                        <a:ea typeface="Noto Serif CJK SC"/>
+                      </a:rPr>
+                      <m:t>𝑟</m:t>
+                    </m:r>
+                  </m:oMath>
+                </a14:m>
+                <a:r>
+                  <a:rPr lang="ru-RU" sz="2400" dirty="0">
+                    <a:effectLst/>
+                    <a:latin typeface="Times New Roman" panose="02020603050405020304" pitchFamily="18" charset="0"/>
+                    <a:ea typeface="Noto Serif CJK SC"/>
+                  </a:rPr>
+                  <a:t> во внутренних узлах запускает дочерние узлы, а в конечных либо выполняет действие </a:t>
+                </a:r>
+                <a14:m>
+                  <m:oMath xmlns:m="http://schemas.openxmlformats.org/officeDocument/2006/math">
+                    <m:r>
+                      <a:rPr lang="ru-RU" sz="2400" i="1">
+                        <a:effectLst/>
+                        <a:latin typeface="Cambria Math" panose="02040503050406030204" pitchFamily="18" charset="0"/>
+                        <a:ea typeface="Noto Serif CJK SC"/>
+                      </a:rPr>
+                      <m:t>𝑎</m:t>
+                    </m:r>
+                    <m:r>
+                      <a:rPr lang="ru-RU" sz="2400" i="1">
+                        <a:effectLst/>
+                        <a:latin typeface="Cambria Math" panose="02040503050406030204" pitchFamily="18" charset="0"/>
+                        <a:ea typeface="Noto Serif CJK SC"/>
+                      </a:rPr>
+                      <m:t>∈</m:t>
+                    </m:r>
+                    <m:r>
+                      <a:rPr lang="ru-RU" sz="2400" i="1">
+                        <a:effectLst/>
+                        <a:latin typeface="Cambria Math" panose="02040503050406030204" pitchFamily="18" charset="0"/>
+                        <a:ea typeface="Noto Serif CJK SC"/>
+                      </a:rPr>
+                      <m:t>𝐴</m:t>
+                    </m:r>
+                  </m:oMath>
+                </a14:m>
+                <a:r>
+                  <a:rPr lang="ru-RU" sz="2400" dirty="0">
+                    <a:effectLst/>
+                    <a:latin typeface="Times New Roman" panose="02020603050405020304" pitchFamily="18" charset="0"/>
+                    <a:ea typeface="Noto Serif CJK SC"/>
+                  </a:rPr>
+                  <a:t>, совершающее переход из одного состояния в другое, либо – условие </a:t>
+                </a:r>
+                <a14:m>
+                  <m:oMath xmlns:m="http://schemas.openxmlformats.org/officeDocument/2006/math">
+                    <m:r>
+                      <a:rPr lang="ru-RU" sz="2400" i="1">
+                        <a:effectLst/>
+                        <a:latin typeface="Cambria Math" panose="02040503050406030204" pitchFamily="18" charset="0"/>
+                        <a:ea typeface="Noto Serif CJK SC"/>
+                      </a:rPr>
+                      <m:t>𝑐</m:t>
+                    </m:r>
+                    <m:r>
+                      <a:rPr lang="ru-RU" sz="2400" i="1">
+                        <a:effectLst/>
+                        <a:latin typeface="Cambria Math" panose="02040503050406030204" pitchFamily="18" charset="0"/>
+                        <a:ea typeface="Noto Serif CJK SC"/>
+                      </a:rPr>
+                      <m:t>∈</m:t>
+                    </m:r>
+                    <m:r>
+                      <a:rPr lang="ru-RU" sz="2400" i="1">
+                        <a:effectLst/>
+                        <a:latin typeface="Cambria Math" panose="02040503050406030204" pitchFamily="18" charset="0"/>
+                        <a:ea typeface="Noto Serif CJK SC"/>
+                      </a:rPr>
+                      <m:t>𝐶</m:t>
+                    </m:r>
+                  </m:oMath>
+                </a14:m>
+                <a:r>
+                  <a:rPr lang="ru-RU" sz="2400" dirty="0">
+                    <a:effectLst/>
+                    <a:latin typeface="Times New Roman" panose="02020603050405020304" pitchFamily="18" charset="0"/>
+                    <a:ea typeface="Noto Serif CJK SC"/>
+                  </a:rPr>
+                  <a:t>.</a:t>
+                </a:r>
+              </a:p>
+              <a:p>
+                <a:pPr marL="0" indent="0">
+                  <a:buNone/>
+                </a:pPr>
+                <a:endParaRPr lang="ru-RU" dirty="0"/>
+              </a:p>
+            </p:txBody>
+          </p:sp>
+        </mc:Choice>
+        <mc:Fallback xmlns="">
+          <p:sp>
+            <p:nvSpPr>
+              <p:cNvPr id="5" name="Объект 4">
+                <a:extLst>
+                  <a:ext uri="{FF2B5EF4-FFF2-40B4-BE49-F238E27FC236}">
+                    <a16:creationId xmlns:a16="http://schemas.microsoft.com/office/drawing/2014/main" id="{664E8FAF-62BB-AF7B-B14C-769D14E7506A}"/>
+                  </a:ext>
+                </a:extLst>
+              </p:cNvPr>
+              <p:cNvSpPr>
+                <a:spLocks noGrp="1" noRot="1" noChangeAspect="1" noMove="1" noResize="1" noEditPoints="1" noAdjustHandles="1" noChangeArrowheads="1" noChangeShapeType="1" noTextEdit="1"/>
+              </p:cNvSpPr>
+              <p:nvPr>
+                <p:ph idx="1"/>
+              </p:nvPr>
+            </p:nvSpPr>
+            <p:spPr>
+              <a:xfrm>
+                <a:off x="0" y="676276"/>
+                <a:ext cx="12192000" cy="6181724"/>
+              </a:xfrm>
+              <a:blipFill>
+                <a:blip r:embed="rId2"/>
+                <a:stretch>
+                  <a:fillRect r="-500"/>
+                </a:stretch>
+              </a:blipFill>
+            </p:spPr>
+            <p:txBody>
+              <a:bodyPr/>
+              <a:lstStyle/>
+              <a:p>
+                <a:r>
+                  <a:rPr lang="ru-RU">
+                    <a:noFill/>
+                  </a:rPr>
+                  <a:t> </a:t>
+                </a:r>
+              </a:p>
+            </p:txBody>
+          </p:sp>
+        </mc:Fallback>
+      </mc:AlternateContent>
+      <p:sp>
+        <p:nvSpPr>
+          <p:cNvPr id="8" name="Номер слайда 7">
+            <a:extLst>
+              <a:ext uri="{FF2B5EF4-FFF2-40B4-BE49-F238E27FC236}">
+                <a16:creationId xmlns:a16="http://schemas.microsoft.com/office/drawing/2014/main" id="{F5F5BF9F-1CB7-E800-353D-5F185F4AB44D}"/>
+              </a:ext>
+            </a:extLst>
+          </p:cNvPr>
+          <p:cNvSpPr>
+            <a:spLocks noGrp="1"/>
+          </p:cNvSpPr>
+          <p:nvPr>
+            <p:ph type="sldNum" sz="quarter" idx="12"/>
+          </p:nvPr>
+        </p:nvSpPr>
+        <p:spPr/>
+        <p:txBody>
+          <a:bodyPr/>
+          <a:lstStyle/>
+          <a:p>
+            <a:fld id="{CB2D0BB1-D3E1-48DF-AD13-5A27F6929C9A}" type="slidenum">
+              <a:rPr lang="ru-RU" smtClean="0"/>
+              <a:t>6</a:t>
+            </a:fld>
+            <a:endParaRPr lang="ru-RU"/>
           </a:p>
         </p:txBody>
       </p:sp>
@@ -9399,41 +13287,6 @@
           <a:chExt cx="0" cy="0"/>
         </a:xfrm>
       </p:grpSpPr>
-      <p:pic>
-        <p:nvPicPr>
-          <p:cNvPr id="6" name="Объект 5" descr="Изображение выглядит как текст, диаграмма, План, Технический чертеж&#10;&#10;Автоматически созданное описание">
-            <a:extLst>
-              <a:ext uri="{FF2B5EF4-FFF2-40B4-BE49-F238E27FC236}">
-                <a16:creationId xmlns:a16="http://schemas.microsoft.com/office/drawing/2014/main" id="{C332B135-82CC-D19D-4486-A2C17285D6FA}"/>
-              </a:ext>
-            </a:extLst>
-          </p:cNvPr>
-          <p:cNvPicPr>
-            <a:picLocks noGrp="1" noChangeAspect="1"/>
-          </p:cNvPicPr>
-          <p:nvPr>
-            <p:ph idx="1"/>
-          </p:nvPr>
-        </p:nvPicPr>
-        <p:blipFill>
-          <a:blip r:embed="rId3">
-            <a:extLst>
-              <a:ext uri="{28A0092B-C50C-407E-A947-70E740481C1C}">
-                <a14:useLocalDpi xmlns:a14="http://schemas.microsoft.com/office/drawing/2010/main" val="0"/>
-              </a:ext>
-            </a:extLst>
-          </a:blip>
-          <a:stretch>
-            <a:fillRect/>
-          </a:stretch>
-        </p:blipFill>
-        <p:spPr>
-          <a:xfrm>
-            <a:off x="1775881" y="624712"/>
-            <a:ext cx="8640238" cy="5608576"/>
-          </a:xfrm>
-        </p:spPr>
-      </p:pic>
       <p:sp>
         <p:nvSpPr>
           <p:cNvPr id="4" name="Заголовок 1">
@@ -9471,68 +13324,68 @@
           </a:p>
         </p:txBody>
       </p:sp>
-      <p:sp>
-        <p:nvSpPr>
-          <p:cNvPr id="7" name="Заголовок 1">
+      <p:pic>
+        <p:nvPicPr>
+          <p:cNvPr id="10" name="Рисунок 9" descr="Изображение выглядит как текст, диаграмма, снимок экрана, линия&#10;&#10;Автоматически созданное описание">
             <a:extLst>
               <a:ext uri="{FF2B5EF4-FFF2-40B4-BE49-F238E27FC236}">
-                <a16:creationId xmlns:a16="http://schemas.microsoft.com/office/drawing/2014/main" id="{AEDE9F80-43F6-0643-A31E-55A398F3CA08}"/>
+                <a16:creationId xmlns:a16="http://schemas.microsoft.com/office/drawing/2014/main" id="{AE92DD48-D98C-3899-B301-8A74EC2FDDBE}"/>
               </a:ext>
             </a:extLst>
           </p:cNvPr>
-          <p:cNvSpPr txBox="1">
-            <a:spLocks/>
-          </p:cNvSpPr>
+          <p:cNvPicPr>
+            <a:picLocks noChangeAspect="1"/>
+          </p:cNvPicPr>
           <p:nvPr/>
-        </p:nvSpPr>
+        </p:nvPicPr>
+        <p:blipFill>
+          <a:blip r:embed="rId3">
+            <a:extLst>
+              <a:ext uri="{28A0092B-C50C-407E-A947-70E740481C1C}">
+                <a14:useLocalDpi xmlns:a14="http://schemas.microsoft.com/office/drawing/2010/main" val="0"/>
+              </a:ext>
+            </a:extLst>
+          </a:blip>
+          <a:stretch>
+            <a:fillRect/>
+          </a:stretch>
+        </p:blipFill>
         <p:spPr>
           <a:xfrm>
-            <a:off x="3616587" y="6233288"/>
-            <a:ext cx="4958825" cy="481836"/>
+            <a:off x="2255736" y="658812"/>
+            <a:ext cx="7680528" cy="6092449"/>
           </a:xfrm>
           <a:prstGeom prst="rect">
             <a:avLst/>
           </a:prstGeom>
         </p:spPr>
+      </p:pic>
+      <p:sp>
+        <p:nvSpPr>
+          <p:cNvPr id="11" name="Номер слайда 10">
+            <a:extLst>
+              <a:ext uri="{FF2B5EF4-FFF2-40B4-BE49-F238E27FC236}">
+                <a16:creationId xmlns:a16="http://schemas.microsoft.com/office/drawing/2014/main" id="{B297EB2A-DA02-E9C5-32A7-F32D70A0A5A2}"/>
+              </a:ext>
+            </a:extLst>
+          </p:cNvPr>
+          <p:cNvSpPr>
+            <a:spLocks noGrp="1"/>
+          </p:cNvSpPr>
+          <p:nvPr>
+            <p:ph type="sldNum" sz="quarter" idx="12"/>
+          </p:nvPr>
+        </p:nvSpPr>
+        <p:spPr/>
         <p:txBody>
-          <a:bodyPr vert="horz" lIns="91440" tIns="45720" rIns="91440" bIns="45720" rtlCol="0" anchor="ctr">
-            <a:normAutofit fontScale="85000" lnSpcReduction="10000"/>
-          </a:bodyPr>
-          <a:lstStyle>
-            <a:lvl1pPr algn="l" defTabSz="914400" rtl="0" eaLnBrk="1" latinLnBrk="0" hangingPunct="1">
-              <a:lnSpc>
-                <a:spcPct val="90000"/>
-              </a:lnSpc>
-              <a:spcBef>
-                <a:spcPct val="0"/>
-              </a:spcBef>
-              <a:buNone/>
-              <a:defRPr sz="4400" kern="1200">
-                <a:solidFill>
-                  <a:schemeClr val="tx1"/>
-                </a:solidFill>
-                <a:latin typeface="+mj-lt"/>
-                <a:ea typeface="+mj-ea"/>
-                <a:cs typeface="+mj-cs"/>
-              </a:defRPr>
-            </a:lvl1pPr>
-          </a:lstStyle>
-          <a:p>
-            <a:pPr algn="ctr"/>
-            <a:r>
-              <a:rPr lang="en-US" sz="3200" dirty="0">
-                <a:latin typeface="Times New Roman" panose="02020603050405020304" pitchFamily="18" charset="0"/>
-                <a:cs typeface="Times New Roman" panose="02020603050405020304" pitchFamily="18" charset="0"/>
-              </a:rPr>
-              <a:t>UML-</a:t>
-            </a:r>
-            <a:r>
-              <a:rPr lang="ru-RU" sz="3200" dirty="0">
-                <a:latin typeface="Times New Roman" panose="02020603050405020304" pitchFamily="18" charset="0"/>
-                <a:cs typeface="Times New Roman" panose="02020603050405020304" pitchFamily="18" charset="0"/>
-              </a:rPr>
-              <a:t>диаграмма компонентов</a:t>
-            </a:r>
+          <a:bodyPr/>
+          <a:lstStyle/>
+          <a:p>
+            <a:fld id="{CB2D0BB1-D3E1-48DF-AD13-5A27F6929C9A}" type="slidenum">
+              <a:rPr lang="ru-RU" smtClean="0"/>
+              <a:t>7</a:t>
+            </a:fld>
+            <a:endParaRPr lang="ru-RU"/>
           </a:p>
         </p:txBody>
       </p:sp>
@@ -9856,6 +13709,35 @@
           </a:prstGeom>
         </p:spPr>
       </p:pic>
+      <p:sp>
+        <p:nvSpPr>
+          <p:cNvPr id="3" name="Номер слайда 2">
+            <a:extLst>
+              <a:ext uri="{FF2B5EF4-FFF2-40B4-BE49-F238E27FC236}">
+                <a16:creationId xmlns:a16="http://schemas.microsoft.com/office/drawing/2014/main" id="{3C56E99C-58CB-1090-AD75-1A55EE1BD234}"/>
+              </a:ext>
+            </a:extLst>
+          </p:cNvPr>
+          <p:cNvSpPr>
+            <a:spLocks noGrp="1"/>
+          </p:cNvSpPr>
+          <p:nvPr>
+            <p:ph type="sldNum" sz="quarter" idx="12"/>
+          </p:nvPr>
+        </p:nvSpPr>
+        <p:spPr/>
+        <p:txBody>
+          <a:bodyPr/>
+          <a:lstStyle/>
+          <a:p>
+            <a:fld id="{CB2D0BB1-D3E1-48DF-AD13-5A27F6929C9A}" type="slidenum">
+              <a:rPr lang="ru-RU" smtClean="0"/>
+              <a:t>8</a:t>
+            </a:fld>
+            <a:endParaRPr lang="ru-RU"/>
+          </a:p>
+        </p:txBody>
+      </p:sp>
     </p:spTree>
     <p:extLst>
       <p:ext uri="{BB962C8B-B14F-4D97-AF65-F5344CB8AC3E}">
@@ -9904,13 +13786,13 @@
         </p:nvSpPr>
         <p:spPr>
           <a:xfrm>
-            <a:off x="2952908" y="6229735"/>
-            <a:ext cx="5953126" cy="494916"/>
+            <a:off x="1614486" y="6386512"/>
+            <a:ext cx="8963025" cy="494916"/>
           </a:xfrm>
         </p:spPr>
         <p:txBody>
           <a:bodyPr>
-            <a:normAutofit/>
+            <a:normAutofit fontScale="92500"/>
           </a:bodyPr>
           <a:lstStyle/>
           <a:p>
@@ -9918,18 +13800,11 @@
               <a:buNone/>
             </a:pPr>
             <a:r>
-              <a:rPr lang="en-US" dirty="0">
-                <a:latin typeface="Times New Roman" panose="02020603050405020304" pitchFamily="18" charset="0"/>
-                <a:cs typeface="Times New Roman" panose="02020603050405020304" pitchFamily="18" charset="0"/>
-              </a:rPr>
-              <a:t>UML</a:t>
-            </a:r>
-            <a:r>
               <a:rPr lang="ru-RU" dirty="0">
                 <a:latin typeface="Times New Roman" panose="02020603050405020304" pitchFamily="18" charset="0"/>
                 <a:cs typeface="Times New Roman" panose="02020603050405020304" pitchFamily="18" charset="0"/>
               </a:rPr>
-              <a:t>-диаграмма последовательности</a:t>
+              <a:t>Упрощённая диаграмма действий деревьев атаки и разведки </a:t>
             </a:r>
             <a:endParaRPr lang="en-US" dirty="0">
               <a:latin typeface="Times New Roman" panose="02020603050405020304" pitchFamily="18" charset="0"/>
@@ -9956,7 +13831,7 @@
         </p:nvSpPr>
         <p:spPr>
           <a:xfrm>
-            <a:off x="838200" y="-295275"/>
+            <a:off x="838200" y="-463141"/>
             <a:ext cx="10515600" cy="1325563"/>
           </a:xfrm>
         </p:spPr>
@@ -9975,12 +13850,41 @@
           </a:p>
         </p:txBody>
       </p:sp>
+      <p:sp>
+        <p:nvSpPr>
+          <p:cNvPr id="5" name="Номер слайда 4">
+            <a:extLst>
+              <a:ext uri="{FF2B5EF4-FFF2-40B4-BE49-F238E27FC236}">
+                <a16:creationId xmlns:a16="http://schemas.microsoft.com/office/drawing/2014/main" id="{3C0EF95D-EA91-2D71-5379-752E40C2EB09}"/>
+              </a:ext>
+            </a:extLst>
+          </p:cNvPr>
+          <p:cNvSpPr>
+            <a:spLocks noGrp="1"/>
+          </p:cNvSpPr>
+          <p:nvPr>
+            <p:ph type="sldNum" sz="quarter" idx="12"/>
+          </p:nvPr>
+        </p:nvSpPr>
+        <p:spPr/>
+        <p:txBody>
+          <a:bodyPr/>
+          <a:lstStyle/>
+          <a:p>
+            <a:fld id="{CB2D0BB1-D3E1-48DF-AD13-5A27F6929C9A}" type="slidenum">
+              <a:rPr lang="ru-RU" smtClean="0"/>
+              <a:t>9</a:t>
+            </a:fld>
+            <a:endParaRPr lang="ru-RU" dirty="0"/>
+          </a:p>
+        </p:txBody>
+      </p:sp>
       <p:pic>
         <p:nvPicPr>
-          <p:cNvPr id="2" name="Рисунок 1" descr="Изображение выглядит как диаграмма&#10;&#10;Автоматически созданное описание">
+          <p:cNvPr id="9" name="Рисунок 8" descr="Изображение выглядит как текст, диаграмма, Параллельный, План&#10;&#10;Автоматически созданное описание">
             <a:extLst>
               <a:ext uri="{FF2B5EF4-FFF2-40B4-BE49-F238E27FC236}">
-                <a16:creationId xmlns:a16="http://schemas.microsoft.com/office/drawing/2014/main" id="{2625E223-63C3-6D4F-7C74-4A06D3A665E0}"/>
+                <a16:creationId xmlns:a16="http://schemas.microsoft.com/office/drawing/2014/main" id="{4DC1CEA7-A8C9-FECB-5ADC-1351BA81DD56}"/>
               </a:ext>
             </a:extLst>
           </p:cNvPr>
@@ -10003,8 +13907,8 @@
         </p:blipFill>
         <p:spPr>
           <a:xfrm>
-            <a:off x="2229167" y="1030288"/>
-            <a:ext cx="7400608" cy="5113721"/>
+            <a:off x="2185987" y="471487"/>
+            <a:ext cx="7820025" cy="5915025"/>
           </a:xfrm>
           <a:prstGeom prst="rect">
             <a:avLst/>
